--- a/docs/Box2D with Javascript.pptx
+++ b/docs/Box2D with Javascript.pptx
@@ -19,6 +19,7 @@
     <p:sldId id="264" r:id="rId14"/>
     <p:sldId id="265" r:id="rId15"/>
     <p:sldId id="266" r:id="rId16"/>
+    <p:sldId id="267" r:id="rId17"/>
   </p:sldIdLst>
   <p:sldSz cy="5143500" cx="9144000"/>
   <p:notesSz cy="9144000" cx="6858000"/>
@@ -471,7 +472,7 @@
   <p:cSld>
     <p:spTree>
       <p:nvGrpSpPr>
-        <p:cNvPr id="121" name="Shape 121"/>
+        <p:cNvPr id="117" name="Shape 117"/>
         <p:cNvGrpSpPr/>
         <p:nvPr/>
       </p:nvGrpSpPr>
@@ -485,7 +486,7 @@
       </p:grpSpPr>
       <p:sp>
         <p:nvSpPr>
-          <p:cNvPr id="122" name="Shape 122"/>
+          <p:cNvPr id="118" name="Shape 118"/>
           <p:cNvSpPr/>
           <p:nvPr>
             <p:ph idx="2" type="sldImg"/>
@@ -519,7 +520,7 @@
       </p:sp>
       <p:sp>
         <p:nvSpPr>
-          <p:cNvPr id="123" name="Shape 123"/>
+          <p:cNvPr id="119" name="Shape 119"/>
           <p:cNvSpPr txBox="1"/>
           <p:nvPr>
             <p:ph idx="1" type="body"/>
@@ -566,7 +567,7 @@
   <p:cSld>
     <p:spTree>
       <p:nvGrpSpPr>
-        <p:cNvPr id="127" name="Shape 127"/>
+        <p:cNvPr id="125" name="Shape 125"/>
         <p:cNvGrpSpPr/>
         <p:nvPr/>
       </p:nvGrpSpPr>
@@ -580,7 +581,7 @@
       </p:grpSpPr>
       <p:sp>
         <p:nvSpPr>
-          <p:cNvPr id="128" name="Shape 128"/>
+          <p:cNvPr id="126" name="Shape 126"/>
           <p:cNvSpPr/>
           <p:nvPr>
             <p:ph idx="2" type="sldImg"/>
@@ -614,7 +615,102 @@
       </p:sp>
       <p:sp>
         <p:nvSpPr>
-          <p:cNvPr id="129" name="Shape 129"/>
+          <p:cNvPr id="127" name="Shape 127"/>
+          <p:cNvSpPr txBox="1"/>
+          <p:nvPr>
+            <p:ph idx="1" type="body"/>
+          </p:nvPr>
+        </p:nvSpPr>
+        <p:spPr>
+          <a:xfrm>
+            <a:off y="4343400" x="685800"/>
+            <a:ext cy="4114800" cx="5486399"/>
+          </a:xfrm>
+          <a:prstGeom prst="rect">
+            <a:avLst/>
+          </a:prstGeom>
+        </p:spPr>
+        <p:txBody>
+          <a:bodyPr bIns="91425" rIns="91425" lIns="91425" tIns="91425" anchor="t" anchorCtr="0">
+            <a:noAutofit/>
+          </a:bodyPr>
+          <a:lstStyle/>
+          <a:p>
+            <a:pPr rtl="0" lvl="0">
+              <a:spcBef>
+                <a:spcPts val="0"/>
+              </a:spcBef>
+              <a:buNone/>
+            </a:pPr>
+            <a:r>
+              <a:t/>
+            </a:r>
+            <a:endParaRPr/>
+          </a:p>
+        </p:txBody>
+      </p:sp>
+    </p:spTree>
+  </p:cSld>
+  <p:clrMapOvr>
+    <a:masterClrMapping/>
+  </p:clrMapOvr>
+</p:notes>
+</file>
+
+<file path=ppt/notesSlides/notesSlide12.xml><?xml version="1.0" encoding="utf-8"?>
+<p:notes xmlns:a="http://schemas.openxmlformats.org/drawingml/2006/main" xmlns:r="http://schemas.openxmlformats.org/officeDocument/2006/relationships" xmlns:mc="http://schemas.openxmlformats.org/markup-compatibility/2006" xmlns:mv="urn:schemas-microsoft-com:mac:vml" xmlns:p="http://schemas.openxmlformats.org/presentationml/2006/main" xmlns:c="http://schemas.openxmlformats.org/drawingml/2006/chart" xmlns:dgm="http://schemas.openxmlformats.org/drawingml/2006/diagram" xmlns:o="urn:schemas-microsoft-com:office:office" xmlns:v="urn:schemas-microsoft-com:vml" xmlns:pvml="urn:schemas-microsoft-com:office:powerpoint" xmlns:com="http://schemas.openxmlformats.org/drawingml/2006/compatibility" xmlns:p14="http://schemas.microsoft.com/office/powerpoint/2010/main" showMasterSp="0" showMasterPhAnim="0">
+  <p:cSld>
+    <p:spTree>
+      <p:nvGrpSpPr>
+        <p:cNvPr id="131" name="Shape 131"/>
+        <p:cNvGrpSpPr/>
+        <p:nvPr/>
+      </p:nvGrpSpPr>
+      <p:grpSpPr>
+        <a:xfrm>
+          <a:off y="0" x="0"/>
+          <a:ext cy="0" cx="0"/>
+          <a:chOff y="0" x="0"/>
+          <a:chExt cy="0" cx="0"/>
+        </a:xfrm>
+      </p:grpSpPr>
+      <p:sp>
+        <p:nvSpPr>
+          <p:cNvPr id="132" name="Shape 132"/>
+          <p:cNvSpPr/>
+          <p:nvPr>
+            <p:ph idx="2" type="sldImg"/>
+          </p:nvPr>
+        </p:nvSpPr>
+        <p:spPr>
+          <a:xfrm>
+            <a:off y="685800" x="1143225"/>
+            <a:ext cy="3429000" cx="4572299"/>
+          </a:xfrm>
+          <a:custGeom>
+            <a:pathLst>
+              <a:path w="120000" extrusionOk="0" h="120000">
+                <a:moveTo>
+                  <a:pt y="0" x="0"/>
+                </a:moveTo>
+                <a:lnTo>
+                  <a:pt y="0" x="120000"/>
+                </a:lnTo>
+                <a:lnTo>
+                  <a:pt y="120000" x="120000"/>
+                </a:lnTo>
+                <a:lnTo>
+                  <a:pt y="120000" x="0"/>
+                </a:lnTo>
+                <a:close/>
+              </a:path>
+            </a:pathLst>
+          </a:custGeom>
+        </p:spPr>
+      </p:sp>
+      <p:sp>
+        <p:nvSpPr>
+          <p:cNvPr id="133" name="Shape 133"/>
           <p:cNvSpPr txBox="1"/>
           <p:nvPr>
             <p:ph idx="1" type="body"/>
@@ -1326,7 +1422,7 @@
   <p:cSld>
     <p:spTree>
       <p:nvGrpSpPr>
-        <p:cNvPr id="111" name="Shape 111"/>
+        <p:cNvPr id="109" name="Shape 109"/>
         <p:cNvGrpSpPr/>
         <p:nvPr/>
       </p:nvGrpSpPr>
@@ -1340,7 +1436,7 @@
       </p:grpSpPr>
       <p:sp>
         <p:nvSpPr>
-          <p:cNvPr id="112" name="Shape 112"/>
+          <p:cNvPr id="110" name="Shape 110"/>
           <p:cNvSpPr/>
           <p:nvPr>
             <p:ph idx="2" type="sldImg"/>
@@ -1374,7 +1470,7 @@
       </p:sp>
       <p:sp>
         <p:nvSpPr>
-          <p:cNvPr id="113" name="Shape 113"/>
+          <p:cNvPr id="111" name="Shape 111"/>
           <p:cNvSpPr txBox="1"/>
           <p:nvPr>
             <p:ph idx="1" type="body"/>
@@ -3128,7 +3224,7 @@
         </p:blipFill>
         <p:spPr>
           <a:xfrm>
-            <a:off y="341262" x="1818800"/>
+            <a:off y="341262" x="2047400"/>
             <a:ext cy="1297700" cx="965224"/>
           </a:xfrm>
           <a:prstGeom prst="rect">
@@ -3274,7 +3370,7 @@
         </p:blipFill>
         <p:spPr>
           <a:xfrm>
-            <a:off y="608162" x="1884900"/>
+            <a:off y="608162" x="2113500"/>
             <a:ext cy="843783" cx="2531349"/>
           </a:xfrm>
           <a:prstGeom prst="rect">
@@ -3294,7 +3390,7 @@
         </p:nvSpPr>
         <p:spPr>
           <a:xfrm>
-            <a:off y="1071000" x="2860225"/>
+            <a:off y="1071000" x="3088825"/>
             <a:ext cy="457200" cx="3657600"/>
           </a:xfrm>
           <a:prstGeom prst="rect">
@@ -3333,7 +3429,7 @@
         </p:nvSpPr>
         <p:spPr>
           <a:xfrm>
-            <a:off y="597725" x="4297650"/>
+            <a:off y="597725" x="4526250"/>
             <a:ext cy="784799" cx="548699"/>
           </a:xfrm>
           <a:prstGeom prst="rect">
@@ -3378,7 +3474,7 @@
         </p:blipFill>
         <p:spPr>
           <a:xfrm rot="443999">
-            <a:off y="387137" x="4954724"/>
+            <a:off y="387137" x="5183324"/>
             <a:ext cy="1285874" cx="1714499"/>
           </a:xfrm>
           <a:prstGeom prst="rect">
@@ -3406,7 +3502,7 @@
   <p:cSld>
     <p:spTree>
       <p:nvGrpSpPr>
-        <p:cNvPr id="114" name="Shape 114"/>
+        <p:cNvPr id="112" name="Shape 112"/>
         <p:cNvGrpSpPr/>
         <p:nvPr/>
       </p:nvGrpSpPr>
@@ -3418,9 +3514,31 @@
           <a:chExt cy="0" cx="0"/>
         </a:xfrm>
       </p:grpSpPr>
-      <p:sp>
-        <p:nvSpPr>
-          <p:cNvPr id="115" name="Shape 115"/>
+      <p:pic>
+        <p:nvPicPr>
+          <p:cNvPr id="113" name="Shape 113"/>
+          <p:cNvPicPr preferRelativeResize="0"/>
+          <p:nvPr/>
+        </p:nvPicPr>
+        <p:blipFill>
+          <a:blip r:embed="rId3"/>
+          <a:stretch>
+            <a:fillRect/>
+          </a:stretch>
+        </p:blipFill>
+        <p:spPr>
+          <a:xfrm>
+            <a:off y="0" x="150369"/>
+            <a:ext cy="4876800" cx="4876800"/>
+          </a:xfrm>
+          <a:prstGeom prst="rect">
+            <a:avLst/>
+          </a:prstGeom>
+        </p:spPr>
+      </p:pic>
+      <p:sp>
+        <p:nvSpPr>
+          <p:cNvPr id="114" name="Shape 114"/>
           <p:cNvSpPr txBox="1"/>
           <p:nvPr>
             <p:ph type="ctrTitle"/>
@@ -3428,8 +3546,8 @@
         </p:nvSpPr>
         <p:spPr>
           <a:xfrm>
-            <a:off y="3245978" x="685800"/>
-            <a:ext cy="1159799" cx="7772400"/>
+            <a:off y="1026506" x="1589827"/>
+            <a:ext cy="671400" cx="7772400"/>
           </a:xfrm>
           <a:prstGeom prst="rect">
             <a:avLst/>
@@ -3448,44 +3566,27 @@
               <a:buNone/>
             </a:pPr>
             <a:r>
-              <a:t/>
-            </a:r>
-            <a:endParaRPr>
-              <a:latin typeface="Ubuntu"/>
-              <a:ea typeface="Ubuntu"/>
-              <a:cs typeface="Ubuntu"/>
-              <a:sym typeface="Ubuntu"/>
-            </a:endParaRPr>
-          </a:p>
-          <a:p>
-            <a:pPr rtl="0" lvl="0">
-              <a:spcBef>
-                <a:spcPts val="0"/>
-              </a:spcBef>
-              <a:buNone/>
-            </a:pPr>
-            <a:r>
-              <a:rPr lang="es">
-                <a:latin typeface="Ubuntu"/>
-                <a:ea typeface="Ubuntu"/>
-                <a:cs typeface="Ubuntu"/>
-                <a:sym typeface="Ubuntu"/>
-              </a:rPr>
-              <a:t>Attaching images</a:t>
+              <a:rPr sz="2400" lang="es">
+                <a:latin typeface="Ubuntu"/>
+                <a:ea typeface="Ubuntu"/>
+                <a:cs typeface="Ubuntu"/>
+                <a:sym typeface="Ubuntu"/>
+              </a:rPr>
+              <a:t>Coding time...</a:t>
             </a:r>
           </a:p>
         </p:txBody>
       </p:sp>
       <p:sp>
         <p:nvSpPr>
-          <p:cNvPr id="116" name="Shape 116"/>
+          <p:cNvPr id="115" name="Shape 115"/>
           <p:cNvSpPr txBox="1"/>
           <p:nvPr/>
         </p:nvSpPr>
         <p:spPr>
           <a:xfrm>
-            <a:off y="4266605" x="1037950"/>
-            <a:ext cy="457200" cx="7067399"/>
+            <a:off y="1804488" x="4423616"/>
+            <a:ext cy="2141999" cx="4932000"/>
           </a:xfrm>
           <a:prstGeom prst="rect">
             <a:avLst/>
@@ -3497,26 +3598,598 @@
           </a:bodyPr>
           <a:lstStyle/>
           <a:p>
-            <a:pPr algn="ctr" rtl="0" lvl="0">
-              <a:spcBef>
-                <a:spcPts val="0"/>
-              </a:spcBef>
-              <a:buNone/>
-            </a:pPr>
-            <a:r>
-              <a:rPr sz="2400" lang="es">
+            <a:pPr rtl="0" lvl="0">
+              <a:lnSpc>
+                <a:spcPct val="125000"/>
+              </a:lnSpc>
+              <a:spcBef>
+                <a:spcPts val="0"/>
+              </a:spcBef>
+              <a:buClr>
+                <a:schemeClr val="dk1"/>
+              </a:buClr>
+              <a:buSzPct val="122222"/>
+              <a:buFont typeface="Arial"/>
+              <a:buNone/>
+            </a:pPr>
+            <a:r>
+              <a:rPr sz="900" lang="es">
                 <a:solidFill>
                   <a:srgbClr val="4A86E8"/>
                 </a:solidFill>
-              </a:rPr>
-              <a:t>http://codingowl.com/readblog.php?blogid=134</a:t>
-            </a:r>
+                <a:latin typeface="Courier New"/>
+                <a:ea typeface="Courier New"/>
+                <a:cs typeface="Courier New"/>
+                <a:sym typeface="Courier New"/>
+              </a:rPr>
+              <a:t>var</a:t>
+            </a:r>
+            <a:r>
+              <a:rPr sz="900" lang="es">
+                <a:solidFill>
+                  <a:schemeClr val="dk1"/>
+                </a:solidFill>
+                <a:latin typeface="Courier New"/>
+                <a:ea typeface="Courier New"/>
+                <a:cs typeface="Courier New"/>
+                <a:sym typeface="Courier New"/>
+              </a:rPr>
+              <a:t> b2Vec2 = </a:t>
+            </a:r>
+            <a:r>
+              <a:rPr sz="900" lang="es">
+                <a:solidFill>
+                  <a:srgbClr val="4A86E8"/>
+                </a:solidFill>
+                <a:latin typeface="Courier New"/>
+                <a:ea typeface="Courier New"/>
+                <a:cs typeface="Courier New"/>
+                <a:sym typeface="Courier New"/>
+              </a:rPr>
+              <a:t>Box2D.Common.Math</a:t>
+            </a:r>
+            <a:r>
+              <a:rPr sz="900" lang="es">
+                <a:solidFill>
+                  <a:schemeClr val="dk1"/>
+                </a:solidFill>
+                <a:latin typeface="Courier New"/>
+                <a:ea typeface="Courier New"/>
+                <a:cs typeface="Courier New"/>
+                <a:sym typeface="Courier New"/>
+              </a:rPr>
+              <a:t>.b2Vec2;</a:t>
+            </a:r>
+          </a:p>
+          <a:p>
+            <a:pPr rtl="0" lvl="0">
+              <a:lnSpc>
+                <a:spcPct val="125000"/>
+              </a:lnSpc>
+              <a:spcBef>
+                <a:spcPts val="0"/>
+              </a:spcBef>
+              <a:buClr>
+                <a:schemeClr val="dk1"/>
+              </a:buClr>
+              <a:buSzPct val="122222"/>
+              <a:buFont typeface="Arial"/>
+              <a:buNone/>
+            </a:pPr>
+            <a:r>
+              <a:rPr sz="900" lang="es">
+                <a:solidFill>
+                  <a:srgbClr val="4A86E8"/>
+                </a:solidFill>
+                <a:latin typeface="Courier New"/>
+                <a:ea typeface="Courier New"/>
+                <a:cs typeface="Courier New"/>
+                <a:sym typeface="Courier New"/>
+              </a:rPr>
+              <a:t>var </a:t>
+            </a:r>
+            <a:r>
+              <a:rPr sz="900" lang="es">
+                <a:solidFill>
+                  <a:schemeClr val="dk1"/>
+                </a:solidFill>
+                <a:latin typeface="Courier New"/>
+                <a:ea typeface="Courier New"/>
+                <a:cs typeface="Courier New"/>
+                <a:sym typeface="Courier New"/>
+              </a:rPr>
+              <a:t>b2AABB = </a:t>
+            </a:r>
+            <a:r>
+              <a:rPr sz="900" lang="es">
+                <a:solidFill>
+                  <a:srgbClr val="4A86E8"/>
+                </a:solidFill>
+                <a:latin typeface="Courier New"/>
+                <a:ea typeface="Courier New"/>
+                <a:cs typeface="Courier New"/>
+                <a:sym typeface="Courier New"/>
+              </a:rPr>
+              <a:t>Box2D.Collision</a:t>
+            </a:r>
+            <a:r>
+              <a:rPr sz="900" lang="es">
+                <a:solidFill>
+                  <a:schemeClr val="dk1"/>
+                </a:solidFill>
+                <a:latin typeface="Courier New"/>
+                <a:ea typeface="Courier New"/>
+                <a:cs typeface="Courier New"/>
+                <a:sym typeface="Courier New"/>
+              </a:rPr>
+              <a:t>.b2AABB;</a:t>
+            </a:r>
+          </a:p>
+          <a:p>
+            <a:pPr rtl="0" lvl="0">
+              <a:lnSpc>
+                <a:spcPct val="125000"/>
+              </a:lnSpc>
+              <a:spcBef>
+                <a:spcPts val="0"/>
+              </a:spcBef>
+              <a:buClr>
+                <a:schemeClr val="dk1"/>
+              </a:buClr>
+              <a:buSzPct val="122222"/>
+              <a:buFont typeface="Arial"/>
+              <a:buNone/>
+            </a:pPr>
+            <a:r>
+              <a:rPr sz="900" lang="es">
+                <a:solidFill>
+                  <a:srgbClr val="4A86E8"/>
+                </a:solidFill>
+                <a:latin typeface="Courier New"/>
+                <a:ea typeface="Courier New"/>
+                <a:cs typeface="Courier New"/>
+                <a:sym typeface="Courier New"/>
+              </a:rPr>
+              <a:t>var </a:t>
+            </a:r>
+            <a:r>
+              <a:rPr sz="900" lang="es">
+                <a:solidFill>
+                  <a:schemeClr val="dk1"/>
+                </a:solidFill>
+                <a:latin typeface="Courier New"/>
+                <a:ea typeface="Courier New"/>
+                <a:cs typeface="Courier New"/>
+                <a:sym typeface="Courier New"/>
+              </a:rPr>
+              <a:t>b2BodyDef = </a:t>
+            </a:r>
+            <a:r>
+              <a:rPr sz="900" lang="es">
+                <a:solidFill>
+                  <a:srgbClr val="4A86E8"/>
+                </a:solidFill>
+                <a:latin typeface="Courier New"/>
+                <a:ea typeface="Courier New"/>
+                <a:cs typeface="Courier New"/>
+                <a:sym typeface="Courier New"/>
+              </a:rPr>
+              <a:t>Box2D.Dynamics</a:t>
+            </a:r>
+            <a:r>
+              <a:rPr sz="900" lang="es">
+                <a:solidFill>
+                  <a:schemeClr val="dk1"/>
+                </a:solidFill>
+                <a:latin typeface="Courier New"/>
+                <a:ea typeface="Courier New"/>
+                <a:cs typeface="Courier New"/>
+                <a:sym typeface="Courier New"/>
+              </a:rPr>
+              <a:t>.b2BodyDef;</a:t>
+            </a:r>
+          </a:p>
+          <a:p>
+            <a:pPr rtl="0" lvl="0">
+              <a:lnSpc>
+                <a:spcPct val="125000"/>
+              </a:lnSpc>
+              <a:spcBef>
+                <a:spcPts val="0"/>
+              </a:spcBef>
+              <a:buClr>
+                <a:schemeClr val="dk1"/>
+              </a:buClr>
+              <a:buSzPct val="122222"/>
+              <a:buFont typeface="Arial"/>
+              <a:buNone/>
+            </a:pPr>
+            <a:r>
+              <a:rPr sz="900" lang="es">
+                <a:solidFill>
+                  <a:srgbClr val="4A86E8"/>
+                </a:solidFill>
+                <a:latin typeface="Courier New"/>
+                <a:ea typeface="Courier New"/>
+                <a:cs typeface="Courier New"/>
+                <a:sym typeface="Courier New"/>
+              </a:rPr>
+              <a:t>var </a:t>
+            </a:r>
+            <a:r>
+              <a:rPr sz="900" lang="es">
+                <a:solidFill>
+                  <a:schemeClr val="dk1"/>
+                </a:solidFill>
+                <a:latin typeface="Courier New"/>
+                <a:ea typeface="Courier New"/>
+                <a:cs typeface="Courier New"/>
+                <a:sym typeface="Courier New"/>
+              </a:rPr>
+              <a:t>b2Body = </a:t>
+            </a:r>
+            <a:r>
+              <a:rPr sz="900" lang="es">
+                <a:solidFill>
+                  <a:srgbClr val="4A86E8"/>
+                </a:solidFill>
+                <a:latin typeface="Courier New"/>
+                <a:ea typeface="Courier New"/>
+                <a:cs typeface="Courier New"/>
+                <a:sym typeface="Courier New"/>
+              </a:rPr>
+              <a:t>Box2D.Dynamics</a:t>
+            </a:r>
+            <a:r>
+              <a:rPr sz="900" lang="es">
+                <a:solidFill>
+                  <a:schemeClr val="dk1"/>
+                </a:solidFill>
+                <a:latin typeface="Courier New"/>
+                <a:ea typeface="Courier New"/>
+                <a:cs typeface="Courier New"/>
+                <a:sym typeface="Courier New"/>
+              </a:rPr>
+              <a:t>.b2Body;</a:t>
+            </a:r>
+          </a:p>
+          <a:p>
+            <a:pPr rtl="0" lvl="0">
+              <a:lnSpc>
+                <a:spcPct val="125000"/>
+              </a:lnSpc>
+              <a:spcBef>
+                <a:spcPts val="0"/>
+              </a:spcBef>
+              <a:buClr>
+                <a:schemeClr val="dk1"/>
+              </a:buClr>
+              <a:buSzPct val="122222"/>
+              <a:buFont typeface="Arial"/>
+              <a:buNone/>
+            </a:pPr>
+            <a:r>
+              <a:rPr sz="900" lang="es">
+                <a:solidFill>
+                  <a:srgbClr val="4A86E8"/>
+                </a:solidFill>
+                <a:latin typeface="Courier New"/>
+                <a:ea typeface="Courier New"/>
+                <a:cs typeface="Courier New"/>
+                <a:sym typeface="Courier New"/>
+              </a:rPr>
+              <a:t>var </a:t>
+            </a:r>
+            <a:r>
+              <a:rPr sz="900" lang="es">
+                <a:solidFill>
+                  <a:schemeClr val="dk1"/>
+                </a:solidFill>
+                <a:latin typeface="Courier New"/>
+                <a:ea typeface="Courier New"/>
+                <a:cs typeface="Courier New"/>
+                <a:sym typeface="Courier New"/>
+              </a:rPr>
+              <a:t>b2FixtureDef = </a:t>
+            </a:r>
+            <a:r>
+              <a:rPr sz="900" lang="es">
+                <a:solidFill>
+                  <a:srgbClr val="4A86E8"/>
+                </a:solidFill>
+                <a:latin typeface="Courier New"/>
+                <a:ea typeface="Courier New"/>
+                <a:cs typeface="Courier New"/>
+                <a:sym typeface="Courier New"/>
+              </a:rPr>
+              <a:t>Box2D.Dynamics</a:t>
+            </a:r>
+            <a:r>
+              <a:rPr sz="900" lang="es">
+                <a:solidFill>
+                  <a:schemeClr val="dk1"/>
+                </a:solidFill>
+                <a:latin typeface="Courier New"/>
+                <a:ea typeface="Courier New"/>
+                <a:cs typeface="Courier New"/>
+                <a:sym typeface="Courier New"/>
+              </a:rPr>
+              <a:t>.b2FixtureDef;</a:t>
+            </a:r>
+          </a:p>
+          <a:p>
+            <a:pPr rtl="0" lvl="0">
+              <a:lnSpc>
+                <a:spcPct val="125000"/>
+              </a:lnSpc>
+              <a:spcBef>
+                <a:spcPts val="0"/>
+              </a:spcBef>
+              <a:buClr>
+                <a:schemeClr val="dk1"/>
+              </a:buClr>
+              <a:buSzPct val="122222"/>
+              <a:buFont typeface="Arial"/>
+              <a:buNone/>
+            </a:pPr>
+            <a:r>
+              <a:rPr sz="900" lang="es">
+                <a:solidFill>
+                  <a:srgbClr val="4A86E8"/>
+                </a:solidFill>
+                <a:latin typeface="Courier New"/>
+                <a:ea typeface="Courier New"/>
+                <a:cs typeface="Courier New"/>
+                <a:sym typeface="Courier New"/>
+              </a:rPr>
+              <a:t>var </a:t>
+            </a:r>
+            <a:r>
+              <a:rPr sz="900" lang="es">
+                <a:solidFill>
+                  <a:schemeClr val="dk1"/>
+                </a:solidFill>
+                <a:latin typeface="Courier New"/>
+                <a:ea typeface="Courier New"/>
+                <a:cs typeface="Courier New"/>
+                <a:sym typeface="Courier New"/>
+              </a:rPr>
+              <a:t>b2Fixture = </a:t>
+            </a:r>
+            <a:r>
+              <a:rPr sz="900" lang="es">
+                <a:solidFill>
+                  <a:srgbClr val="4A86E8"/>
+                </a:solidFill>
+                <a:latin typeface="Courier New"/>
+                <a:ea typeface="Courier New"/>
+                <a:cs typeface="Courier New"/>
+                <a:sym typeface="Courier New"/>
+              </a:rPr>
+              <a:t>Box2D.Dynamics</a:t>
+            </a:r>
+            <a:r>
+              <a:rPr sz="900" lang="es">
+                <a:solidFill>
+                  <a:schemeClr val="dk1"/>
+                </a:solidFill>
+                <a:latin typeface="Courier New"/>
+                <a:ea typeface="Courier New"/>
+                <a:cs typeface="Courier New"/>
+                <a:sym typeface="Courier New"/>
+              </a:rPr>
+              <a:t>.b2Fixture;</a:t>
+            </a:r>
+          </a:p>
+          <a:p>
+            <a:pPr rtl="0" lvl="0">
+              <a:lnSpc>
+                <a:spcPct val="125000"/>
+              </a:lnSpc>
+              <a:spcBef>
+                <a:spcPts val="0"/>
+              </a:spcBef>
+              <a:buClr>
+                <a:schemeClr val="dk1"/>
+              </a:buClr>
+              <a:buSzPct val="122222"/>
+              <a:buFont typeface="Arial"/>
+              <a:buNone/>
+            </a:pPr>
+            <a:r>
+              <a:rPr sz="900" lang="es">
+                <a:solidFill>
+                  <a:srgbClr val="4A86E8"/>
+                </a:solidFill>
+                <a:latin typeface="Courier New"/>
+                <a:ea typeface="Courier New"/>
+                <a:cs typeface="Courier New"/>
+                <a:sym typeface="Courier New"/>
+              </a:rPr>
+              <a:t>var </a:t>
+            </a:r>
+            <a:r>
+              <a:rPr sz="900" lang="es">
+                <a:solidFill>
+                  <a:schemeClr val="dk1"/>
+                </a:solidFill>
+                <a:latin typeface="Courier New"/>
+                <a:ea typeface="Courier New"/>
+                <a:cs typeface="Courier New"/>
+                <a:sym typeface="Courier New"/>
+              </a:rPr>
+              <a:t>b2World = </a:t>
+            </a:r>
+            <a:r>
+              <a:rPr sz="900" lang="es">
+                <a:solidFill>
+                  <a:srgbClr val="4A86E8"/>
+                </a:solidFill>
+                <a:latin typeface="Courier New"/>
+                <a:ea typeface="Courier New"/>
+                <a:cs typeface="Courier New"/>
+                <a:sym typeface="Courier New"/>
+              </a:rPr>
+              <a:t>Box2D.Dynamics</a:t>
+            </a:r>
+            <a:r>
+              <a:rPr sz="900" lang="es">
+                <a:solidFill>
+                  <a:schemeClr val="dk1"/>
+                </a:solidFill>
+                <a:latin typeface="Courier New"/>
+                <a:ea typeface="Courier New"/>
+                <a:cs typeface="Courier New"/>
+                <a:sym typeface="Courier New"/>
+              </a:rPr>
+              <a:t>.b2World;</a:t>
+            </a:r>
+          </a:p>
+          <a:p>
+            <a:pPr rtl="0" lvl="0">
+              <a:lnSpc>
+                <a:spcPct val="125000"/>
+              </a:lnSpc>
+              <a:spcBef>
+                <a:spcPts val="0"/>
+              </a:spcBef>
+              <a:buClr>
+                <a:schemeClr val="dk1"/>
+              </a:buClr>
+              <a:buSzPct val="122222"/>
+              <a:buFont typeface="Arial"/>
+              <a:buNone/>
+            </a:pPr>
+            <a:r>
+              <a:rPr sz="900" lang="es">
+                <a:solidFill>
+                  <a:srgbClr val="4A86E8"/>
+                </a:solidFill>
+                <a:latin typeface="Courier New"/>
+                <a:ea typeface="Courier New"/>
+                <a:cs typeface="Courier New"/>
+                <a:sym typeface="Courier New"/>
+              </a:rPr>
+              <a:t>var </a:t>
+            </a:r>
+            <a:r>
+              <a:rPr sz="900" lang="es">
+                <a:solidFill>
+                  <a:schemeClr val="dk1"/>
+                </a:solidFill>
+                <a:latin typeface="Courier New"/>
+                <a:ea typeface="Courier New"/>
+                <a:cs typeface="Courier New"/>
+                <a:sym typeface="Courier New"/>
+              </a:rPr>
+              <a:t>b2PolygonShape = </a:t>
+            </a:r>
+            <a:r>
+              <a:rPr sz="900" lang="es">
+                <a:solidFill>
+                  <a:srgbClr val="4A86E8"/>
+                </a:solidFill>
+                <a:latin typeface="Courier New"/>
+                <a:ea typeface="Courier New"/>
+                <a:cs typeface="Courier New"/>
+                <a:sym typeface="Courier New"/>
+              </a:rPr>
+              <a:t>Box2D.Collision.Shapes</a:t>
+            </a:r>
+            <a:r>
+              <a:rPr sz="900" lang="es">
+                <a:solidFill>
+                  <a:schemeClr val="dk1"/>
+                </a:solidFill>
+                <a:latin typeface="Courier New"/>
+                <a:ea typeface="Courier New"/>
+                <a:cs typeface="Courier New"/>
+                <a:sym typeface="Courier New"/>
+              </a:rPr>
+              <a:t>.b2PolygonShape;</a:t>
+            </a:r>
+          </a:p>
+          <a:p>
+            <a:pPr rtl="0" lvl="0">
+              <a:lnSpc>
+                <a:spcPct val="125000"/>
+              </a:lnSpc>
+              <a:spcBef>
+                <a:spcPts val="0"/>
+              </a:spcBef>
+              <a:buClr>
+                <a:schemeClr val="dk1"/>
+              </a:buClr>
+              <a:buSzPct val="122222"/>
+              <a:buFont typeface="Arial"/>
+              <a:buNone/>
+            </a:pPr>
+            <a:r>
+              <a:rPr sz="900" lang="es">
+                <a:solidFill>
+                  <a:srgbClr val="4A86E8"/>
+                </a:solidFill>
+                <a:latin typeface="Courier New"/>
+                <a:ea typeface="Courier New"/>
+                <a:cs typeface="Courier New"/>
+                <a:sym typeface="Courier New"/>
+              </a:rPr>
+              <a:t>var </a:t>
+            </a:r>
+            <a:r>
+              <a:rPr sz="900" lang="es">
+                <a:solidFill>
+                  <a:schemeClr val="dk1"/>
+                </a:solidFill>
+                <a:latin typeface="Courier New"/>
+                <a:ea typeface="Courier New"/>
+                <a:cs typeface="Courier New"/>
+                <a:sym typeface="Courier New"/>
+              </a:rPr>
+              <a:t>b2DebugDraw = </a:t>
+            </a:r>
+            <a:r>
+              <a:rPr sz="900" lang="es">
+                <a:solidFill>
+                  <a:srgbClr val="4A86E8"/>
+                </a:solidFill>
+                <a:latin typeface="Courier New"/>
+                <a:ea typeface="Courier New"/>
+                <a:cs typeface="Courier New"/>
+                <a:sym typeface="Courier New"/>
+              </a:rPr>
+              <a:t>Box2D.Dynamics</a:t>
+            </a:r>
+            <a:r>
+              <a:rPr sz="900" lang="es">
+                <a:solidFill>
+                  <a:schemeClr val="dk1"/>
+                </a:solidFill>
+                <a:latin typeface="Courier New"/>
+                <a:ea typeface="Courier New"/>
+                <a:cs typeface="Courier New"/>
+                <a:sym typeface="Courier New"/>
+              </a:rPr>
+              <a:t>.b2DebugDraw;</a:t>
+            </a:r>
+          </a:p>
+          <a:p>
+            <a:pPr>
+              <a:spcBef>
+                <a:spcPts val="0"/>
+              </a:spcBef>
+              <a:buNone/>
+            </a:pPr>
+            <a:r>
+              <a:t/>
+            </a:r>
+            <a:endParaRPr/>
           </a:p>
         </p:txBody>
       </p:sp>
       <p:sp>
         <p:nvSpPr>
-          <p:cNvPr id="117" name="Shape 117"/>
+          <p:cNvPr id="116" name="Shape 116"/>
           <p:cNvSpPr txBox="1"/>
           <p:nvPr>
             <p:ph idx="2" type="ctrTitle"/>
@@ -3524,8 +4197,8 @@
         </p:nvSpPr>
         <p:spPr>
           <a:xfrm>
-            <a:off y="1718947" x="676050"/>
-            <a:ext cy="1159799" cx="7772400"/>
+            <a:off y="3569010" x="4439247"/>
+            <a:ext cy="671400" cx="3670199"/>
           </a:xfrm>
           <a:prstGeom prst="rect">
             <a:avLst/>
@@ -3537,171 +4210,43 @@
           </a:bodyPr>
           <a:lstStyle/>
           <a:p>
-            <a:pPr rtl="0" lvl="0">
-              <a:spcBef>
-                <a:spcPts val="0"/>
-              </a:spcBef>
-              <a:buNone/>
-            </a:pPr>
-            <a:r>
-              <a:t/>
-            </a:r>
-            <a:endParaRPr>
-              <a:latin typeface="Ubuntu"/>
-              <a:ea typeface="Ubuntu"/>
-              <a:cs typeface="Ubuntu"/>
-              <a:sym typeface="Ubuntu"/>
-            </a:endParaRPr>
-          </a:p>
-          <a:p>
-            <a:pPr rtl="0" lvl="0">
-              <a:spcBef>
-                <a:spcPts val="0"/>
-              </a:spcBef>
-              <a:buNone/>
-            </a:pPr>
-            <a:r>
-              <a:rPr lang="es">
-                <a:latin typeface="Ubuntu"/>
-                <a:ea typeface="Ubuntu"/>
-                <a:cs typeface="Ubuntu"/>
-                <a:sym typeface="Ubuntu"/>
-              </a:rPr>
-              <a:t>Box2D Tutorials</a:t>
-            </a:r>
-          </a:p>
-        </p:txBody>
-      </p:sp>
-      <p:sp>
-        <p:nvSpPr>
-          <p:cNvPr id="118" name="Shape 118"/>
-          <p:cNvSpPr txBox="1"/>
-          <p:nvPr/>
-        </p:nvSpPr>
-        <p:spPr>
-          <a:xfrm>
-            <a:off y="2663375" x="1028200"/>
-            <a:ext cy="457200" cx="7067399"/>
-          </a:xfrm>
-          <a:prstGeom prst="rect">
-            <a:avLst/>
-          </a:prstGeom>
-        </p:spPr>
-        <p:txBody>
-          <a:bodyPr bIns="91425" rIns="91425" lIns="91425" tIns="91425" anchor="t" anchorCtr="0">
-            <a:noAutofit/>
-          </a:bodyPr>
-          <a:lstStyle/>
-          <a:p>
-            <a:pPr algn="ctr" rtl="0" lvl="0">
-              <a:spcBef>
-                <a:spcPts val="0"/>
-              </a:spcBef>
-              <a:buNone/>
-            </a:pPr>
-            <a:r>
-              <a:rPr sz="2400" lang="es">
-                <a:solidFill>
-                  <a:srgbClr val="4A86E8"/>
-                </a:solidFill>
-              </a:rPr>
-              <a:t>http://www.emanueleferonato.com/category/box2d</a:t>
-            </a:r>
-          </a:p>
-        </p:txBody>
-      </p:sp>
-      <p:sp>
-        <p:nvSpPr>
-          <p:cNvPr id="119" name="Shape 119"/>
-          <p:cNvSpPr txBox="1"/>
-          <p:nvPr>
-            <p:ph idx="3" type="ctrTitle"/>
-          </p:nvPr>
-        </p:nvSpPr>
-        <p:spPr>
-          <a:xfrm>
-            <a:off y="152877" x="705975"/>
-            <a:ext cy="1159799" cx="7772400"/>
-          </a:xfrm>
-          <a:prstGeom prst="rect">
-            <a:avLst/>
-          </a:prstGeom>
-        </p:spPr>
-        <p:txBody>
-          <a:bodyPr bIns="91425" rIns="91425" lIns="91425" tIns="91425" anchor="b" anchorCtr="0">
-            <a:noAutofit/>
-          </a:bodyPr>
-          <a:lstStyle/>
-          <a:p>
-            <a:pPr rtl="0" lvl="0">
-              <a:spcBef>
-                <a:spcPts val="0"/>
-              </a:spcBef>
-              <a:buNone/>
-            </a:pPr>
-            <a:r>
-              <a:t/>
-            </a:r>
-            <a:endParaRPr>
-              <a:latin typeface="Ubuntu"/>
-              <a:ea typeface="Ubuntu"/>
-              <a:cs typeface="Ubuntu"/>
-              <a:sym typeface="Ubuntu"/>
-            </a:endParaRPr>
-          </a:p>
-          <a:p>
-            <a:pPr rtl="0" lvl="0">
-              <a:spcBef>
-                <a:spcPts val="0"/>
-              </a:spcBef>
-              <a:buNone/>
-            </a:pPr>
-            <a:r>
-              <a:rPr lang="es">
-                <a:latin typeface="Ubuntu"/>
-                <a:ea typeface="Ubuntu"/>
-                <a:cs typeface="Ubuntu"/>
-                <a:sym typeface="Ubuntu"/>
-              </a:rPr>
-              <a:t>Box2D Library &amp; Docs</a:t>
-            </a:r>
-          </a:p>
-        </p:txBody>
-      </p:sp>
-      <p:sp>
-        <p:nvSpPr>
-          <p:cNvPr id="120" name="Shape 120"/>
-          <p:cNvSpPr txBox="1"/>
-          <p:nvPr/>
-        </p:nvSpPr>
-        <p:spPr>
-          <a:xfrm>
-            <a:off y="1097305" x="1058125"/>
-            <a:ext cy="457200" cx="7067399"/>
-          </a:xfrm>
-          <a:prstGeom prst="rect">
-            <a:avLst/>
-          </a:prstGeom>
-        </p:spPr>
-        <p:txBody>
-          <a:bodyPr bIns="91425" rIns="91425" lIns="91425" tIns="91425" anchor="t" anchorCtr="0">
-            <a:noAutofit/>
-          </a:bodyPr>
-          <a:lstStyle/>
-          <a:p>
-            <a:pPr algn="ctr" rtl="0" lvl="0">
-              <a:spcBef>
-                <a:spcPts val="0"/>
-              </a:spcBef>
-              <a:buNone/>
-            </a:pPr>
-            <a:r>
-              <a:rPr sz="2400" lang="es">
-                <a:solidFill>
-                  <a:srgbClr val="4A86E8"/>
-                </a:solidFill>
-              </a:rPr>
-              <a:t>https://code.google.com/p/box2dweb/</a:t>
+            <a:pPr algn="l" rtl="0" lvl="0">
+              <a:lnSpc>
+                <a:spcPct val="115000"/>
+              </a:lnSpc>
+              <a:spcBef>
+                <a:spcPts val="0"/>
+              </a:spcBef>
+              <a:buNone/>
+            </a:pPr>
+            <a:r>
+              <a:rPr sz="1400" lang="es">
+                <a:latin typeface="Ubuntu"/>
+                <a:ea typeface="Ubuntu"/>
+                <a:cs typeface="Ubuntu"/>
+                <a:sym typeface="Ubuntu"/>
+              </a:rPr>
+              <a:t>open the “box2d” folder in</a:t>
+            </a:r>
+          </a:p>
+          <a:p>
+            <a:pPr algn="l" rtl="0" lvl="0">
+              <a:lnSpc>
+                <a:spcPct val="115000"/>
+              </a:lnSpc>
+              <a:spcBef>
+                <a:spcPts val="0"/>
+              </a:spcBef>
+              <a:buNone/>
+            </a:pPr>
+            <a:r>
+              <a:rPr sz="1400" lang="es">
+                <a:latin typeface="Ubuntu"/>
+                <a:ea typeface="Ubuntu"/>
+                <a:cs typeface="Ubuntu"/>
+                <a:sym typeface="Ubuntu"/>
+              </a:rPr>
+              <a:t>your favourite text editor...</a:t>
             </a:r>
           </a:p>
         </p:txBody>
@@ -3722,7 +4267,227 @@
   <p:cSld>
     <p:spTree>
       <p:nvGrpSpPr>
-        <p:cNvPr id="124" name="Shape 124"/>
+        <p:cNvPr id="120" name="Shape 120"/>
+        <p:cNvGrpSpPr/>
+        <p:nvPr/>
+      </p:nvGrpSpPr>
+      <p:grpSpPr>
+        <a:xfrm>
+          <a:off y="0" x="0"/>
+          <a:ext cy="0" cx="0"/>
+          <a:chOff y="0" x="0"/>
+          <a:chExt cy="0" cx="0"/>
+        </a:xfrm>
+      </p:grpSpPr>
+      <p:sp>
+        <p:nvSpPr>
+          <p:cNvPr id="121" name="Shape 121"/>
+          <p:cNvSpPr txBox="1"/>
+          <p:nvPr>
+            <p:ph type="ctrTitle"/>
+          </p:nvPr>
+        </p:nvSpPr>
+        <p:spPr>
+          <a:xfrm>
+            <a:off y="2480947" x="676050"/>
+            <a:ext cy="1159799" cx="7772400"/>
+          </a:xfrm>
+          <a:prstGeom prst="rect">
+            <a:avLst/>
+          </a:prstGeom>
+        </p:spPr>
+        <p:txBody>
+          <a:bodyPr bIns="91425" rIns="91425" lIns="91425" tIns="91425" anchor="b" anchorCtr="0">
+            <a:noAutofit/>
+          </a:bodyPr>
+          <a:lstStyle/>
+          <a:p>
+            <a:pPr rtl="0" lvl="0">
+              <a:spcBef>
+                <a:spcPts val="0"/>
+              </a:spcBef>
+              <a:buNone/>
+            </a:pPr>
+            <a:r>
+              <a:t/>
+            </a:r>
+            <a:endParaRPr>
+              <a:latin typeface="Ubuntu"/>
+              <a:ea typeface="Ubuntu"/>
+              <a:cs typeface="Ubuntu"/>
+              <a:sym typeface="Ubuntu"/>
+            </a:endParaRPr>
+          </a:p>
+          <a:p>
+            <a:pPr rtl="0" lvl="0">
+              <a:spcBef>
+                <a:spcPts val="0"/>
+              </a:spcBef>
+              <a:buNone/>
+            </a:pPr>
+            <a:r>
+              <a:rPr lang="es">
+                <a:latin typeface="Ubuntu"/>
+                <a:ea typeface="Ubuntu"/>
+                <a:cs typeface="Ubuntu"/>
+                <a:sym typeface="Ubuntu"/>
+              </a:rPr>
+              <a:t>Box2D JS Tutorials</a:t>
+            </a:r>
+          </a:p>
+        </p:txBody>
+      </p:sp>
+      <p:sp>
+        <p:nvSpPr>
+          <p:cNvPr id="122" name="Shape 122"/>
+          <p:cNvSpPr txBox="1"/>
+          <p:nvPr/>
+        </p:nvSpPr>
+        <p:spPr>
+          <a:xfrm>
+            <a:off y="3425375" x="1028200"/>
+            <a:ext cy="457200" cx="7067399"/>
+          </a:xfrm>
+          <a:prstGeom prst="rect">
+            <a:avLst/>
+          </a:prstGeom>
+        </p:spPr>
+        <p:txBody>
+          <a:bodyPr bIns="91425" rIns="91425" lIns="91425" tIns="91425" anchor="t" anchorCtr="0">
+            <a:noAutofit/>
+          </a:bodyPr>
+          <a:lstStyle/>
+          <a:p>
+            <a:pPr algn="ctr" rtl="0" lvl="0">
+              <a:spcBef>
+                <a:spcPts val="0"/>
+              </a:spcBef>
+              <a:buNone/>
+            </a:pPr>
+            <a:r>
+              <a:rPr sz="2400" lang="es">
+                <a:solidFill>
+                  <a:srgbClr val="4A86E8"/>
+                </a:solidFill>
+              </a:rPr>
+              <a:t>http://www.emanueleferonato.com/category/box2d</a:t>
+            </a:r>
+          </a:p>
+        </p:txBody>
+      </p:sp>
+      <p:sp>
+        <p:nvSpPr>
+          <p:cNvPr id="123" name="Shape 123"/>
+          <p:cNvSpPr txBox="1"/>
+          <p:nvPr>
+            <p:ph idx="2" type="ctrTitle"/>
+          </p:nvPr>
+        </p:nvSpPr>
+        <p:spPr>
+          <a:xfrm>
+            <a:off y="914877" x="705975"/>
+            <a:ext cy="1159799" cx="7772400"/>
+          </a:xfrm>
+          <a:prstGeom prst="rect">
+            <a:avLst/>
+          </a:prstGeom>
+        </p:spPr>
+        <p:txBody>
+          <a:bodyPr bIns="91425" rIns="91425" lIns="91425" tIns="91425" anchor="b" anchorCtr="0">
+            <a:noAutofit/>
+          </a:bodyPr>
+          <a:lstStyle/>
+          <a:p>
+            <a:pPr rtl="0" lvl="0">
+              <a:spcBef>
+                <a:spcPts val="0"/>
+              </a:spcBef>
+              <a:buNone/>
+            </a:pPr>
+            <a:r>
+              <a:t/>
+            </a:r>
+            <a:endParaRPr>
+              <a:latin typeface="Ubuntu"/>
+              <a:ea typeface="Ubuntu"/>
+              <a:cs typeface="Ubuntu"/>
+              <a:sym typeface="Ubuntu"/>
+            </a:endParaRPr>
+          </a:p>
+          <a:p>
+            <a:pPr rtl="0" lvl="0">
+              <a:spcBef>
+                <a:spcPts val="0"/>
+              </a:spcBef>
+              <a:buNone/>
+            </a:pPr>
+            <a:r>
+              <a:rPr lang="es">
+                <a:latin typeface="Ubuntu"/>
+                <a:ea typeface="Ubuntu"/>
+                <a:cs typeface="Ubuntu"/>
+                <a:sym typeface="Ubuntu"/>
+              </a:rPr>
+              <a:t>Box2D Library &amp; Docs</a:t>
+            </a:r>
+          </a:p>
+        </p:txBody>
+      </p:sp>
+      <p:sp>
+        <p:nvSpPr>
+          <p:cNvPr id="124" name="Shape 124"/>
+          <p:cNvSpPr txBox="1"/>
+          <p:nvPr/>
+        </p:nvSpPr>
+        <p:spPr>
+          <a:xfrm>
+            <a:off y="1859305" x="1058125"/>
+            <a:ext cy="457200" cx="7067399"/>
+          </a:xfrm>
+          <a:prstGeom prst="rect">
+            <a:avLst/>
+          </a:prstGeom>
+        </p:spPr>
+        <p:txBody>
+          <a:bodyPr bIns="91425" rIns="91425" lIns="91425" tIns="91425" anchor="t" anchorCtr="0">
+            <a:noAutofit/>
+          </a:bodyPr>
+          <a:lstStyle/>
+          <a:p>
+            <a:pPr algn="ctr" rtl="0" lvl="0">
+              <a:spcBef>
+                <a:spcPts val="0"/>
+              </a:spcBef>
+              <a:buNone/>
+            </a:pPr>
+            <a:r>
+              <a:rPr sz="2400" lang="es">
+                <a:solidFill>
+                  <a:srgbClr val="4A86E8"/>
+                </a:solidFill>
+              </a:rPr>
+              <a:t>https://code.google.com/p/box2dweb/</a:t>
+            </a:r>
+          </a:p>
+        </p:txBody>
+      </p:sp>
+    </p:spTree>
+  </p:cSld>
+  <p:clrMapOvr>
+    <a:masterClrMapping/>
+  </p:clrMapOvr>
+  <p:transition spd="slow">
+    <p:cut/>
+  </p:transition>
+</p:sld>
+</file>
+
+<file path=ppt/slides/slide12.xml><?xml version="1.0" encoding="utf-8"?>
+<p:sld xmlns:a="http://schemas.openxmlformats.org/drawingml/2006/main" xmlns:r="http://schemas.openxmlformats.org/officeDocument/2006/relationships" xmlns:mc="http://schemas.openxmlformats.org/markup-compatibility/2006" xmlns:mv="urn:schemas-microsoft-com:mac:vml" xmlns:p="http://schemas.openxmlformats.org/presentationml/2006/main" xmlns:c="http://schemas.openxmlformats.org/drawingml/2006/chart" xmlns:dgm="http://schemas.openxmlformats.org/drawingml/2006/diagram" xmlns:o="urn:schemas-microsoft-com:office:office" xmlns:v="urn:schemas-microsoft-com:vml" xmlns:pvml="urn:schemas-microsoft-com:office:powerpoint" xmlns:com="http://schemas.openxmlformats.org/drawingml/2006/compatibility" xmlns:p14="http://schemas.microsoft.com/office/powerpoint/2010/main">
+  <p:cSld>
+    <p:spTree>
+      <p:nvGrpSpPr>
+        <p:cNvPr id="128" name="Shape 128"/>
         <p:cNvGrpSpPr/>
         <p:nvPr/>
       </p:nvGrpSpPr>
@@ -3736,7 +4501,7 @@
       </p:grpSpPr>
       <p:pic>
         <p:nvPicPr>
-          <p:cNvPr id="125" name="Shape 125"/>
+          <p:cNvPr id="129" name="Shape 129"/>
           <p:cNvPicPr preferRelativeResize="0"/>
           <p:nvPr/>
         </p:nvPicPr>
@@ -3758,7 +4523,7 @@
       </p:pic>
       <p:sp>
         <p:nvSpPr>
-          <p:cNvPr id="126" name="Shape 126"/>
+          <p:cNvPr id="130" name="Shape 130"/>
           <p:cNvSpPr txBox="1"/>
           <p:nvPr>
             <p:ph type="ctrTitle"/>
@@ -4365,7 +5130,7 @@
             <a:r>
               <a:rPr b="1" sz="30000" lang="es">
                 <a:solidFill>
-                  <a:srgbClr val="F3F3F3"/>
+                  <a:srgbClr val="D9D9D9"/>
                 </a:solidFill>
                 <a:latin typeface="Ubuntu"/>
                 <a:ea typeface="Ubuntu"/>
@@ -5520,178 +6285,6 @@
           </a:bodyPr>
           <a:lstStyle/>
           <a:p>
-            <a:pPr rtl="0" lvl="0">
-              <a:lnSpc>
-                <a:spcPct val="115000"/>
-              </a:lnSpc>
-              <a:spcBef>
-                <a:spcPts val="0"/>
-              </a:spcBef>
-              <a:buNone/>
-            </a:pPr>
-            <a:r>
-              <a:rPr sz="2400" lang="es">
-                <a:latin typeface="Ubuntu"/>
-                <a:ea typeface="Ubuntu"/>
-                <a:cs typeface="Ubuntu"/>
-                <a:sym typeface="Ubuntu"/>
-              </a:rPr>
-              <a:t>-  Good option to work with collisions</a:t>
-            </a:r>
-          </a:p>
-          <a:p>
-            <a:pPr rtl="0" lvl="0">
-              <a:lnSpc>
-                <a:spcPct val="115000"/>
-              </a:lnSpc>
-              <a:spcBef>
-                <a:spcPts val="0"/>
-              </a:spcBef>
-              <a:buNone/>
-            </a:pPr>
-            <a:r>
-              <a:rPr sz="2400" lang="es">
-                <a:latin typeface="Ubuntu"/>
-                <a:ea typeface="Ubuntu"/>
-                <a:cs typeface="Ubuntu"/>
-                <a:sym typeface="Ubuntu"/>
-              </a:rPr>
-              <a:t>-  Used by a lot of games, apps and artistic demos</a:t>
-            </a:r>
-          </a:p>
-          <a:p>
-            <a:pPr rtl="0" lvl="0">
-              <a:lnSpc>
-                <a:spcPct val="115000"/>
-              </a:lnSpc>
-              <a:spcBef>
-                <a:spcPts val="0"/>
-              </a:spcBef>
-              <a:buNone/>
-            </a:pPr>
-            <a:r>
-              <a:rPr sz="2400" lang="es">
-                <a:latin typeface="Ubuntu"/>
-                <a:ea typeface="Ubuntu"/>
-                <a:cs typeface="Ubuntu"/>
-                <a:sym typeface="Ubuntu"/>
-              </a:rPr>
-              <a:t>-  Very useful if you need to implement velocity,</a:t>
-            </a:r>
-          </a:p>
-          <a:p>
-            <a:pPr rtl="0" lvl="0">
-              <a:lnSpc>
-                <a:spcPct val="115000"/>
-              </a:lnSpc>
-              <a:spcBef>
-                <a:spcPts val="0"/>
-              </a:spcBef>
-              <a:buNone/>
-            </a:pPr>
-            <a:r>
-              <a:rPr sz="2400" lang="es">
-                <a:latin typeface="Ubuntu"/>
-                <a:ea typeface="Ubuntu"/>
-                <a:cs typeface="Ubuntu"/>
-                <a:sym typeface="Ubuntu"/>
-              </a:rPr>
-              <a:t>    impulse, gravity, torque, mass, inertia, etc</a:t>
-            </a:r>
-          </a:p>
-          <a:p>
-            <a:pPr rtl="0" lvl="0">
-              <a:lnSpc>
-                <a:spcPct val="115000"/>
-              </a:lnSpc>
-              <a:spcBef>
-                <a:spcPts val="0"/>
-              </a:spcBef>
-              <a:buClr>
-                <a:schemeClr val="dk1"/>
-              </a:buClr>
-              <a:buSzPct val="45833"/>
-              <a:buFont typeface="Arial"/>
-              <a:buNone/>
-            </a:pPr>
-            <a:r>
-              <a:rPr sz="2400" lang="es">
-                <a:solidFill>
-                  <a:schemeClr val="dk1"/>
-                </a:solidFill>
-                <a:latin typeface="Ubuntu"/>
-                <a:ea typeface="Ubuntu"/>
-                <a:cs typeface="Ubuntu"/>
-                <a:sym typeface="Ubuntu"/>
-              </a:rPr>
-              <a:t>-  Cross-browser &amp; cross-platform</a:t>
-            </a:r>
-          </a:p>
-          <a:p>
-            <a:pPr rtl="0" lvl="0">
-              <a:lnSpc>
-                <a:spcPct val="115000"/>
-              </a:lnSpc>
-              <a:spcBef>
-                <a:spcPts val="0"/>
-              </a:spcBef>
-              <a:buNone/>
-            </a:pPr>
-            <a:r>
-              <a:rPr sz="2400" lang="es">
-                <a:solidFill>
-                  <a:schemeClr val="dk1"/>
-                </a:solidFill>
-                <a:latin typeface="Ubuntu"/>
-                <a:ea typeface="Ubuntu"/>
-                <a:cs typeface="Ubuntu"/>
-                <a:sym typeface="Ubuntu"/>
-              </a:rPr>
-              <a:t>-  It’s also available in Java, C++ &amp; other languages</a:t>
-            </a:r>
-          </a:p>
-          <a:p>
-            <a:pPr rtl="0" lvl="0">
-              <a:lnSpc>
-                <a:spcPct val="115000"/>
-              </a:lnSpc>
-              <a:spcBef>
-                <a:spcPts val="0"/>
-              </a:spcBef>
-              <a:buClr>
-                <a:schemeClr val="dk1"/>
-              </a:buClr>
-              <a:buSzPct val="45833"/>
-              <a:buFont typeface="Arial"/>
-              <a:buNone/>
-            </a:pPr>
-            <a:r>
-              <a:rPr sz="2400" lang="es">
-                <a:solidFill>
-                  <a:schemeClr val="dk1"/>
-                </a:solidFill>
-                <a:latin typeface="Ubuntu"/>
-                <a:ea typeface="Ubuntu"/>
-                <a:cs typeface="Ubuntu"/>
-                <a:sym typeface="Ubuntu"/>
-              </a:rPr>
-              <a:t>-  Full list of features: </a:t>
-            </a:r>
-            <a:r>
-              <a:rPr sz="2400" lang="es">
-                <a:solidFill>
-                  <a:schemeClr val="hlink"/>
-                </a:solidFill>
-                <a:latin typeface="Ubuntu"/>
-                <a:ea typeface="Ubuntu"/>
-                <a:cs typeface="Ubuntu"/>
-                <a:sym typeface="Ubuntu"/>
-                <a:hlinkClick r:id="rId4"/>
-              </a:rPr>
-              <a:t>http://box2d.org/features.html</a:t>
-            </a:r>
-          </a:p>
-          <a:p>
             <a:pPr algn="ctr" rtl="0" lvl="0">
               <a:lnSpc>
                 <a:spcPct val="115000"/>
@@ -5702,14 +6295,96 @@
               <a:buNone/>
             </a:pPr>
             <a:r>
+              <a:rPr sz="2200" lang="es">
+                <a:latin typeface="Ubuntu"/>
+                <a:ea typeface="Ubuntu"/>
+                <a:cs typeface="Ubuntu"/>
+                <a:sym typeface="Ubuntu"/>
+              </a:rPr>
+              <a:t>Box2D is a </a:t>
+            </a:r>
+            <a:r>
+              <a:rPr sz="2200" lang="es">
+                <a:solidFill>
+                  <a:srgbClr val="0000FF"/>
+                </a:solidFill>
+                <a:latin typeface="Ubuntu"/>
+                <a:ea typeface="Ubuntu"/>
+                <a:cs typeface="Ubuntu"/>
+                <a:sym typeface="Ubuntu"/>
+              </a:rPr>
+              <a:t>free open source</a:t>
+            </a:r>
+            <a:r>
+              <a:rPr sz="2200" lang="es">
+                <a:latin typeface="Ubuntu"/>
+                <a:ea typeface="Ubuntu"/>
+                <a:cs typeface="Ubuntu"/>
+                <a:sym typeface="Ubuntu"/>
+              </a:rPr>
+              <a:t> 2-dimensional physics simulator engine written in C++ by Erin Catto.</a:t>
+            </a:r>
+          </a:p>
+          <a:p>
+            <a:pPr algn="ctr" rtl="0" lvl="0">
+              <a:lnSpc>
+                <a:spcPct val="115000"/>
+              </a:lnSpc>
+              <a:spcBef>
+                <a:spcPts val="0"/>
+              </a:spcBef>
+              <a:buNone/>
+            </a:pPr>
+            <a:r>
               <a:t/>
             </a:r>
-            <a:endParaRPr sz="2400">
+            <a:endParaRPr sz="2200">
               <a:latin typeface="Ubuntu"/>
               <a:ea typeface="Ubuntu"/>
               <a:cs typeface="Ubuntu"/>
               <a:sym typeface="Ubuntu"/>
             </a:endParaRPr>
+          </a:p>
+          <a:p>
+            <a:pPr algn="ctr" rtl="0" lvl="0">
+              <a:lnSpc>
+                <a:spcPct val="115000"/>
+              </a:lnSpc>
+              <a:spcBef>
+                <a:spcPts val="0"/>
+              </a:spcBef>
+              <a:buNone/>
+            </a:pPr>
+            <a:r>
+              <a:rPr sz="2200" lang="es">
+                <a:latin typeface="Ubuntu"/>
+                <a:ea typeface="Ubuntu"/>
+                <a:cs typeface="Ubuntu"/>
+                <a:sym typeface="Ubuntu"/>
+              </a:rPr>
+              <a:t>It has been used in many online Flash games as well as Nintendo DS, Wii, </a:t>
+            </a:r>
+            <a:r>
+              <a:rPr sz="2200" lang="es">
+                <a:solidFill>
+                  <a:srgbClr val="0000FF"/>
+                </a:solidFill>
+                <a:latin typeface="Ubuntu"/>
+                <a:ea typeface="Ubuntu"/>
+                <a:cs typeface="Ubuntu"/>
+                <a:sym typeface="Ubuntu"/>
+              </a:rPr>
+              <a:t>Javascript</a:t>
+            </a:r>
+            <a:r>
+              <a:rPr sz="2200" lang="es">
+                <a:latin typeface="Ubuntu"/>
+                <a:ea typeface="Ubuntu"/>
+                <a:cs typeface="Ubuntu"/>
+                <a:sym typeface="Ubuntu"/>
+              </a:rPr>
+              <a:t>, iPhone, iPad and Android games using the Cocos2d or the Corona framework.</a:t>
+            </a:r>
           </a:p>
         </p:txBody>
       </p:sp>
@@ -5741,16 +6416,38 @@
           <a:chExt cy="0" cx="0"/>
         </a:xfrm>
       </p:grpSpPr>
-      <p:sp>
-        <p:nvSpPr>
+      <p:pic>
+        <p:nvPicPr>
           <p:cNvPr id="89" name="Shape 89"/>
+          <p:cNvPicPr preferRelativeResize="0"/>
+          <p:nvPr/>
+        </p:nvPicPr>
+        <p:blipFill>
+          <a:blip r:embed="rId3"/>
+          <a:stretch>
+            <a:fillRect/>
+          </a:stretch>
+        </p:blipFill>
+        <p:spPr>
+          <a:xfrm>
+            <a:off y="448327" x="3008075"/>
+            <a:ext cy="723900" cx="2857500"/>
+          </a:xfrm>
+          <a:prstGeom prst="rect">
+            <a:avLst/>
+          </a:prstGeom>
+        </p:spPr>
+      </p:pic>
+      <p:sp>
+        <p:nvSpPr>
+          <p:cNvPr id="90" name="Shape 90"/>
           <p:cNvSpPr txBox="1"/>
           <p:nvPr/>
         </p:nvSpPr>
         <p:spPr>
           <a:xfrm>
-            <a:off y="4075850" x="665050"/>
-            <a:ext cy="834300" cx="7860300"/>
+            <a:off y="1424775" x="988800"/>
+            <a:ext cy="3045900" cx="7529399"/>
           </a:xfrm>
           <a:prstGeom prst="rect">
             <a:avLst/>
@@ -5769,39 +6466,21 @@
               <a:spcBef>
                 <a:spcPts val="0"/>
               </a:spcBef>
-              <a:buNone/>
-            </a:pPr>
-            <a:r>
-              <a:rPr sz="1800" lang="es">
-                <a:latin typeface="Ubuntu"/>
-                <a:ea typeface="Ubuntu"/>
-                <a:cs typeface="Ubuntu"/>
-                <a:sym typeface="Ubuntu"/>
-              </a:rPr>
-              <a:t>Angry Birds for Chrome (made with </a:t>
-            </a:r>
-            <a:r>
-              <a:rPr sz="1800" lang="es">
-                <a:solidFill>
-                  <a:schemeClr val="hlink"/>
-                </a:solidFill>
-                <a:latin typeface="Ubuntu"/>
-                <a:ea typeface="Ubuntu"/>
-                <a:cs typeface="Ubuntu"/>
-                <a:sym typeface="Ubuntu"/>
-                <a:hlinkClick r:id="rId3"/>
-              </a:rPr>
-              <a:t>PlayN</a:t>
-            </a:r>
-            <a:r>
-              <a:rPr sz="1800" lang="es">
-                <a:latin typeface="Ubuntu"/>
-                <a:ea typeface="Ubuntu"/>
-                <a:cs typeface="Ubuntu"/>
-                <a:sym typeface="Ubuntu"/>
-              </a:rPr>
-              <a:t> and a GWT port of Box2d)</a:t>
-            </a:r>
+              <a:buClr>
+                <a:schemeClr val="dk1"/>
+              </a:buClr>
+              <a:buFont typeface="Arial"/>
+              <a:buNone/>
+            </a:pPr>
+            <a:r>
+              <a:t/>
+            </a:r>
+            <a:endParaRPr sz="2200">
+              <a:latin typeface="Ubuntu"/>
+              <a:ea typeface="Ubuntu"/>
+              <a:cs typeface="Ubuntu"/>
+              <a:sym typeface="Ubuntu"/>
+            </a:endParaRPr>
           </a:p>
           <a:p>
             <a:pPr algn="ctr" rtl="0" lvl="0">
@@ -5811,56 +6490,276 @@
               <a:spcBef>
                 <a:spcPts val="0"/>
               </a:spcBef>
-              <a:buNone/>
-            </a:pPr>
-            <a:r>
-              <a:rPr sz="1800" lang="es">
+              <a:buClr>
+                <a:schemeClr val="dk1"/>
+              </a:buClr>
+              <a:buSzPct val="50000"/>
+              <a:buFont typeface="Arial"/>
+              <a:buNone/>
+            </a:pPr>
+            <a:r>
+              <a:rPr sz="2200" lang="es">
+                <a:latin typeface="Ubuntu"/>
+                <a:ea typeface="Ubuntu"/>
+                <a:cs typeface="Ubuntu"/>
+                <a:sym typeface="Ubuntu"/>
+              </a:rPr>
+              <a:t>It can simulate </a:t>
+            </a:r>
+            <a:r>
+              <a:rPr sz="2200" lang="es">
                 <a:solidFill>
-                  <a:schemeClr val="hlink"/>
+                  <a:srgbClr val="0000FF"/>
                 </a:solidFill>
                 <a:latin typeface="Ubuntu"/>
                 <a:ea typeface="Ubuntu"/>
                 <a:cs typeface="Ubuntu"/>
                 <a:sym typeface="Ubuntu"/>
-                <a:hlinkClick r:id="rId4"/>
-              </a:rPr>
-              <a:t>http://chrome.angrybirds.com</a:t>
-            </a:r>
+              </a:rPr>
+              <a:t>bodies </a:t>
+            </a:r>
+            <a:r>
+              <a:rPr sz="2200" lang="es">
+                <a:latin typeface="Ubuntu"/>
+                <a:ea typeface="Ubuntu"/>
+                <a:cs typeface="Ubuntu"/>
+                <a:sym typeface="Ubuntu"/>
+              </a:rPr>
+              <a:t>composed of </a:t>
+            </a:r>
+            <a:r>
+              <a:rPr sz="2200" lang="es">
+                <a:solidFill>
+                  <a:srgbClr val="0000FF"/>
+                </a:solidFill>
+                <a:latin typeface="Ubuntu"/>
+                <a:ea typeface="Ubuntu"/>
+                <a:cs typeface="Ubuntu"/>
+                <a:sym typeface="Ubuntu"/>
+              </a:rPr>
+              <a:t>convex</a:t>
+            </a:r>
+            <a:r>
+              <a:rPr sz="2200" lang="es">
+                <a:latin typeface="Ubuntu"/>
+                <a:ea typeface="Ubuntu"/>
+                <a:cs typeface="Ubuntu"/>
+                <a:sym typeface="Ubuntu"/>
+              </a:rPr>
+              <a:t> </a:t>
+            </a:r>
+            <a:r>
+              <a:rPr sz="2200" lang="es">
+                <a:solidFill>
+                  <a:srgbClr val="0000FF"/>
+                </a:solidFill>
+                <a:latin typeface="Ubuntu"/>
+                <a:ea typeface="Ubuntu"/>
+                <a:cs typeface="Ubuntu"/>
+                <a:sym typeface="Ubuntu"/>
+              </a:rPr>
+              <a:t>polygons</a:t>
+            </a:r>
+            <a:r>
+              <a:rPr sz="2200" lang="es">
+                <a:latin typeface="Ubuntu"/>
+                <a:ea typeface="Ubuntu"/>
+                <a:cs typeface="Ubuntu"/>
+                <a:sym typeface="Ubuntu"/>
+              </a:rPr>
+              <a:t>, </a:t>
+            </a:r>
+            <a:r>
+              <a:rPr sz="2200" lang="es">
+                <a:solidFill>
+                  <a:srgbClr val="0000FF"/>
+                </a:solidFill>
+                <a:latin typeface="Ubuntu"/>
+                <a:ea typeface="Ubuntu"/>
+                <a:cs typeface="Ubuntu"/>
+                <a:sym typeface="Ubuntu"/>
+              </a:rPr>
+              <a:t>circles</a:t>
+            </a:r>
+            <a:r>
+              <a:rPr sz="2200" lang="es">
+                <a:latin typeface="Ubuntu"/>
+                <a:ea typeface="Ubuntu"/>
+                <a:cs typeface="Ubuntu"/>
+                <a:sym typeface="Ubuntu"/>
+              </a:rPr>
+              <a:t>, and edge </a:t>
+            </a:r>
+            <a:r>
+              <a:rPr sz="2200" lang="es">
+                <a:solidFill>
+                  <a:srgbClr val="0000FF"/>
+                </a:solidFill>
+                <a:latin typeface="Ubuntu"/>
+                <a:ea typeface="Ubuntu"/>
+                <a:cs typeface="Ubuntu"/>
+                <a:sym typeface="Ubuntu"/>
+              </a:rPr>
+              <a:t>shapes</a:t>
+            </a:r>
+            <a:r>
+              <a:rPr sz="2200" lang="es">
+                <a:latin typeface="Ubuntu"/>
+                <a:ea typeface="Ubuntu"/>
+                <a:cs typeface="Ubuntu"/>
+                <a:sym typeface="Ubuntu"/>
+              </a:rPr>
+              <a:t>. Bodies can be joined together with </a:t>
+            </a:r>
+            <a:r>
+              <a:rPr sz="2200" lang="es">
+                <a:solidFill>
+                  <a:srgbClr val="0000FF"/>
+                </a:solidFill>
+                <a:latin typeface="Ubuntu"/>
+                <a:ea typeface="Ubuntu"/>
+                <a:cs typeface="Ubuntu"/>
+                <a:sym typeface="Ubuntu"/>
+              </a:rPr>
+              <a:t>joints </a:t>
+            </a:r>
+            <a:r>
+              <a:rPr sz="2200" lang="es">
+                <a:latin typeface="Ubuntu"/>
+                <a:ea typeface="Ubuntu"/>
+                <a:cs typeface="Ubuntu"/>
+                <a:sym typeface="Ubuntu"/>
+              </a:rPr>
+              <a:t>and acted upon by </a:t>
+            </a:r>
+            <a:r>
+              <a:rPr sz="2200" lang="es">
+                <a:solidFill>
+                  <a:srgbClr val="0000FF"/>
+                </a:solidFill>
+                <a:latin typeface="Ubuntu"/>
+                <a:ea typeface="Ubuntu"/>
+                <a:cs typeface="Ubuntu"/>
+                <a:sym typeface="Ubuntu"/>
+              </a:rPr>
+              <a:t>forces</a:t>
+            </a:r>
+            <a:r>
+              <a:rPr sz="2200" lang="es">
+                <a:latin typeface="Ubuntu"/>
+                <a:ea typeface="Ubuntu"/>
+                <a:cs typeface="Ubuntu"/>
+                <a:sym typeface="Ubuntu"/>
+              </a:rPr>
+              <a:t>. The engine also applies </a:t>
+            </a:r>
+            <a:r>
+              <a:rPr sz="2200" lang="es">
+                <a:solidFill>
+                  <a:srgbClr val="0000FF"/>
+                </a:solidFill>
+                <a:latin typeface="Ubuntu"/>
+                <a:ea typeface="Ubuntu"/>
+                <a:cs typeface="Ubuntu"/>
+                <a:sym typeface="Ubuntu"/>
+              </a:rPr>
+              <a:t>gravity</a:t>
+            </a:r>
+            <a:r>
+              <a:rPr sz="2200" lang="es">
+                <a:latin typeface="Ubuntu"/>
+                <a:ea typeface="Ubuntu"/>
+                <a:cs typeface="Ubuntu"/>
+                <a:sym typeface="Ubuntu"/>
+              </a:rPr>
+              <a:t>, </a:t>
+            </a:r>
+            <a:r>
+              <a:rPr sz="2200" lang="es">
+                <a:solidFill>
+                  <a:srgbClr val="0000FF"/>
+                </a:solidFill>
+                <a:latin typeface="Ubuntu"/>
+                <a:ea typeface="Ubuntu"/>
+                <a:cs typeface="Ubuntu"/>
+                <a:sym typeface="Ubuntu"/>
+              </a:rPr>
+              <a:t>friction</a:t>
+            </a:r>
+            <a:r>
+              <a:rPr sz="2200" lang="es">
+                <a:latin typeface="Ubuntu"/>
+                <a:ea typeface="Ubuntu"/>
+                <a:cs typeface="Ubuntu"/>
+                <a:sym typeface="Ubuntu"/>
+              </a:rPr>
+              <a:t>, and </a:t>
+            </a:r>
+            <a:r>
+              <a:rPr sz="2200" lang="es">
+                <a:solidFill>
+                  <a:srgbClr val="0000FF"/>
+                </a:solidFill>
+                <a:latin typeface="Ubuntu"/>
+                <a:ea typeface="Ubuntu"/>
+                <a:cs typeface="Ubuntu"/>
+                <a:sym typeface="Ubuntu"/>
+              </a:rPr>
+              <a:t>restitution</a:t>
+            </a:r>
+            <a:r>
+              <a:rPr sz="2200" lang="es">
+                <a:latin typeface="Ubuntu"/>
+                <a:ea typeface="Ubuntu"/>
+                <a:cs typeface="Ubuntu"/>
+                <a:sym typeface="Ubuntu"/>
+              </a:rPr>
+              <a:t>. It also has </a:t>
+            </a:r>
+            <a:r>
+              <a:rPr sz="2200" lang="es">
+                <a:solidFill>
+                  <a:srgbClr val="0000FF"/>
+                </a:solidFill>
+                <a:latin typeface="Ubuntu"/>
+                <a:ea typeface="Ubuntu"/>
+                <a:cs typeface="Ubuntu"/>
+                <a:sym typeface="Ubuntu"/>
+              </a:rPr>
+              <a:t>collision detection</a:t>
+            </a:r>
+            <a:r>
+              <a:rPr sz="2200" lang="es">
+                <a:latin typeface="Ubuntu"/>
+                <a:ea typeface="Ubuntu"/>
+                <a:cs typeface="Ubuntu"/>
+                <a:sym typeface="Ubuntu"/>
+              </a:rPr>
+              <a:t>.</a:t>
+            </a:r>
+          </a:p>
+          <a:p>
+            <a:pPr algn="ctr" rtl="0" lvl="0">
+              <a:lnSpc>
+                <a:spcPct val="115000"/>
+              </a:lnSpc>
+              <a:spcBef>
+                <a:spcPts val="0"/>
+              </a:spcBef>
+              <a:buNone/>
+            </a:pPr>
+            <a:r>
+              <a:t/>
+            </a:r>
+            <a:endParaRPr sz="2400">
+              <a:latin typeface="Ubuntu"/>
+              <a:ea typeface="Ubuntu"/>
+              <a:cs typeface="Ubuntu"/>
+              <a:sym typeface="Ubuntu"/>
+            </a:endParaRPr>
           </a:p>
         </p:txBody>
       </p:sp>
-      <p:pic>
-        <p:nvPicPr>
-          <p:cNvPr id="90" name="Shape 90"/>
-          <p:cNvPicPr preferRelativeResize="0"/>
-          <p:nvPr/>
-        </p:nvPicPr>
-        <p:blipFill>
-          <a:blip r:embed="rId5"/>
-          <a:stretch>
-            <a:fillRect/>
-          </a:stretch>
-        </p:blipFill>
-        <p:spPr>
-          <a:xfrm>
-            <a:off y="431825" x="1683237"/>
-            <a:ext cy="3591799" cx="5777525"/>
-          </a:xfrm>
-          <a:prstGeom prst="rect">
-            <a:avLst/>
-          </a:prstGeom>
-          <a:noFill/>
-          <a:ln w="19050" cap="flat">
-            <a:solidFill>
-              <a:schemeClr val="dk2"/>
-            </a:solidFill>
-            <a:prstDash val="solid"/>
-            <a:round/>
-            <a:headEnd w="med" len="med" type="none"/>
-            <a:tailEnd w="med" len="med" type="none"/>
-          </a:ln>
-        </p:spPr>
-      </p:pic>
     </p:spTree>
   </p:cSld>
   <p:clrMapOvr>
@@ -5897,8 +6796,8 @@
         </p:nvSpPr>
         <p:spPr>
           <a:xfrm>
-            <a:off y="4091773" x="988800"/>
-            <a:ext cy="779700" cx="7166399"/>
+            <a:off y="4075850" x="665050"/>
+            <a:ext cy="834300" cx="7860300"/>
           </a:xfrm>
           <a:prstGeom prst="rect">
             <a:avLst/>
@@ -5926,7 +6825,29 @@
                 <a:cs typeface="Ubuntu"/>
                 <a:sym typeface="Ubuntu"/>
               </a:rPr>
-              <a:t>ICA Art Rules (made with RoR and Box2d by SapientNitro)</a:t>
+              <a:t>Angry Birds for Chrome (made with </a:t>
+            </a:r>
+            <a:r>
+              <a:rPr sz="1800" lang="es">
+                <a:solidFill>
+                  <a:schemeClr val="hlink"/>
+                </a:solidFill>
+                <a:latin typeface="Ubuntu"/>
+                <a:ea typeface="Ubuntu"/>
+                <a:cs typeface="Ubuntu"/>
+                <a:sym typeface="Ubuntu"/>
+                <a:hlinkClick r:id="rId3"/>
+              </a:rPr>
+              <a:t>PlayN</a:t>
+            </a:r>
+            <a:r>
+              <a:rPr sz="1800" lang="es">
+                <a:latin typeface="Ubuntu"/>
+                <a:ea typeface="Ubuntu"/>
+                <a:cs typeface="Ubuntu"/>
+                <a:sym typeface="Ubuntu"/>
+              </a:rPr>
+              <a:t> and a GWT port of Box2d)</a:t>
             </a:r>
           </a:p>
           <a:p>
@@ -5948,9 +6869,9 @@
                 <a:ea typeface="Ubuntu"/>
                 <a:cs typeface="Ubuntu"/>
                 <a:sym typeface="Ubuntu"/>
-                <a:hlinkClick r:id="rId3"/>
-              </a:rPr>
-              <a:t>http://artrules.ica.org.uk</a:t>
+                <a:hlinkClick r:id="rId4"/>
+              </a:rPr>
+              <a:t>http://chrome.angrybirds.com</a:t>
             </a:r>
           </a:p>
         </p:txBody>
@@ -5962,15 +6883,15 @@
           <p:nvPr/>
         </p:nvPicPr>
         <p:blipFill>
-          <a:blip r:embed="rId4"/>
+          <a:blip r:embed="rId5"/>
           <a:stretch>
             <a:fillRect/>
           </a:stretch>
         </p:blipFill>
         <p:spPr>
           <a:xfrm>
-            <a:off y="401674" x="1530850"/>
-            <a:ext cy="3550274" cx="5954474"/>
+            <a:off y="431825" x="1683237"/>
+            <a:ext cy="3591799" cx="5777525"/>
           </a:xfrm>
           <a:prstGeom prst="rect">
             <a:avLst/>
@@ -6023,8 +6944,8 @@
         </p:nvSpPr>
         <p:spPr>
           <a:xfrm>
-            <a:off y="3939373" x="988800"/>
-            <a:ext cy="829499" cx="7166399"/>
+            <a:off y="4091773" x="988800"/>
+            <a:ext cy="779700" cx="7166399"/>
           </a:xfrm>
           <a:prstGeom prst="rect">
             <a:avLst/>
@@ -6052,8 +6973,19 @@
                 <a:cs typeface="Ubuntu"/>
                 <a:sym typeface="Ubuntu"/>
               </a:rPr>
-              <a:t>Real time shape recognition demos (box2d and </a:t>
-            </a:r>
+              <a:t>ICA Art Rules (made with RoR and Box2d by SapientNitro)</a:t>
+            </a:r>
+          </a:p>
+          <a:p>
+            <a:pPr algn="ctr" rtl="0" lvl="0">
+              <a:lnSpc>
+                <a:spcPct val="115000"/>
+              </a:lnSpc>
+              <a:spcBef>
+                <a:spcPts val="0"/>
+              </a:spcBef>
+              <a:buNone/>
+            </a:pPr>
             <a:r>
               <a:rPr sz="1800" lang="es">
                 <a:solidFill>
@@ -6065,61 +6997,8 @@
                 <a:sym typeface="Ubuntu"/>
                 <a:hlinkClick r:id="rId3"/>
               </a:rPr>
-              <a:t>openCV</a:t>
-            </a:r>
-            <a:r>
-              <a:rPr sz="1800" lang="es">
-                <a:latin typeface="Ubuntu"/>
-                <a:ea typeface="Ubuntu"/>
-                <a:cs typeface="Ubuntu"/>
-                <a:sym typeface="Ubuntu"/>
-              </a:rPr>
-              <a:t>)</a:t>
-            </a:r>
-          </a:p>
-          <a:p>
-            <a:pPr algn="ctr" rtl="0" lvl="0">
-              <a:lnSpc>
-                <a:spcPct val="115000"/>
-              </a:lnSpc>
-              <a:spcBef>
-                <a:spcPts val="0"/>
-              </a:spcBef>
-              <a:buNone/>
-            </a:pPr>
-            <a:r>
-              <a:rPr sz="1800" lang="es">
-                <a:solidFill>
-                  <a:schemeClr val="hlink"/>
-                </a:solidFill>
-                <a:latin typeface="Ubuntu"/>
-                <a:ea typeface="Ubuntu"/>
-                <a:cs typeface="Ubuntu"/>
-                <a:sym typeface="Ubuntu"/>
-                <a:hlinkClick r:id="rId4"/>
-              </a:rPr>
-              <a:t>http://github.com/html5rocks/www.html5rocks.com/issues/357</a:t>
-            </a:r>
-          </a:p>
-          <a:p>
-            <a:pPr algn="ctr" rtl="0" lvl="0">
-              <a:lnSpc>
-                <a:spcPct val="115000"/>
-              </a:lnSpc>
-              <a:spcBef>
-                <a:spcPts val="0"/>
-              </a:spcBef>
-              <a:buNone/>
-            </a:pPr>
-            <a:r>
-              <a:t/>
-            </a:r>
-            <a:endParaRPr sz="2400">
-              <a:latin typeface="Ubuntu"/>
-              <a:ea typeface="Ubuntu"/>
-              <a:cs typeface="Ubuntu"/>
-              <a:sym typeface="Ubuntu"/>
-            </a:endParaRPr>
+              <a:t>http://artrules.ica.org.uk</a:t>
+            </a:r>
           </a:p>
         </p:txBody>
       </p:sp>
@@ -6130,15 +7009,15 @@
           <p:nvPr/>
         </p:nvPicPr>
         <p:blipFill>
-          <a:blip r:embed="rId5"/>
+          <a:blip r:embed="rId4"/>
           <a:stretch>
             <a:fillRect/>
           </a:stretch>
         </p:blipFill>
         <p:spPr>
           <a:xfrm>
-            <a:off y="302575" x="1566499"/>
-            <a:ext cy="3556201" cx="5888901"/>
+            <a:off y="401674" x="1530850"/>
+            <a:ext cy="3550274" cx="5954474"/>
           </a:xfrm>
           <a:prstGeom prst="rect">
             <a:avLst/>
@@ -6183,79 +7062,16 @@
           <a:chExt cy="0" cx="0"/>
         </a:xfrm>
       </p:grpSpPr>
-      <p:pic>
-        <p:nvPicPr>
+      <p:sp>
+        <p:nvSpPr>
           <p:cNvPr id="107" name="Shape 107"/>
-          <p:cNvPicPr preferRelativeResize="0"/>
-          <p:nvPr/>
-        </p:nvPicPr>
-        <p:blipFill>
-          <a:blip r:embed="rId3"/>
-          <a:stretch>
-            <a:fillRect/>
-          </a:stretch>
-        </p:blipFill>
-        <p:spPr>
-          <a:xfrm>
-            <a:off y="0" x="150369"/>
-            <a:ext cy="4876800" cx="4876800"/>
-          </a:xfrm>
-          <a:prstGeom prst="rect">
-            <a:avLst/>
-          </a:prstGeom>
-        </p:spPr>
-      </p:pic>
-      <p:sp>
-        <p:nvSpPr>
-          <p:cNvPr id="108" name="Shape 108"/>
-          <p:cNvSpPr txBox="1"/>
-          <p:nvPr>
-            <p:ph type="ctrTitle"/>
-          </p:nvPr>
-        </p:nvSpPr>
-        <p:spPr>
-          <a:xfrm>
-            <a:off y="1026506" x="1589827"/>
-            <a:ext cy="671400" cx="7772400"/>
-          </a:xfrm>
-          <a:prstGeom prst="rect">
-            <a:avLst/>
-          </a:prstGeom>
-        </p:spPr>
-        <p:txBody>
-          <a:bodyPr bIns="91425" rIns="91425" lIns="91425" tIns="91425" anchor="b" anchorCtr="0">
-            <a:noAutofit/>
-          </a:bodyPr>
-          <a:lstStyle/>
-          <a:p>
-            <a:pPr rtl="0" lvl="0">
-              <a:spcBef>
-                <a:spcPts val="0"/>
-              </a:spcBef>
-              <a:buNone/>
-            </a:pPr>
-            <a:r>
-              <a:rPr sz="2400" lang="es">
-                <a:latin typeface="Ubuntu"/>
-                <a:ea typeface="Ubuntu"/>
-                <a:cs typeface="Ubuntu"/>
-                <a:sym typeface="Ubuntu"/>
-              </a:rPr>
-              <a:t>Coding time...</a:t>
-            </a:r>
-          </a:p>
-        </p:txBody>
-      </p:sp>
-      <p:sp>
-        <p:nvSpPr>
-          <p:cNvPr id="109" name="Shape 109"/>
           <p:cNvSpPr txBox="1"/>
           <p:nvPr/>
         </p:nvSpPr>
         <p:spPr>
           <a:xfrm>
-            <a:off y="1804488" x="4423616"/>
-            <a:ext cy="2141999" cx="4932000"/>
+            <a:off y="4167974" x="988800"/>
+            <a:ext cy="441600" cx="7166399"/>
           </a:xfrm>
           <a:prstGeom prst="rect">
             <a:avLst/>
@@ -6267,619 +7083,7 @@
           </a:bodyPr>
           <a:lstStyle/>
           <a:p>
-            <a:pPr rtl="0" lvl="0">
-              <a:lnSpc>
-                <a:spcPct val="125000"/>
-              </a:lnSpc>
-              <a:spcBef>
-                <a:spcPts val="0"/>
-              </a:spcBef>
-              <a:buClr>
-                <a:schemeClr val="dk1"/>
-              </a:buClr>
-              <a:buSzPct val="122222"/>
-              <a:buFont typeface="Arial"/>
-              <a:buNone/>
-            </a:pPr>
-            <a:r>
-              <a:rPr sz="900" lang="es">
-                <a:solidFill>
-                  <a:srgbClr val="4A86E8"/>
-                </a:solidFill>
-                <a:latin typeface="Courier New"/>
-                <a:ea typeface="Courier New"/>
-                <a:cs typeface="Courier New"/>
-                <a:sym typeface="Courier New"/>
-              </a:rPr>
-              <a:t>var</a:t>
-            </a:r>
-            <a:r>
-              <a:rPr sz="900" lang="es">
-                <a:solidFill>
-                  <a:schemeClr val="dk1"/>
-                </a:solidFill>
-                <a:latin typeface="Courier New"/>
-                <a:ea typeface="Courier New"/>
-                <a:cs typeface="Courier New"/>
-                <a:sym typeface="Courier New"/>
-              </a:rPr>
-              <a:t> b2Vec2 = </a:t>
-            </a:r>
-            <a:r>
-              <a:rPr sz="900" lang="es">
-                <a:solidFill>
-                  <a:srgbClr val="4A86E8"/>
-                </a:solidFill>
-                <a:latin typeface="Courier New"/>
-                <a:ea typeface="Courier New"/>
-                <a:cs typeface="Courier New"/>
-                <a:sym typeface="Courier New"/>
-              </a:rPr>
-              <a:t>Box2D.Common.Math</a:t>
-            </a:r>
-            <a:r>
-              <a:rPr sz="900" lang="es">
-                <a:solidFill>
-                  <a:schemeClr val="dk1"/>
-                </a:solidFill>
-                <a:latin typeface="Courier New"/>
-                <a:ea typeface="Courier New"/>
-                <a:cs typeface="Courier New"/>
-                <a:sym typeface="Courier New"/>
-              </a:rPr>
-              <a:t>.b2Vec2;</a:t>
-            </a:r>
-          </a:p>
-          <a:p>
-            <a:pPr rtl="0" lvl="0">
-              <a:lnSpc>
-                <a:spcPct val="125000"/>
-              </a:lnSpc>
-              <a:spcBef>
-                <a:spcPts val="0"/>
-              </a:spcBef>
-              <a:buClr>
-                <a:schemeClr val="dk1"/>
-              </a:buClr>
-              <a:buSzPct val="122222"/>
-              <a:buFont typeface="Arial"/>
-              <a:buNone/>
-            </a:pPr>
-            <a:r>
-              <a:rPr sz="900" lang="es">
-                <a:solidFill>
-                  <a:srgbClr val="4A86E8"/>
-                </a:solidFill>
-                <a:latin typeface="Courier New"/>
-                <a:ea typeface="Courier New"/>
-                <a:cs typeface="Courier New"/>
-                <a:sym typeface="Courier New"/>
-              </a:rPr>
-              <a:t>var </a:t>
-            </a:r>
-            <a:r>
-              <a:rPr sz="900" lang="es">
-                <a:solidFill>
-                  <a:schemeClr val="dk1"/>
-                </a:solidFill>
-                <a:latin typeface="Courier New"/>
-                <a:ea typeface="Courier New"/>
-                <a:cs typeface="Courier New"/>
-                <a:sym typeface="Courier New"/>
-              </a:rPr>
-              <a:t>b2AABB = </a:t>
-            </a:r>
-            <a:r>
-              <a:rPr sz="900" lang="es">
-                <a:solidFill>
-                  <a:srgbClr val="4A86E8"/>
-                </a:solidFill>
-                <a:latin typeface="Courier New"/>
-                <a:ea typeface="Courier New"/>
-                <a:cs typeface="Courier New"/>
-                <a:sym typeface="Courier New"/>
-              </a:rPr>
-              <a:t>Box2D.Collision</a:t>
-            </a:r>
-            <a:r>
-              <a:rPr sz="900" lang="es">
-                <a:solidFill>
-                  <a:schemeClr val="dk1"/>
-                </a:solidFill>
-                <a:latin typeface="Courier New"/>
-                <a:ea typeface="Courier New"/>
-                <a:cs typeface="Courier New"/>
-                <a:sym typeface="Courier New"/>
-              </a:rPr>
-              <a:t>.b2AABB;</a:t>
-            </a:r>
-          </a:p>
-          <a:p>
-            <a:pPr rtl="0" lvl="0">
-              <a:lnSpc>
-                <a:spcPct val="125000"/>
-              </a:lnSpc>
-              <a:spcBef>
-                <a:spcPts val="0"/>
-              </a:spcBef>
-              <a:buClr>
-                <a:schemeClr val="dk1"/>
-              </a:buClr>
-              <a:buSzPct val="122222"/>
-              <a:buFont typeface="Arial"/>
-              <a:buNone/>
-            </a:pPr>
-            <a:r>
-              <a:rPr sz="900" lang="es">
-                <a:solidFill>
-                  <a:srgbClr val="4A86E8"/>
-                </a:solidFill>
-                <a:latin typeface="Courier New"/>
-                <a:ea typeface="Courier New"/>
-                <a:cs typeface="Courier New"/>
-                <a:sym typeface="Courier New"/>
-              </a:rPr>
-              <a:t>var </a:t>
-            </a:r>
-            <a:r>
-              <a:rPr sz="900" lang="es">
-                <a:solidFill>
-                  <a:schemeClr val="dk1"/>
-                </a:solidFill>
-                <a:latin typeface="Courier New"/>
-                <a:ea typeface="Courier New"/>
-                <a:cs typeface="Courier New"/>
-                <a:sym typeface="Courier New"/>
-              </a:rPr>
-              <a:t>b2BodyDef = </a:t>
-            </a:r>
-            <a:r>
-              <a:rPr sz="900" lang="es">
-                <a:solidFill>
-                  <a:srgbClr val="4A86E8"/>
-                </a:solidFill>
-                <a:latin typeface="Courier New"/>
-                <a:ea typeface="Courier New"/>
-                <a:cs typeface="Courier New"/>
-                <a:sym typeface="Courier New"/>
-              </a:rPr>
-              <a:t>Box2D.Dynamics</a:t>
-            </a:r>
-            <a:r>
-              <a:rPr sz="900" lang="es">
-                <a:solidFill>
-                  <a:schemeClr val="dk1"/>
-                </a:solidFill>
-                <a:latin typeface="Courier New"/>
-                <a:ea typeface="Courier New"/>
-                <a:cs typeface="Courier New"/>
-                <a:sym typeface="Courier New"/>
-              </a:rPr>
-              <a:t>.b2BodyDef;</a:t>
-            </a:r>
-          </a:p>
-          <a:p>
-            <a:pPr rtl="0" lvl="0">
-              <a:lnSpc>
-                <a:spcPct val="125000"/>
-              </a:lnSpc>
-              <a:spcBef>
-                <a:spcPts val="0"/>
-              </a:spcBef>
-              <a:buClr>
-                <a:schemeClr val="dk1"/>
-              </a:buClr>
-              <a:buSzPct val="122222"/>
-              <a:buFont typeface="Arial"/>
-              <a:buNone/>
-            </a:pPr>
-            <a:r>
-              <a:rPr sz="900" lang="es">
-                <a:solidFill>
-                  <a:srgbClr val="4A86E8"/>
-                </a:solidFill>
-                <a:latin typeface="Courier New"/>
-                <a:ea typeface="Courier New"/>
-                <a:cs typeface="Courier New"/>
-                <a:sym typeface="Courier New"/>
-              </a:rPr>
-              <a:t>var </a:t>
-            </a:r>
-            <a:r>
-              <a:rPr sz="900" lang="es">
-                <a:solidFill>
-                  <a:schemeClr val="dk1"/>
-                </a:solidFill>
-                <a:latin typeface="Courier New"/>
-                <a:ea typeface="Courier New"/>
-                <a:cs typeface="Courier New"/>
-                <a:sym typeface="Courier New"/>
-              </a:rPr>
-              <a:t>b2Body = </a:t>
-            </a:r>
-            <a:r>
-              <a:rPr sz="900" lang="es">
-                <a:solidFill>
-                  <a:srgbClr val="4A86E8"/>
-                </a:solidFill>
-                <a:latin typeface="Courier New"/>
-                <a:ea typeface="Courier New"/>
-                <a:cs typeface="Courier New"/>
-                <a:sym typeface="Courier New"/>
-              </a:rPr>
-              <a:t>Box2D.Dynamics</a:t>
-            </a:r>
-            <a:r>
-              <a:rPr sz="900" lang="es">
-                <a:solidFill>
-                  <a:schemeClr val="dk1"/>
-                </a:solidFill>
-                <a:latin typeface="Courier New"/>
-                <a:ea typeface="Courier New"/>
-                <a:cs typeface="Courier New"/>
-                <a:sym typeface="Courier New"/>
-              </a:rPr>
-              <a:t>.b2Body;</a:t>
-            </a:r>
-          </a:p>
-          <a:p>
-            <a:pPr rtl="0" lvl="0">
-              <a:lnSpc>
-                <a:spcPct val="125000"/>
-              </a:lnSpc>
-              <a:spcBef>
-                <a:spcPts val="0"/>
-              </a:spcBef>
-              <a:buClr>
-                <a:schemeClr val="dk1"/>
-              </a:buClr>
-              <a:buSzPct val="122222"/>
-              <a:buFont typeface="Arial"/>
-              <a:buNone/>
-            </a:pPr>
-            <a:r>
-              <a:rPr sz="900" lang="es">
-                <a:solidFill>
-                  <a:srgbClr val="4A86E8"/>
-                </a:solidFill>
-                <a:latin typeface="Courier New"/>
-                <a:ea typeface="Courier New"/>
-                <a:cs typeface="Courier New"/>
-                <a:sym typeface="Courier New"/>
-              </a:rPr>
-              <a:t>var </a:t>
-            </a:r>
-            <a:r>
-              <a:rPr sz="900" lang="es">
-                <a:solidFill>
-                  <a:schemeClr val="dk1"/>
-                </a:solidFill>
-                <a:latin typeface="Courier New"/>
-                <a:ea typeface="Courier New"/>
-                <a:cs typeface="Courier New"/>
-                <a:sym typeface="Courier New"/>
-              </a:rPr>
-              <a:t>b2FixtureDef = </a:t>
-            </a:r>
-            <a:r>
-              <a:rPr sz="900" lang="es">
-                <a:solidFill>
-                  <a:srgbClr val="4A86E8"/>
-                </a:solidFill>
-                <a:latin typeface="Courier New"/>
-                <a:ea typeface="Courier New"/>
-                <a:cs typeface="Courier New"/>
-                <a:sym typeface="Courier New"/>
-              </a:rPr>
-              <a:t>Box2D.Dynamics</a:t>
-            </a:r>
-            <a:r>
-              <a:rPr sz="900" lang="es">
-                <a:solidFill>
-                  <a:schemeClr val="dk1"/>
-                </a:solidFill>
-                <a:latin typeface="Courier New"/>
-                <a:ea typeface="Courier New"/>
-                <a:cs typeface="Courier New"/>
-                <a:sym typeface="Courier New"/>
-              </a:rPr>
-              <a:t>.b2FixtureDef;</a:t>
-            </a:r>
-          </a:p>
-          <a:p>
-            <a:pPr rtl="0" lvl="0">
-              <a:lnSpc>
-                <a:spcPct val="125000"/>
-              </a:lnSpc>
-              <a:spcBef>
-                <a:spcPts val="0"/>
-              </a:spcBef>
-              <a:buClr>
-                <a:schemeClr val="dk1"/>
-              </a:buClr>
-              <a:buSzPct val="122222"/>
-              <a:buFont typeface="Arial"/>
-              <a:buNone/>
-            </a:pPr>
-            <a:r>
-              <a:rPr sz="900" lang="es">
-                <a:solidFill>
-                  <a:srgbClr val="4A86E8"/>
-                </a:solidFill>
-                <a:latin typeface="Courier New"/>
-                <a:ea typeface="Courier New"/>
-                <a:cs typeface="Courier New"/>
-                <a:sym typeface="Courier New"/>
-              </a:rPr>
-              <a:t>var </a:t>
-            </a:r>
-            <a:r>
-              <a:rPr sz="900" lang="es">
-                <a:solidFill>
-                  <a:schemeClr val="dk1"/>
-                </a:solidFill>
-                <a:latin typeface="Courier New"/>
-                <a:ea typeface="Courier New"/>
-                <a:cs typeface="Courier New"/>
-                <a:sym typeface="Courier New"/>
-              </a:rPr>
-              <a:t>b2Fixture = </a:t>
-            </a:r>
-            <a:r>
-              <a:rPr sz="900" lang="es">
-                <a:solidFill>
-                  <a:srgbClr val="4A86E8"/>
-                </a:solidFill>
-                <a:latin typeface="Courier New"/>
-                <a:ea typeface="Courier New"/>
-                <a:cs typeface="Courier New"/>
-                <a:sym typeface="Courier New"/>
-              </a:rPr>
-              <a:t>Box2D.Dynamics</a:t>
-            </a:r>
-            <a:r>
-              <a:rPr sz="900" lang="es">
-                <a:solidFill>
-                  <a:schemeClr val="dk1"/>
-                </a:solidFill>
-                <a:latin typeface="Courier New"/>
-                <a:ea typeface="Courier New"/>
-                <a:cs typeface="Courier New"/>
-                <a:sym typeface="Courier New"/>
-              </a:rPr>
-              <a:t>.b2Fixture;</a:t>
-            </a:r>
-          </a:p>
-          <a:p>
-            <a:pPr rtl="0" lvl="0">
-              <a:lnSpc>
-                <a:spcPct val="125000"/>
-              </a:lnSpc>
-              <a:spcBef>
-                <a:spcPts val="0"/>
-              </a:spcBef>
-              <a:buClr>
-                <a:schemeClr val="dk1"/>
-              </a:buClr>
-              <a:buSzPct val="122222"/>
-              <a:buFont typeface="Arial"/>
-              <a:buNone/>
-            </a:pPr>
-            <a:r>
-              <a:rPr sz="900" lang="es">
-                <a:solidFill>
-                  <a:srgbClr val="4A86E8"/>
-                </a:solidFill>
-                <a:latin typeface="Courier New"/>
-                <a:ea typeface="Courier New"/>
-                <a:cs typeface="Courier New"/>
-                <a:sym typeface="Courier New"/>
-              </a:rPr>
-              <a:t>var </a:t>
-            </a:r>
-            <a:r>
-              <a:rPr sz="900" lang="es">
-                <a:solidFill>
-                  <a:schemeClr val="dk1"/>
-                </a:solidFill>
-                <a:latin typeface="Courier New"/>
-                <a:ea typeface="Courier New"/>
-                <a:cs typeface="Courier New"/>
-                <a:sym typeface="Courier New"/>
-              </a:rPr>
-              <a:t>b2World = </a:t>
-            </a:r>
-            <a:r>
-              <a:rPr sz="900" lang="es">
-                <a:solidFill>
-                  <a:srgbClr val="4A86E8"/>
-                </a:solidFill>
-                <a:latin typeface="Courier New"/>
-                <a:ea typeface="Courier New"/>
-                <a:cs typeface="Courier New"/>
-                <a:sym typeface="Courier New"/>
-              </a:rPr>
-              <a:t>Box2D.Dynamics</a:t>
-            </a:r>
-            <a:r>
-              <a:rPr sz="900" lang="es">
-                <a:solidFill>
-                  <a:schemeClr val="dk1"/>
-                </a:solidFill>
-                <a:latin typeface="Courier New"/>
-                <a:ea typeface="Courier New"/>
-                <a:cs typeface="Courier New"/>
-                <a:sym typeface="Courier New"/>
-              </a:rPr>
-              <a:t>.b2World;</a:t>
-            </a:r>
-          </a:p>
-          <a:p>
-            <a:pPr rtl="0" lvl="0">
-              <a:lnSpc>
-                <a:spcPct val="125000"/>
-              </a:lnSpc>
-              <a:spcBef>
-                <a:spcPts val="0"/>
-              </a:spcBef>
-              <a:buClr>
-                <a:schemeClr val="dk1"/>
-              </a:buClr>
-              <a:buSzPct val="122222"/>
-              <a:buFont typeface="Arial"/>
-              <a:buNone/>
-            </a:pPr>
-            <a:r>
-              <a:rPr sz="900" lang="es">
-                <a:solidFill>
-                  <a:srgbClr val="4A86E8"/>
-                </a:solidFill>
-                <a:latin typeface="Courier New"/>
-                <a:ea typeface="Courier New"/>
-                <a:cs typeface="Courier New"/>
-                <a:sym typeface="Courier New"/>
-              </a:rPr>
-              <a:t>var </a:t>
-            </a:r>
-            <a:r>
-              <a:rPr sz="900" lang="es">
-                <a:solidFill>
-                  <a:schemeClr val="dk1"/>
-                </a:solidFill>
-                <a:latin typeface="Courier New"/>
-                <a:ea typeface="Courier New"/>
-                <a:cs typeface="Courier New"/>
-                <a:sym typeface="Courier New"/>
-              </a:rPr>
-              <a:t>b2PolygonShape = </a:t>
-            </a:r>
-            <a:r>
-              <a:rPr sz="900" lang="es">
-                <a:solidFill>
-                  <a:srgbClr val="4A86E8"/>
-                </a:solidFill>
-                <a:latin typeface="Courier New"/>
-                <a:ea typeface="Courier New"/>
-                <a:cs typeface="Courier New"/>
-                <a:sym typeface="Courier New"/>
-              </a:rPr>
-              <a:t>Box2D.Collision.Shapes</a:t>
-            </a:r>
-            <a:r>
-              <a:rPr sz="900" lang="es">
-                <a:solidFill>
-                  <a:schemeClr val="dk1"/>
-                </a:solidFill>
-                <a:latin typeface="Courier New"/>
-                <a:ea typeface="Courier New"/>
-                <a:cs typeface="Courier New"/>
-                <a:sym typeface="Courier New"/>
-              </a:rPr>
-              <a:t>.b2PolygonShape;</a:t>
-            </a:r>
-          </a:p>
-          <a:p>
-            <a:pPr rtl="0" lvl="0">
-              <a:lnSpc>
-                <a:spcPct val="125000"/>
-              </a:lnSpc>
-              <a:spcBef>
-                <a:spcPts val="0"/>
-              </a:spcBef>
-              <a:buClr>
-                <a:schemeClr val="dk1"/>
-              </a:buClr>
-              <a:buSzPct val="122222"/>
-              <a:buFont typeface="Arial"/>
-              <a:buNone/>
-            </a:pPr>
-            <a:r>
-              <a:rPr sz="900" lang="es">
-                <a:solidFill>
-                  <a:srgbClr val="4A86E8"/>
-                </a:solidFill>
-                <a:latin typeface="Courier New"/>
-                <a:ea typeface="Courier New"/>
-                <a:cs typeface="Courier New"/>
-                <a:sym typeface="Courier New"/>
-              </a:rPr>
-              <a:t>var </a:t>
-            </a:r>
-            <a:r>
-              <a:rPr sz="900" lang="es">
-                <a:solidFill>
-                  <a:schemeClr val="dk1"/>
-                </a:solidFill>
-                <a:latin typeface="Courier New"/>
-                <a:ea typeface="Courier New"/>
-                <a:cs typeface="Courier New"/>
-                <a:sym typeface="Courier New"/>
-              </a:rPr>
-              <a:t>b2DebugDraw = </a:t>
-            </a:r>
-            <a:r>
-              <a:rPr sz="900" lang="es">
-                <a:solidFill>
-                  <a:srgbClr val="4A86E8"/>
-                </a:solidFill>
-                <a:latin typeface="Courier New"/>
-                <a:ea typeface="Courier New"/>
-                <a:cs typeface="Courier New"/>
-                <a:sym typeface="Courier New"/>
-              </a:rPr>
-              <a:t>Box2D.Dynamics</a:t>
-            </a:r>
-            <a:r>
-              <a:rPr sz="900" lang="es">
-                <a:solidFill>
-                  <a:schemeClr val="dk1"/>
-                </a:solidFill>
-                <a:latin typeface="Courier New"/>
-                <a:ea typeface="Courier New"/>
-                <a:cs typeface="Courier New"/>
-                <a:sym typeface="Courier New"/>
-              </a:rPr>
-              <a:t>.b2DebugDraw;</a:t>
-            </a:r>
-          </a:p>
-          <a:p>
-            <a:pPr>
-              <a:spcBef>
-                <a:spcPts val="0"/>
-              </a:spcBef>
-              <a:buNone/>
-            </a:pPr>
-            <a:r>
-              <a:t/>
-            </a:r>
-            <a:endParaRPr/>
-          </a:p>
-        </p:txBody>
-      </p:sp>
-      <p:sp>
-        <p:nvSpPr>
-          <p:cNvPr id="110" name="Shape 110"/>
-          <p:cNvSpPr txBox="1"/>
-          <p:nvPr>
-            <p:ph idx="2" type="ctrTitle"/>
-          </p:nvPr>
-        </p:nvSpPr>
-        <p:spPr>
-          <a:xfrm>
-            <a:off y="3569010" x="4439247"/>
-            <a:ext cy="671400" cx="3670199"/>
-          </a:xfrm>
-          <a:prstGeom prst="rect">
-            <a:avLst/>
-          </a:prstGeom>
-        </p:spPr>
-        <p:txBody>
-          <a:bodyPr bIns="91425" rIns="91425" lIns="91425" tIns="91425" anchor="b" anchorCtr="0">
-            <a:noAutofit/>
-          </a:bodyPr>
-          <a:lstStyle/>
-          <a:p>
-            <a:pPr algn="l" rtl="0" lvl="0">
+            <a:pPr algn="ctr" rtl="0" lvl="0">
               <a:lnSpc>
                 <a:spcPct val="115000"/>
               </a:lnSpc>
@@ -6889,37 +7093,71 @@
               <a:buNone/>
             </a:pPr>
             <a:r>
-              <a:rPr sz="1400" lang="es">
-                <a:latin typeface="Ubuntu"/>
-                <a:ea typeface="Ubuntu"/>
-                <a:cs typeface="Ubuntu"/>
-                <a:sym typeface="Ubuntu"/>
-              </a:rPr>
-              <a:t>open the “box2d” folder in</a:t>
-            </a:r>
-          </a:p>
-          <a:p>
-            <a:pPr algn="l" rtl="0" lvl="0">
-              <a:lnSpc>
-                <a:spcPct val="115000"/>
-              </a:lnSpc>
-              <a:spcBef>
-                <a:spcPts val="0"/>
-              </a:spcBef>
-              <a:buNone/>
-            </a:pPr>
-            <a:r>
-              <a:rPr sz="1400" lang="es">
-                <a:latin typeface="Ubuntu"/>
-                <a:ea typeface="Ubuntu"/>
-                <a:cs typeface="Ubuntu"/>
-                <a:sym typeface="Ubuntu"/>
-              </a:rPr>
-              <a:t>your favourite text editor...</a:t>
+              <a:rPr sz="1800" lang="es">
+                <a:latin typeface="Ubuntu"/>
+                <a:ea typeface="Ubuntu"/>
+                <a:cs typeface="Ubuntu"/>
+                <a:sym typeface="Ubuntu"/>
+              </a:rPr>
+              <a:t>Real time shape recognition demos (box2d and </a:t>
+            </a:r>
+            <a:r>
+              <a:rPr sz="1800" lang="es">
+                <a:solidFill>
+                  <a:schemeClr val="hlink"/>
+                </a:solidFill>
+                <a:latin typeface="Ubuntu"/>
+                <a:ea typeface="Ubuntu"/>
+                <a:cs typeface="Ubuntu"/>
+                <a:sym typeface="Ubuntu"/>
+                <a:hlinkClick r:id="rId3"/>
+              </a:rPr>
+              <a:t>openCV</a:t>
+            </a:r>
+            <a:r>
+              <a:rPr sz="1800" lang="es">
+                <a:latin typeface="Ubuntu"/>
+                <a:ea typeface="Ubuntu"/>
+                <a:cs typeface="Ubuntu"/>
+                <a:sym typeface="Ubuntu"/>
+              </a:rPr>
+              <a:t>)</a:t>
             </a:r>
           </a:p>
         </p:txBody>
       </p:sp>
+      <p:pic>
+        <p:nvPicPr>
+          <p:cNvPr id="108" name="Shape 108"/>
+          <p:cNvPicPr preferRelativeResize="0"/>
+          <p:nvPr/>
+        </p:nvPicPr>
+        <p:blipFill>
+          <a:blip r:embed="rId4"/>
+          <a:stretch>
+            <a:fillRect/>
+          </a:stretch>
+        </p:blipFill>
+        <p:spPr>
+          <a:xfrm>
+            <a:off y="531175" x="1566499"/>
+            <a:ext cy="3556201" cx="5888901"/>
+          </a:xfrm>
+          <a:prstGeom prst="rect">
+            <a:avLst/>
+          </a:prstGeom>
+          <a:noFill/>
+          <a:ln w="19050" cap="flat">
+            <a:solidFill>
+              <a:schemeClr val="dk2"/>
+            </a:solidFill>
+            <a:prstDash val="solid"/>
+            <a:round/>
+            <a:headEnd w="med" len="med" type="none"/>
+            <a:tailEnd w="med" len="med" type="none"/>
+          </a:ln>
+        </p:spPr>
+      </p:pic>
     </p:spTree>
   </p:cSld>
   <p:clrMapOvr>
@@ -6932,6 +7170,283 @@
 </file>
 
 <file path=ppt/theme/theme1.xml><?xml version="1.0" encoding="utf-8"?>
+<a:theme xmlns:a="http://schemas.openxmlformats.org/drawingml/2006/main" xmlns:r="http://schemas.openxmlformats.org/officeDocument/2006/relationships" name="light-gradient">
+  <a:themeElements>
+    <a:clrScheme name="Custom 347">
+      <a:dk1>
+        <a:srgbClr val="000000"/>
+      </a:dk1>
+      <a:lt1>
+        <a:srgbClr val="FFFFFF"/>
+      </a:lt1>
+      <a:dk2>
+        <a:srgbClr val="666666"/>
+      </a:dk2>
+      <a:lt2>
+        <a:srgbClr val="CCCCCC"/>
+      </a:lt2>
+      <a:accent1>
+        <a:srgbClr val="3A81BA"/>
+      </a:accent1>
+      <a:accent2>
+        <a:srgbClr val="D89F39"/>
+      </a:accent2>
+      <a:accent3>
+        <a:srgbClr val="8BAB42"/>
+      </a:accent3>
+      <a:accent4>
+        <a:srgbClr val="57A7B5"/>
+      </a:accent4>
+      <a:accent5>
+        <a:srgbClr val="8B81D2"/>
+      </a:accent5>
+      <a:accent6>
+        <a:srgbClr val="963334"/>
+      </a:accent6>
+      <a:hlink>
+        <a:srgbClr val="1155CC"/>
+      </a:hlink>
+      <a:folHlink>
+        <a:srgbClr val="6611CC"/>
+      </a:folHlink>
+    </a:clrScheme>
+    <a:fontScheme name="Office">
+      <a:majorFont>
+        <a:latin typeface="Arial"/>
+        <a:ea typeface=""/>
+        <a:cs typeface=""/>
+        <a:font typeface="ＭＳ Ｐゴシック" script="Jpan"/>
+        <a:font typeface="맑은 고딕" script="Hang"/>
+        <a:font typeface="宋体" script="Hans"/>
+        <a:font typeface="新細明體" script="Hant"/>
+        <a:font typeface="Times New Roman" script="Arab"/>
+        <a:font typeface="Times New Roman" script="Hebr"/>
+        <a:font typeface="Angsana New" script="Thai"/>
+        <a:font typeface="Nyala" script="Ethi"/>
+        <a:font typeface="Vrinda" script="Beng"/>
+        <a:font typeface="Shruti" script="Gujr"/>
+        <a:font typeface="MoolBoran" script="Khmr"/>
+        <a:font typeface="Tunga" script="Knda"/>
+        <a:font typeface="Raavi" script="Guru"/>
+        <a:font typeface="Euphemia" script="Cans"/>
+        <a:font typeface="Plantagenet Cherokee" script="Cher"/>
+        <a:font typeface="Microsoft Yi Baiti" script="Yiii"/>
+        <a:font typeface="Microsoft Himalaya" script="Tibt"/>
+        <a:font typeface="MV Boli" script="Thaa"/>
+        <a:font typeface="Mangal" script="Deva"/>
+        <a:font typeface="Gautami" script="Telu"/>
+        <a:font typeface="Latha" script="Taml"/>
+        <a:font typeface="Estrangelo Edessa" script="Syrc"/>
+        <a:font typeface="Kalinga" script="Orya"/>
+        <a:font typeface="Kartika" script="Mlym"/>
+        <a:font typeface="DokChampa" script="Laoo"/>
+        <a:font typeface="Iskoola Pota" script="Sinh"/>
+        <a:font typeface="Mongolian Baiti" script="Mong"/>
+        <a:font typeface="Times New Roman" script="Viet"/>
+        <a:font typeface="Microsoft Uighur" script="Uigh"/>
+      </a:majorFont>
+      <a:minorFont>
+        <a:latin typeface="Arial"/>
+        <a:ea typeface=""/>
+        <a:cs typeface=""/>
+        <a:font typeface="ＭＳ Ｐゴシック" script="Jpan"/>
+        <a:font typeface="맑은 고딕" script="Hang"/>
+        <a:font typeface="宋体" script="Hans"/>
+        <a:font typeface="新細明體" script="Hant"/>
+        <a:font typeface="Arial" script="Arab"/>
+        <a:font typeface="Arial" script="Hebr"/>
+        <a:font typeface="Cordia New" script="Thai"/>
+        <a:font typeface="Nyala" script="Ethi"/>
+        <a:font typeface="Vrinda" script="Beng"/>
+        <a:font typeface="Shruti" script="Gujr"/>
+        <a:font typeface="DaunPenh" script="Khmr"/>
+        <a:font typeface="Tunga" script="Knda"/>
+        <a:font typeface="Raavi" script="Guru"/>
+        <a:font typeface="Euphemia" script="Cans"/>
+        <a:font typeface="Plantagenet Cherokee" script="Cher"/>
+        <a:font typeface="Microsoft Yi Baiti" script="Yiii"/>
+        <a:font typeface="Microsoft Himalaya" script="Tibt"/>
+        <a:font typeface="MV Boli" script="Thaa"/>
+        <a:font typeface="Mangal" script="Deva"/>
+        <a:font typeface="Gautami" script="Telu"/>
+        <a:font typeface="Latha" script="Taml"/>
+        <a:font typeface="Estrangelo Edessa" script="Syrc"/>
+        <a:font typeface="Kalinga" script="Orya"/>
+        <a:font typeface="Kartika" script="Mlym"/>
+        <a:font typeface="DokChampa" script="Laoo"/>
+        <a:font typeface="Iskoola Pota" script="Sinh"/>
+        <a:font typeface="Mongolian Baiti" script="Mong"/>
+        <a:font typeface="Arial" script="Viet"/>
+        <a:font typeface="Microsoft Uighur" script="Uigh"/>
+      </a:minorFont>
+    </a:fontScheme>
+    <a:fmtScheme name="Office">
+      <a:fillStyleLst>
+        <a:solidFill>
+          <a:schemeClr val="phClr"/>
+        </a:solidFill>
+        <a:gradFill rotWithShape="1">
+          <a:gsLst>
+            <a:gs pos="0">
+              <a:schemeClr val="phClr">
+                <a:tint val="50000"/>
+                <a:satMod val="300000"/>
+              </a:schemeClr>
+            </a:gs>
+            <a:gs pos="35000">
+              <a:schemeClr val="phClr">
+                <a:tint val="37000"/>
+                <a:satMod val="300000"/>
+              </a:schemeClr>
+            </a:gs>
+            <a:gs pos="100000">
+              <a:schemeClr val="phClr">
+                <a:tint val="15000"/>
+                <a:satMod val="350000"/>
+              </a:schemeClr>
+            </a:gs>
+          </a:gsLst>
+          <a:lin ang="16200000" scaled="1"/>
+        </a:gradFill>
+        <a:gradFill rotWithShape="1">
+          <a:gsLst>
+            <a:gs pos="0">
+              <a:schemeClr val="phClr">
+                <a:tint val="100000"/>
+                <a:shade val="100000"/>
+                <a:satMod val="130000"/>
+              </a:schemeClr>
+            </a:gs>
+            <a:gs pos="100000">
+              <a:schemeClr val="phClr">
+                <a:tint val="50000"/>
+                <a:shade val="100000"/>
+                <a:satMod val="350000"/>
+              </a:schemeClr>
+            </a:gs>
+          </a:gsLst>
+          <a:lin ang="16200000" scaled="0"/>
+        </a:gradFill>
+      </a:fillStyleLst>
+      <a:lnStyleLst>
+        <a:ln w="9525" algn="ctr" cap="flat" cmpd="sng">
+          <a:solidFill>
+            <a:schemeClr val="phClr">
+              <a:shade val="95000"/>
+              <a:satMod val="105000"/>
+            </a:schemeClr>
+          </a:solidFill>
+          <a:prstDash val="solid"/>
+        </a:ln>
+        <a:ln w="25400" algn="ctr" cap="flat" cmpd="sng">
+          <a:solidFill>
+            <a:schemeClr val="phClr"/>
+          </a:solidFill>
+          <a:prstDash val="solid"/>
+        </a:ln>
+        <a:ln w="38100" algn="ctr" cap="flat" cmpd="sng">
+          <a:solidFill>
+            <a:schemeClr val="phClr"/>
+          </a:solidFill>
+          <a:prstDash val="solid"/>
+        </a:ln>
+      </a:lnStyleLst>
+      <a:effectStyleLst>
+        <a:effectStyle>
+          <a:effectLst>
+            <a:outerShdw rotWithShape="0" dir="5400000" blurRad="40000" dist="20000">
+              <a:srgbClr val="000000">
+                <a:alpha val="38000"/>
+              </a:srgbClr>
+            </a:outerShdw>
+          </a:effectLst>
+        </a:effectStyle>
+        <a:effectStyle>
+          <a:effectLst>
+            <a:outerShdw rotWithShape="0" dir="5400000" blurRad="40000" dist="23000">
+              <a:srgbClr val="000000">
+                <a:alpha val="35000"/>
+              </a:srgbClr>
+            </a:outerShdw>
+          </a:effectLst>
+        </a:effectStyle>
+        <a:effectStyle>
+          <a:effectLst>
+            <a:outerShdw rotWithShape="0" dir="5400000" blurRad="40000" dist="23000">
+              <a:srgbClr val="000000">
+                <a:alpha val="35000"/>
+              </a:srgbClr>
+            </a:outerShdw>
+          </a:effectLst>
+          <a:scene3d>
+            <a:camera prst="orthographicFront">
+              <a:rot rev="0" lon="0" lat="0"/>
+            </a:camera>
+            <a:lightRig dir="t" rig="threePt">
+              <a:rot rev="1200000" lon="0" lat="0"/>
+            </a:lightRig>
+          </a:scene3d>
+          <a:sp3d>
+            <a:bevelT w="63500" h="25400"/>
+          </a:sp3d>
+        </a:effectStyle>
+      </a:effectStyleLst>
+      <a:bgFillStyleLst>
+        <a:solidFill>
+          <a:schemeClr val="phClr"/>
+        </a:solidFill>
+        <a:gradFill rotWithShape="1">
+          <a:gsLst>
+            <a:gs pos="0">
+              <a:schemeClr val="phClr">
+                <a:tint val="40000"/>
+                <a:satMod val="350000"/>
+              </a:schemeClr>
+            </a:gs>
+            <a:gs pos="40000">
+              <a:schemeClr val="phClr">
+                <a:tint val="45000"/>
+                <a:shade val="99000"/>
+                <a:satMod val="350000"/>
+              </a:schemeClr>
+            </a:gs>
+            <a:gs pos="100000">
+              <a:schemeClr val="phClr">
+                <a:shade val="20000"/>
+                <a:satMod val="255000"/>
+              </a:schemeClr>
+            </a:gs>
+          </a:gsLst>
+          <a:path path="circle">
+            <a:fillToRect t="-80000" b="180000" r="50000" l="50000"/>
+          </a:path>
+        </a:gradFill>
+        <a:gradFill rotWithShape="1">
+          <a:gsLst>
+            <a:gs pos="0">
+              <a:schemeClr val="phClr">
+                <a:tint val="80000"/>
+                <a:satMod val="300000"/>
+              </a:schemeClr>
+            </a:gs>
+            <a:gs pos="100000">
+              <a:schemeClr val="phClr">
+                <a:shade val="30000"/>
+                <a:satMod val="200000"/>
+              </a:schemeClr>
+            </a:gs>
+          </a:gsLst>
+          <a:path path="circle">
+            <a:fillToRect t="50000" b="50000" r="50000" l="50000"/>
+          </a:path>
+        </a:gradFill>
+      </a:bgFillStyleLst>
+    </a:fmtScheme>
+  </a:themeElements>
+</a:theme>
+</file>
+
+<file path=ppt/theme/theme2.xml><?xml version="1.0" encoding="utf-8"?>
 <a:theme xmlns:a="http://schemas.openxmlformats.org/drawingml/2006/main" xmlns:r="http://schemas.openxmlformats.org/officeDocument/2006/relationships" name="Custom Theme">
   <a:themeElements>
     <a:clrScheme name="Default">
@@ -7208,7 +7723,7 @@
 </a:theme>
 </file>
 
-<file path=ppt/theme/theme2.xml><?xml version="1.0" encoding="utf-8"?>
+<file path=ppt/theme/theme3.xml><?xml version="1.0" encoding="utf-8"?>
 <a:theme xmlns:a="http://schemas.openxmlformats.org/drawingml/2006/main" xmlns:r="http://schemas.openxmlformats.org/officeDocument/2006/relationships" name="Office Theme">
   <a:themeElements>
     <a:clrScheme name="Office">
@@ -7524,281 +8039,4 @@
   </a:objectDefaults>
   <a:extraClrSchemeLst/>
 </a:theme>
-</file>
-
-<file path=ppt/theme/theme3.xml><?xml version="1.0" encoding="utf-8"?>
-<a:theme xmlns:a="http://schemas.openxmlformats.org/drawingml/2006/main" xmlns:r="http://schemas.openxmlformats.org/officeDocument/2006/relationships" name="light-gradient">
-  <a:themeElements>
-    <a:clrScheme name="Custom 347">
-      <a:dk1>
-        <a:srgbClr val="000000"/>
-      </a:dk1>
-      <a:lt1>
-        <a:srgbClr val="FFFFFF"/>
-      </a:lt1>
-      <a:dk2>
-        <a:srgbClr val="666666"/>
-      </a:dk2>
-      <a:lt2>
-        <a:srgbClr val="CCCCCC"/>
-      </a:lt2>
-      <a:accent1>
-        <a:srgbClr val="3A81BA"/>
-      </a:accent1>
-      <a:accent2>
-        <a:srgbClr val="D89F39"/>
-      </a:accent2>
-      <a:accent3>
-        <a:srgbClr val="8BAB42"/>
-      </a:accent3>
-      <a:accent4>
-        <a:srgbClr val="57A7B5"/>
-      </a:accent4>
-      <a:accent5>
-        <a:srgbClr val="8B81D2"/>
-      </a:accent5>
-      <a:accent6>
-        <a:srgbClr val="963334"/>
-      </a:accent6>
-      <a:hlink>
-        <a:srgbClr val="1155CC"/>
-      </a:hlink>
-      <a:folHlink>
-        <a:srgbClr val="6611CC"/>
-      </a:folHlink>
-    </a:clrScheme>
-    <a:fontScheme name="Office">
-      <a:majorFont>
-        <a:latin typeface="Arial"/>
-        <a:ea typeface=""/>
-        <a:cs typeface=""/>
-        <a:font typeface="ＭＳ Ｐゴシック" script="Jpan"/>
-        <a:font typeface="맑은 고딕" script="Hang"/>
-        <a:font typeface="宋体" script="Hans"/>
-        <a:font typeface="新細明體" script="Hant"/>
-        <a:font typeface="Times New Roman" script="Arab"/>
-        <a:font typeface="Times New Roman" script="Hebr"/>
-        <a:font typeface="Angsana New" script="Thai"/>
-        <a:font typeface="Nyala" script="Ethi"/>
-        <a:font typeface="Vrinda" script="Beng"/>
-        <a:font typeface="Shruti" script="Gujr"/>
-        <a:font typeface="MoolBoran" script="Khmr"/>
-        <a:font typeface="Tunga" script="Knda"/>
-        <a:font typeface="Raavi" script="Guru"/>
-        <a:font typeface="Euphemia" script="Cans"/>
-        <a:font typeface="Plantagenet Cherokee" script="Cher"/>
-        <a:font typeface="Microsoft Yi Baiti" script="Yiii"/>
-        <a:font typeface="Microsoft Himalaya" script="Tibt"/>
-        <a:font typeface="MV Boli" script="Thaa"/>
-        <a:font typeface="Mangal" script="Deva"/>
-        <a:font typeface="Gautami" script="Telu"/>
-        <a:font typeface="Latha" script="Taml"/>
-        <a:font typeface="Estrangelo Edessa" script="Syrc"/>
-        <a:font typeface="Kalinga" script="Orya"/>
-        <a:font typeface="Kartika" script="Mlym"/>
-        <a:font typeface="DokChampa" script="Laoo"/>
-        <a:font typeface="Iskoola Pota" script="Sinh"/>
-        <a:font typeface="Mongolian Baiti" script="Mong"/>
-        <a:font typeface="Times New Roman" script="Viet"/>
-        <a:font typeface="Microsoft Uighur" script="Uigh"/>
-      </a:majorFont>
-      <a:minorFont>
-        <a:latin typeface="Arial"/>
-        <a:ea typeface=""/>
-        <a:cs typeface=""/>
-        <a:font typeface="ＭＳ Ｐゴシック" script="Jpan"/>
-        <a:font typeface="맑은 고딕" script="Hang"/>
-        <a:font typeface="宋体" script="Hans"/>
-        <a:font typeface="新細明體" script="Hant"/>
-        <a:font typeface="Arial" script="Arab"/>
-        <a:font typeface="Arial" script="Hebr"/>
-        <a:font typeface="Cordia New" script="Thai"/>
-        <a:font typeface="Nyala" script="Ethi"/>
-        <a:font typeface="Vrinda" script="Beng"/>
-        <a:font typeface="Shruti" script="Gujr"/>
-        <a:font typeface="DaunPenh" script="Khmr"/>
-        <a:font typeface="Tunga" script="Knda"/>
-        <a:font typeface="Raavi" script="Guru"/>
-        <a:font typeface="Euphemia" script="Cans"/>
-        <a:font typeface="Plantagenet Cherokee" script="Cher"/>
-        <a:font typeface="Microsoft Yi Baiti" script="Yiii"/>
-        <a:font typeface="Microsoft Himalaya" script="Tibt"/>
-        <a:font typeface="MV Boli" script="Thaa"/>
-        <a:font typeface="Mangal" script="Deva"/>
-        <a:font typeface="Gautami" script="Telu"/>
-        <a:font typeface="Latha" script="Taml"/>
-        <a:font typeface="Estrangelo Edessa" script="Syrc"/>
-        <a:font typeface="Kalinga" script="Orya"/>
-        <a:font typeface="Kartika" script="Mlym"/>
-        <a:font typeface="DokChampa" script="Laoo"/>
-        <a:font typeface="Iskoola Pota" script="Sinh"/>
-        <a:font typeface="Mongolian Baiti" script="Mong"/>
-        <a:font typeface="Arial" script="Viet"/>
-        <a:font typeface="Microsoft Uighur" script="Uigh"/>
-      </a:minorFont>
-    </a:fontScheme>
-    <a:fmtScheme name="Office">
-      <a:fillStyleLst>
-        <a:solidFill>
-          <a:schemeClr val="phClr"/>
-        </a:solidFill>
-        <a:gradFill rotWithShape="1">
-          <a:gsLst>
-            <a:gs pos="0">
-              <a:schemeClr val="phClr">
-                <a:tint val="50000"/>
-                <a:satMod val="300000"/>
-              </a:schemeClr>
-            </a:gs>
-            <a:gs pos="35000">
-              <a:schemeClr val="phClr">
-                <a:tint val="37000"/>
-                <a:satMod val="300000"/>
-              </a:schemeClr>
-            </a:gs>
-            <a:gs pos="100000">
-              <a:schemeClr val="phClr">
-                <a:tint val="15000"/>
-                <a:satMod val="350000"/>
-              </a:schemeClr>
-            </a:gs>
-          </a:gsLst>
-          <a:lin ang="16200000" scaled="1"/>
-        </a:gradFill>
-        <a:gradFill rotWithShape="1">
-          <a:gsLst>
-            <a:gs pos="0">
-              <a:schemeClr val="phClr">
-                <a:tint val="100000"/>
-                <a:shade val="100000"/>
-                <a:satMod val="130000"/>
-              </a:schemeClr>
-            </a:gs>
-            <a:gs pos="100000">
-              <a:schemeClr val="phClr">
-                <a:tint val="50000"/>
-                <a:shade val="100000"/>
-                <a:satMod val="350000"/>
-              </a:schemeClr>
-            </a:gs>
-          </a:gsLst>
-          <a:lin ang="16200000" scaled="0"/>
-        </a:gradFill>
-      </a:fillStyleLst>
-      <a:lnStyleLst>
-        <a:ln w="9525" algn="ctr" cap="flat" cmpd="sng">
-          <a:solidFill>
-            <a:schemeClr val="phClr">
-              <a:shade val="95000"/>
-              <a:satMod val="105000"/>
-            </a:schemeClr>
-          </a:solidFill>
-          <a:prstDash val="solid"/>
-        </a:ln>
-        <a:ln w="25400" algn="ctr" cap="flat" cmpd="sng">
-          <a:solidFill>
-            <a:schemeClr val="phClr"/>
-          </a:solidFill>
-          <a:prstDash val="solid"/>
-        </a:ln>
-        <a:ln w="38100" algn="ctr" cap="flat" cmpd="sng">
-          <a:solidFill>
-            <a:schemeClr val="phClr"/>
-          </a:solidFill>
-          <a:prstDash val="solid"/>
-        </a:ln>
-      </a:lnStyleLst>
-      <a:effectStyleLst>
-        <a:effectStyle>
-          <a:effectLst>
-            <a:outerShdw rotWithShape="0" dir="5400000" blurRad="40000" dist="20000">
-              <a:srgbClr val="000000">
-                <a:alpha val="38000"/>
-              </a:srgbClr>
-            </a:outerShdw>
-          </a:effectLst>
-        </a:effectStyle>
-        <a:effectStyle>
-          <a:effectLst>
-            <a:outerShdw rotWithShape="0" dir="5400000" blurRad="40000" dist="23000">
-              <a:srgbClr val="000000">
-                <a:alpha val="35000"/>
-              </a:srgbClr>
-            </a:outerShdw>
-          </a:effectLst>
-        </a:effectStyle>
-        <a:effectStyle>
-          <a:effectLst>
-            <a:outerShdw rotWithShape="0" dir="5400000" blurRad="40000" dist="23000">
-              <a:srgbClr val="000000">
-                <a:alpha val="35000"/>
-              </a:srgbClr>
-            </a:outerShdw>
-          </a:effectLst>
-          <a:scene3d>
-            <a:camera prst="orthographicFront">
-              <a:rot rev="0" lon="0" lat="0"/>
-            </a:camera>
-            <a:lightRig dir="t" rig="threePt">
-              <a:rot rev="1200000" lon="0" lat="0"/>
-            </a:lightRig>
-          </a:scene3d>
-          <a:sp3d>
-            <a:bevelT w="63500" h="25400"/>
-          </a:sp3d>
-        </a:effectStyle>
-      </a:effectStyleLst>
-      <a:bgFillStyleLst>
-        <a:solidFill>
-          <a:schemeClr val="phClr"/>
-        </a:solidFill>
-        <a:gradFill rotWithShape="1">
-          <a:gsLst>
-            <a:gs pos="0">
-              <a:schemeClr val="phClr">
-                <a:tint val="40000"/>
-                <a:satMod val="350000"/>
-              </a:schemeClr>
-            </a:gs>
-            <a:gs pos="40000">
-              <a:schemeClr val="phClr">
-                <a:tint val="45000"/>
-                <a:shade val="99000"/>
-                <a:satMod val="350000"/>
-              </a:schemeClr>
-            </a:gs>
-            <a:gs pos="100000">
-              <a:schemeClr val="phClr">
-                <a:shade val="20000"/>
-                <a:satMod val="255000"/>
-              </a:schemeClr>
-            </a:gs>
-          </a:gsLst>
-          <a:path path="circle">
-            <a:fillToRect t="-80000" b="180000" r="50000" l="50000"/>
-          </a:path>
-        </a:gradFill>
-        <a:gradFill rotWithShape="1">
-          <a:gsLst>
-            <a:gs pos="0">
-              <a:schemeClr val="phClr">
-                <a:tint val="80000"/>
-                <a:satMod val="300000"/>
-              </a:schemeClr>
-            </a:gs>
-            <a:gs pos="100000">
-              <a:schemeClr val="phClr">
-                <a:shade val="30000"/>
-                <a:satMod val="200000"/>
-              </a:schemeClr>
-            </a:gs>
-          </a:gsLst>
-          <a:path path="circle">
-            <a:fillToRect t="50000" b="50000" r="50000" l="50000"/>
-          </a:path>
-        </a:gradFill>
-      </a:bgFillStyleLst>
-    </a:fmtScheme>
-  </a:themeElements>
-</a:theme>
 </file>
--- a/docs/Box2D with Javascript.pptx
+++ b/docs/Box2D with Javascript.pptx
@@ -20,6 +20,7 @@
     <p:sldId id="265" r:id="rId15"/>
     <p:sldId id="266" r:id="rId16"/>
     <p:sldId id="267" r:id="rId17"/>
+    <p:sldId id="268" r:id="rId18"/>
   </p:sldIdLst>
   <p:sldSz cy="5143500" cx="9144000"/>
   <p:notesSz cy="9144000" cx="6858000"/>
@@ -472,7 +473,7 @@
   <p:cSld>
     <p:spTree>
       <p:nvGrpSpPr>
-        <p:cNvPr id="117" name="Shape 117"/>
+        <p:cNvPr id="115" name="Shape 115"/>
         <p:cNvGrpSpPr/>
         <p:nvPr/>
       </p:nvGrpSpPr>
@@ -486,7 +487,7 @@
       </p:grpSpPr>
       <p:sp>
         <p:nvSpPr>
-          <p:cNvPr id="118" name="Shape 118"/>
+          <p:cNvPr id="116" name="Shape 116"/>
           <p:cNvSpPr/>
           <p:nvPr>
             <p:ph idx="2" type="sldImg"/>
@@ -520,7 +521,7 @@
       </p:sp>
       <p:sp>
         <p:nvSpPr>
-          <p:cNvPr id="119" name="Shape 119"/>
+          <p:cNvPr id="117" name="Shape 117"/>
           <p:cNvSpPr txBox="1"/>
           <p:nvPr>
             <p:ph idx="1" type="body"/>
@@ -567,7 +568,7 @@
   <p:cSld>
     <p:spTree>
       <p:nvGrpSpPr>
-        <p:cNvPr id="125" name="Shape 125"/>
+        <p:cNvPr id="123" name="Shape 123"/>
         <p:cNvGrpSpPr/>
         <p:nvPr/>
       </p:nvGrpSpPr>
@@ -581,7 +582,7 @@
       </p:grpSpPr>
       <p:sp>
         <p:nvSpPr>
-          <p:cNvPr id="126" name="Shape 126"/>
+          <p:cNvPr id="124" name="Shape 124"/>
           <p:cNvSpPr/>
           <p:nvPr>
             <p:ph idx="2" type="sldImg"/>
@@ -615,7 +616,7 @@
       </p:sp>
       <p:sp>
         <p:nvSpPr>
-          <p:cNvPr id="127" name="Shape 127"/>
+          <p:cNvPr id="125" name="Shape 125"/>
           <p:cNvSpPr txBox="1"/>
           <p:nvPr>
             <p:ph idx="1" type="body"/>
@@ -662,7 +663,7 @@
   <p:cSld>
     <p:spTree>
       <p:nvGrpSpPr>
-        <p:cNvPr id="131" name="Shape 131"/>
+        <p:cNvPr id="133" name="Shape 133"/>
         <p:cNvGrpSpPr/>
         <p:nvPr/>
       </p:nvGrpSpPr>
@@ -676,7 +677,7 @@
       </p:grpSpPr>
       <p:sp>
         <p:nvSpPr>
-          <p:cNvPr id="132" name="Shape 132"/>
+          <p:cNvPr id="134" name="Shape 134"/>
           <p:cNvSpPr/>
           <p:nvPr>
             <p:ph idx="2" type="sldImg"/>
@@ -710,7 +711,102 @@
       </p:sp>
       <p:sp>
         <p:nvSpPr>
-          <p:cNvPr id="133" name="Shape 133"/>
+          <p:cNvPr id="135" name="Shape 135"/>
+          <p:cNvSpPr txBox="1"/>
+          <p:nvPr>
+            <p:ph idx="1" type="body"/>
+          </p:nvPr>
+        </p:nvSpPr>
+        <p:spPr>
+          <a:xfrm>
+            <a:off y="4343400" x="685800"/>
+            <a:ext cy="4114800" cx="5486399"/>
+          </a:xfrm>
+          <a:prstGeom prst="rect">
+            <a:avLst/>
+          </a:prstGeom>
+        </p:spPr>
+        <p:txBody>
+          <a:bodyPr bIns="91425" rIns="91425" lIns="91425" tIns="91425" anchor="t" anchorCtr="0">
+            <a:noAutofit/>
+          </a:bodyPr>
+          <a:lstStyle/>
+          <a:p>
+            <a:pPr rtl="0" lvl="0">
+              <a:spcBef>
+                <a:spcPts val="0"/>
+              </a:spcBef>
+              <a:buNone/>
+            </a:pPr>
+            <a:r>
+              <a:t/>
+            </a:r>
+            <a:endParaRPr/>
+          </a:p>
+        </p:txBody>
+      </p:sp>
+    </p:spTree>
+  </p:cSld>
+  <p:clrMapOvr>
+    <a:masterClrMapping/>
+  </p:clrMapOvr>
+</p:notes>
+</file>
+
+<file path=ppt/notesSlides/notesSlide13.xml><?xml version="1.0" encoding="utf-8"?>
+<p:notes xmlns:a="http://schemas.openxmlformats.org/drawingml/2006/main" xmlns:r="http://schemas.openxmlformats.org/officeDocument/2006/relationships" xmlns:mc="http://schemas.openxmlformats.org/markup-compatibility/2006" xmlns:mv="urn:schemas-microsoft-com:mac:vml" xmlns:p="http://schemas.openxmlformats.org/presentationml/2006/main" xmlns:c="http://schemas.openxmlformats.org/drawingml/2006/chart" xmlns:dgm="http://schemas.openxmlformats.org/drawingml/2006/diagram" xmlns:o="urn:schemas-microsoft-com:office:office" xmlns:v="urn:schemas-microsoft-com:vml" xmlns:pvml="urn:schemas-microsoft-com:office:powerpoint" xmlns:com="http://schemas.openxmlformats.org/drawingml/2006/compatibility" xmlns:p14="http://schemas.microsoft.com/office/powerpoint/2010/main" showMasterSp="0" showMasterPhAnim="0">
+  <p:cSld>
+    <p:spTree>
+      <p:nvGrpSpPr>
+        <p:cNvPr id="139" name="Shape 139"/>
+        <p:cNvGrpSpPr/>
+        <p:nvPr/>
+      </p:nvGrpSpPr>
+      <p:grpSpPr>
+        <a:xfrm>
+          <a:off y="0" x="0"/>
+          <a:ext cy="0" cx="0"/>
+          <a:chOff y="0" x="0"/>
+          <a:chExt cy="0" cx="0"/>
+        </a:xfrm>
+      </p:grpSpPr>
+      <p:sp>
+        <p:nvSpPr>
+          <p:cNvPr id="140" name="Shape 140"/>
+          <p:cNvSpPr/>
+          <p:nvPr>
+            <p:ph idx="2" type="sldImg"/>
+          </p:nvPr>
+        </p:nvSpPr>
+        <p:spPr>
+          <a:xfrm>
+            <a:off y="685800" x="1143225"/>
+            <a:ext cy="3429000" cx="4572299"/>
+          </a:xfrm>
+          <a:custGeom>
+            <a:pathLst>
+              <a:path w="120000" extrusionOk="0" h="120000">
+                <a:moveTo>
+                  <a:pt y="0" x="0"/>
+                </a:moveTo>
+                <a:lnTo>
+                  <a:pt y="0" x="120000"/>
+                </a:lnTo>
+                <a:lnTo>
+                  <a:pt y="120000" x="120000"/>
+                </a:lnTo>
+                <a:lnTo>
+                  <a:pt y="120000" x="0"/>
+                </a:lnTo>
+                <a:close/>
+              </a:path>
+            </a:pathLst>
+          </a:custGeom>
+        </p:spPr>
+      </p:sp>
+      <p:sp>
+        <p:nvSpPr>
+          <p:cNvPr id="141" name="Shape 141"/>
           <p:cNvSpPr txBox="1"/>
           <p:nvPr>
             <p:ph idx="1" type="body"/>
@@ -3514,79 +3610,16 @@
           <a:chExt cy="0" cx="0"/>
         </a:xfrm>
       </p:grpSpPr>
-      <p:pic>
-        <p:nvPicPr>
+      <p:sp>
+        <p:nvSpPr>
           <p:cNvPr id="113" name="Shape 113"/>
-          <p:cNvPicPr preferRelativeResize="0"/>
-          <p:nvPr/>
-        </p:nvPicPr>
-        <p:blipFill>
-          <a:blip r:embed="rId3"/>
-          <a:stretch>
-            <a:fillRect/>
-          </a:stretch>
-        </p:blipFill>
-        <p:spPr>
-          <a:xfrm>
-            <a:off y="0" x="150369"/>
-            <a:ext cy="4876800" cx="4876800"/>
-          </a:xfrm>
-          <a:prstGeom prst="rect">
-            <a:avLst/>
-          </a:prstGeom>
-        </p:spPr>
-      </p:pic>
-      <p:sp>
-        <p:nvSpPr>
-          <p:cNvPr id="114" name="Shape 114"/>
-          <p:cNvSpPr txBox="1"/>
-          <p:nvPr>
-            <p:ph type="ctrTitle"/>
-          </p:nvPr>
-        </p:nvSpPr>
-        <p:spPr>
-          <a:xfrm>
-            <a:off y="1026506" x="1589827"/>
-            <a:ext cy="671400" cx="7772400"/>
-          </a:xfrm>
-          <a:prstGeom prst="rect">
-            <a:avLst/>
-          </a:prstGeom>
-        </p:spPr>
-        <p:txBody>
-          <a:bodyPr bIns="91425" rIns="91425" lIns="91425" tIns="91425" anchor="b" anchorCtr="0">
-            <a:noAutofit/>
-          </a:bodyPr>
-          <a:lstStyle/>
-          <a:p>
-            <a:pPr rtl="0" lvl="0">
-              <a:spcBef>
-                <a:spcPts val="0"/>
-              </a:spcBef>
-              <a:buNone/>
-            </a:pPr>
-            <a:r>
-              <a:rPr sz="2400" lang="es">
-                <a:latin typeface="Ubuntu"/>
-                <a:ea typeface="Ubuntu"/>
-                <a:cs typeface="Ubuntu"/>
-                <a:sym typeface="Ubuntu"/>
-              </a:rPr>
-              <a:t>Coding time...</a:t>
-            </a:r>
-          </a:p>
-        </p:txBody>
-      </p:sp>
-      <p:sp>
-        <p:nvSpPr>
-          <p:cNvPr id="115" name="Shape 115"/>
           <p:cNvSpPr txBox="1"/>
           <p:nvPr/>
         </p:nvSpPr>
         <p:spPr>
           <a:xfrm>
-            <a:off y="1804488" x="4423616"/>
-            <a:ext cy="2141999" cx="4932000"/>
+            <a:off y="4167975" x="988800"/>
+            <a:ext cy="825000" cx="7166399"/>
           </a:xfrm>
           <a:prstGeom prst="rect">
             <a:avLst/>
@@ -3598,619 +3631,7 @@
           </a:bodyPr>
           <a:lstStyle/>
           <a:p>
-            <a:pPr rtl="0" lvl="0">
-              <a:lnSpc>
-                <a:spcPct val="125000"/>
-              </a:lnSpc>
-              <a:spcBef>
-                <a:spcPts val="0"/>
-              </a:spcBef>
-              <a:buClr>
-                <a:schemeClr val="dk1"/>
-              </a:buClr>
-              <a:buSzPct val="122222"/>
-              <a:buFont typeface="Arial"/>
-              <a:buNone/>
-            </a:pPr>
-            <a:r>
-              <a:rPr sz="900" lang="es">
-                <a:solidFill>
-                  <a:srgbClr val="4A86E8"/>
-                </a:solidFill>
-                <a:latin typeface="Courier New"/>
-                <a:ea typeface="Courier New"/>
-                <a:cs typeface="Courier New"/>
-                <a:sym typeface="Courier New"/>
-              </a:rPr>
-              <a:t>var</a:t>
-            </a:r>
-            <a:r>
-              <a:rPr sz="900" lang="es">
-                <a:solidFill>
-                  <a:schemeClr val="dk1"/>
-                </a:solidFill>
-                <a:latin typeface="Courier New"/>
-                <a:ea typeface="Courier New"/>
-                <a:cs typeface="Courier New"/>
-                <a:sym typeface="Courier New"/>
-              </a:rPr>
-              <a:t> b2Vec2 = </a:t>
-            </a:r>
-            <a:r>
-              <a:rPr sz="900" lang="es">
-                <a:solidFill>
-                  <a:srgbClr val="4A86E8"/>
-                </a:solidFill>
-                <a:latin typeface="Courier New"/>
-                <a:ea typeface="Courier New"/>
-                <a:cs typeface="Courier New"/>
-                <a:sym typeface="Courier New"/>
-              </a:rPr>
-              <a:t>Box2D.Common.Math</a:t>
-            </a:r>
-            <a:r>
-              <a:rPr sz="900" lang="es">
-                <a:solidFill>
-                  <a:schemeClr val="dk1"/>
-                </a:solidFill>
-                <a:latin typeface="Courier New"/>
-                <a:ea typeface="Courier New"/>
-                <a:cs typeface="Courier New"/>
-                <a:sym typeface="Courier New"/>
-              </a:rPr>
-              <a:t>.b2Vec2;</a:t>
-            </a:r>
-          </a:p>
-          <a:p>
-            <a:pPr rtl="0" lvl="0">
-              <a:lnSpc>
-                <a:spcPct val="125000"/>
-              </a:lnSpc>
-              <a:spcBef>
-                <a:spcPts val="0"/>
-              </a:spcBef>
-              <a:buClr>
-                <a:schemeClr val="dk1"/>
-              </a:buClr>
-              <a:buSzPct val="122222"/>
-              <a:buFont typeface="Arial"/>
-              <a:buNone/>
-            </a:pPr>
-            <a:r>
-              <a:rPr sz="900" lang="es">
-                <a:solidFill>
-                  <a:srgbClr val="4A86E8"/>
-                </a:solidFill>
-                <a:latin typeface="Courier New"/>
-                <a:ea typeface="Courier New"/>
-                <a:cs typeface="Courier New"/>
-                <a:sym typeface="Courier New"/>
-              </a:rPr>
-              <a:t>var </a:t>
-            </a:r>
-            <a:r>
-              <a:rPr sz="900" lang="es">
-                <a:solidFill>
-                  <a:schemeClr val="dk1"/>
-                </a:solidFill>
-                <a:latin typeface="Courier New"/>
-                <a:ea typeface="Courier New"/>
-                <a:cs typeface="Courier New"/>
-                <a:sym typeface="Courier New"/>
-              </a:rPr>
-              <a:t>b2AABB = </a:t>
-            </a:r>
-            <a:r>
-              <a:rPr sz="900" lang="es">
-                <a:solidFill>
-                  <a:srgbClr val="4A86E8"/>
-                </a:solidFill>
-                <a:latin typeface="Courier New"/>
-                <a:ea typeface="Courier New"/>
-                <a:cs typeface="Courier New"/>
-                <a:sym typeface="Courier New"/>
-              </a:rPr>
-              <a:t>Box2D.Collision</a:t>
-            </a:r>
-            <a:r>
-              <a:rPr sz="900" lang="es">
-                <a:solidFill>
-                  <a:schemeClr val="dk1"/>
-                </a:solidFill>
-                <a:latin typeface="Courier New"/>
-                <a:ea typeface="Courier New"/>
-                <a:cs typeface="Courier New"/>
-                <a:sym typeface="Courier New"/>
-              </a:rPr>
-              <a:t>.b2AABB;</a:t>
-            </a:r>
-          </a:p>
-          <a:p>
-            <a:pPr rtl="0" lvl="0">
-              <a:lnSpc>
-                <a:spcPct val="125000"/>
-              </a:lnSpc>
-              <a:spcBef>
-                <a:spcPts val="0"/>
-              </a:spcBef>
-              <a:buClr>
-                <a:schemeClr val="dk1"/>
-              </a:buClr>
-              <a:buSzPct val="122222"/>
-              <a:buFont typeface="Arial"/>
-              <a:buNone/>
-            </a:pPr>
-            <a:r>
-              <a:rPr sz="900" lang="es">
-                <a:solidFill>
-                  <a:srgbClr val="4A86E8"/>
-                </a:solidFill>
-                <a:latin typeface="Courier New"/>
-                <a:ea typeface="Courier New"/>
-                <a:cs typeface="Courier New"/>
-                <a:sym typeface="Courier New"/>
-              </a:rPr>
-              <a:t>var </a:t>
-            </a:r>
-            <a:r>
-              <a:rPr sz="900" lang="es">
-                <a:solidFill>
-                  <a:schemeClr val="dk1"/>
-                </a:solidFill>
-                <a:latin typeface="Courier New"/>
-                <a:ea typeface="Courier New"/>
-                <a:cs typeface="Courier New"/>
-                <a:sym typeface="Courier New"/>
-              </a:rPr>
-              <a:t>b2BodyDef = </a:t>
-            </a:r>
-            <a:r>
-              <a:rPr sz="900" lang="es">
-                <a:solidFill>
-                  <a:srgbClr val="4A86E8"/>
-                </a:solidFill>
-                <a:latin typeface="Courier New"/>
-                <a:ea typeface="Courier New"/>
-                <a:cs typeface="Courier New"/>
-                <a:sym typeface="Courier New"/>
-              </a:rPr>
-              <a:t>Box2D.Dynamics</a:t>
-            </a:r>
-            <a:r>
-              <a:rPr sz="900" lang="es">
-                <a:solidFill>
-                  <a:schemeClr val="dk1"/>
-                </a:solidFill>
-                <a:latin typeface="Courier New"/>
-                <a:ea typeface="Courier New"/>
-                <a:cs typeface="Courier New"/>
-                <a:sym typeface="Courier New"/>
-              </a:rPr>
-              <a:t>.b2BodyDef;</a:t>
-            </a:r>
-          </a:p>
-          <a:p>
-            <a:pPr rtl="0" lvl="0">
-              <a:lnSpc>
-                <a:spcPct val="125000"/>
-              </a:lnSpc>
-              <a:spcBef>
-                <a:spcPts val="0"/>
-              </a:spcBef>
-              <a:buClr>
-                <a:schemeClr val="dk1"/>
-              </a:buClr>
-              <a:buSzPct val="122222"/>
-              <a:buFont typeface="Arial"/>
-              <a:buNone/>
-            </a:pPr>
-            <a:r>
-              <a:rPr sz="900" lang="es">
-                <a:solidFill>
-                  <a:srgbClr val="4A86E8"/>
-                </a:solidFill>
-                <a:latin typeface="Courier New"/>
-                <a:ea typeface="Courier New"/>
-                <a:cs typeface="Courier New"/>
-                <a:sym typeface="Courier New"/>
-              </a:rPr>
-              <a:t>var </a:t>
-            </a:r>
-            <a:r>
-              <a:rPr sz="900" lang="es">
-                <a:solidFill>
-                  <a:schemeClr val="dk1"/>
-                </a:solidFill>
-                <a:latin typeface="Courier New"/>
-                <a:ea typeface="Courier New"/>
-                <a:cs typeface="Courier New"/>
-                <a:sym typeface="Courier New"/>
-              </a:rPr>
-              <a:t>b2Body = </a:t>
-            </a:r>
-            <a:r>
-              <a:rPr sz="900" lang="es">
-                <a:solidFill>
-                  <a:srgbClr val="4A86E8"/>
-                </a:solidFill>
-                <a:latin typeface="Courier New"/>
-                <a:ea typeface="Courier New"/>
-                <a:cs typeface="Courier New"/>
-                <a:sym typeface="Courier New"/>
-              </a:rPr>
-              <a:t>Box2D.Dynamics</a:t>
-            </a:r>
-            <a:r>
-              <a:rPr sz="900" lang="es">
-                <a:solidFill>
-                  <a:schemeClr val="dk1"/>
-                </a:solidFill>
-                <a:latin typeface="Courier New"/>
-                <a:ea typeface="Courier New"/>
-                <a:cs typeface="Courier New"/>
-                <a:sym typeface="Courier New"/>
-              </a:rPr>
-              <a:t>.b2Body;</a:t>
-            </a:r>
-          </a:p>
-          <a:p>
-            <a:pPr rtl="0" lvl="0">
-              <a:lnSpc>
-                <a:spcPct val="125000"/>
-              </a:lnSpc>
-              <a:spcBef>
-                <a:spcPts val="0"/>
-              </a:spcBef>
-              <a:buClr>
-                <a:schemeClr val="dk1"/>
-              </a:buClr>
-              <a:buSzPct val="122222"/>
-              <a:buFont typeface="Arial"/>
-              <a:buNone/>
-            </a:pPr>
-            <a:r>
-              <a:rPr sz="900" lang="es">
-                <a:solidFill>
-                  <a:srgbClr val="4A86E8"/>
-                </a:solidFill>
-                <a:latin typeface="Courier New"/>
-                <a:ea typeface="Courier New"/>
-                <a:cs typeface="Courier New"/>
-                <a:sym typeface="Courier New"/>
-              </a:rPr>
-              <a:t>var </a:t>
-            </a:r>
-            <a:r>
-              <a:rPr sz="900" lang="es">
-                <a:solidFill>
-                  <a:schemeClr val="dk1"/>
-                </a:solidFill>
-                <a:latin typeface="Courier New"/>
-                <a:ea typeface="Courier New"/>
-                <a:cs typeface="Courier New"/>
-                <a:sym typeface="Courier New"/>
-              </a:rPr>
-              <a:t>b2FixtureDef = </a:t>
-            </a:r>
-            <a:r>
-              <a:rPr sz="900" lang="es">
-                <a:solidFill>
-                  <a:srgbClr val="4A86E8"/>
-                </a:solidFill>
-                <a:latin typeface="Courier New"/>
-                <a:ea typeface="Courier New"/>
-                <a:cs typeface="Courier New"/>
-                <a:sym typeface="Courier New"/>
-              </a:rPr>
-              <a:t>Box2D.Dynamics</a:t>
-            </a:r>
-            <a:r>
-              <a:rPr sz="900" lang="es">
-                <a:solidFill>
-                  <a:schemeClr val="dk1"/>
-                </a:solidFill>
-                <a:latin typeface="Courier New"/>
-                <a:ea typeface="Courier New"/>
-                <a:cs typeface="Courier New"/>
-                <a:sym typeface="Courier New"/>
-              </a:rPr>
-              <a:t>.b2FixtureDef;</a:t>
-            </a:r>
-          </a:p>
-          <a:p>
-            <a:pPr rtl="0" lvl="0">
-              <a:lnSpc>
-                <a:spcPct val="125000"/>
-              </a:lnSpc>
-              <a:spcBef>
-                <a:spcPts val="0"/>
-              </a:spcBef>
-              <a:buClr>
-                <a:schemeClr val="dk1"/>
-              </a:buClr>
-              <a:buSzPct val="122222"/>
-              <a:buFont typeface="Arial"/>
-              <a:buNone/>
-            </a:pPr>
-            <a:r>
-              <a:rPr sz="900" lang="es">
-                <a:solidFill>
-                  <a:srgbClr val="4A86E8"/>
-                </a:solidFill>
-                <a:latin typeface="Courier New"/>
-                <a:ea typeface="Courier New"/>
-                <a:cs typeface="Courier New"/>
-                <a:sym typeface="Courier New"/>
-              </a:rPr>
-              <a:t>var </a:t>
-            </a:r>
-            <a:r>
-              <a:rPr sz="900" lang="es">
-                <a:solidFill>
-                  <a:schemeClr val="dk1"/>
-                </a:solidFill>
-                <a:latin typeface="Courier New"/>
-                <a:ea typeface="Courier New"/>
-                <a:cs typeface="Courier New"/>
-                <a:sym typeface="Courier New"/>
-              </a:rPr>
-              <a:t>b2Fixture = </a:t>
-            </a:r>
-            <a:r>
-              <a:rPr sz="900" lang="es">
-                <a:solidFill>
-                  <a:srgbClr val="4A86E8"/>
-                </a:solidFill>
-                <a:latin typeface="Courier New"/>
-                <a:ea typeface="Courier New"/>
-                <a:cs typeface="Courier New"/>
-                <a:sym typeface="Courier New"/>
-              </a:rPr>
-              <a:t>Box2D.Dynamics</a:t>
-            </a:r>
-            <a:r>
-              <a:rPr sz="900" lang="es">
-                <a:solidFill>
-                  <a:schemeClr val="dk1"/>
-                </a:solidFill>
-                <a:latin typeface="Courier New"/>
-                <a:ea typeface="Courier New"/>
-                <a:cs typeface="Courier New"/>
-                <a:sym typeface="Courier New"/>
-              </a:rPr>
-              <a:t>.b2Fixture;</a:t>
-            </a:r>
-          </a:p>
-          <a:p>
-            <a:pPr rtl="0" lvl="0">
-              <a:lnSpc>
-                <a:spcPct val="125000"/>
-              </a:lnSpc>
-              <a:spcBef>
-                <a:spcPts val="0"/>
-              </a:spcBef>
-              <a:buClr>
-                <a:schemeClr val="dk1"/>
-              </a:buClr>
-              <a:buSzPct val="122222"/>
-              <a:buFont typeface="Arial"/>
-              <a:buNone/>
-            </a:pPr>
-            <a:r>
-              <a:rPr sz="900" lang="es">
-                <a:solidFill>
-                  <a:srgbClr val="4A86E8"/>
-                </a:solidFill>
-                <a:latin typeface="Courier New"/>
-                <a:ea typeface="Courier New"/>
-                <a:cs typeface="Courier New"/>
-                <a:sym typeface="Courier New"/>
-              </a:rPr>
-              <a:t>var </a:t>
-            </a:r>
-            <a:r>
-              <a:rPr sz="900" lang="es">
-                <a:solidFill>
-                  <a:schemeClr val="dk1"/>
-                </a:solidFill>
-                <a:latin typeface="Courier New"/>
-                <a:ea typeface="Courier New"/>
-                <a:cs typeface="Courier New"/>
-                <a:sym typeface="Courier New"/>
-              </a:rPr>
-              <a:t>b2World = </a:t>
-            </a:r>
-            <a:r>
-              <a:rPr sz="900" lang="es">
-                <a:solidFill>
-                  <a:srgbClr val="4A86E8"/>
-                </a:solidFill>
-                <a:latin typeface="Courier New"/>
-                <a:ea typeface="Courier New"/>
-                <a:cs typeface="Courier New"/>
-                <a:sym typeface="Courier New"/>
-              </a:rPr>
-              <a:t>Box2D.Dynamics</a:t>
-            </a:r>
-            <a:r>
-              <a:rPr sz="900" lang="es">
-                <a:solidFill>
-                  <a:schemeClr val="dk1"/>
-                </a:solidFill>
-                <a:latin typeface="Courier New"/>
-                <a:ea typeface="Courier New"/>
-                <a:cs typeface="Courier New"/>
-                <a:sym typeface="Courier New"/>
-              </a:rPr>
-              <a:t>.b2World;</a:t>
-            </a:r>
-          </a:p>
-          <a:p>
-            <a:pPr rtl="0" lvl="0">
-              <a:lnSpc>
-                <a:spcPct val="125000"/>
-              </a:lnSpc>
-              <a:spcBef>
-                <a:spcPts val="0"/>
-              </a:spcBef>
-              <a:buClr>
-                <a:schemeClr val="dk1"/>
-              </a:buClr>
-              <a:buSzPct val="122222"/>
-              <a:buFont typeface="Arial"/>
-              <a:buNone/>
-            </a:pPr>
-            <a:r>
-              <a:rPr sz="900" lang="es">
-                <a:solidFill>
-                  <a:srgbClr val="4A86E8"/>
-                </a:solidFill>
-                <a:latin typeface="Courier New"/>
-                <a:ea typeface="Courier New"/>
-                <a:cs typeface="Courier New"/>
-                <a:sym typeface="Courier New"/>
-              </a:rPr>
-              <a:t>var </a:t>
-            </a:r>
-            <a:r>
-              <a:rPr sz="900" lang="es">
-                <a:solidFill>
-                  <a:schemeClr val="dk1"/>
-                </a:solidFill>
-                <a:latin typeface="Courier New"/>
-                <a:ea typeface="Courier New"/>
-                <a:cs typeface="Courier New"/>
-                <a:sym typeface="Courier New"/>
-              </a:rPr>
-              <a:t>b2PolygonShape = </a:t>
-            </a:r>
-            <a:r>
-              <a:rPr sz="900" lang="es">
-                <a:solidFill>
-                  <a:srgbClr val="4A86E8"/>
-                </a:solidFill>
-                <a:latin typeface="Courier New"/>
-                <a:ea typeface="Courier New"/>
-                <a:cs typeface="Courier New"/>
-                <a:sym typeface="Courier New"/>
-              </a:rPr>
-              <a:t>Box2D.Collision.Shapes</a:t>
-            </a:r>
-            <a:r>
-              <a:rPr sz="900" lang="es">
-                <a:solidFill>
-                  <a:schemeClr val="dk1"/>
-                </a:solidFill>
-                <a:latin typeface="Courier New"/>
-                <a:ea typeface="Courier New"/>
-                <a:cs typeface="Courier New"/>
-                <a:sym typeface="Courier New"/>
-              </a:rPr>
-              <a:t>.b2PolygonShape;</a:t>
-            </a:r>
-          </a:p>
-          <a:p>
-            <a:pPr rtl="0" lvl="0">
-              <a:lnSpc>
-                <a:spcPct val="125000"/>
-              </a:lnSpc>
-              <a:spcBef>
-                <a:spcPts val="0"/>
-              </a:spcBef>
-              <a:buClr>
-                <a:schemeClr val="dk1"/>
-              </a:buClr>
-              <a:buSzPct val="122222"/>
-              <a:buFont typeface="Arial"/>
-              <a:buNone/>
-            </a:pPr>
-            <a:r>
-              <a:rPr sz="900" lang="es">
-                <a:solidFill>
-                  <a:srgbClr val="4A86E8"/>
-                </a:solidFill>
-                <a:latin typeface="Courier New"/>
-                <a:ea typeface="Courier New"/>
-                <a:cs typeface="Courier New"/>
-                <a:sym typeface="Courier New"/>
-              </a:rPr>
-              <a:t>var </a:t>
-            </a:r>
-            <a:r>
-              <a:rPr sz="900" lang="es">
-                <a:solidFill>
-                  <a:schemeClr val="dk1"/>
-                </a:solidFill>
-                <a:latin typeface="Courier New"/>
-                <a:ea typeface="Courier New"/>
-                <a:cs typeface="Courier New"/>
-                <a:sym typeface="Courier New"/>
-              </a:rPr>
-              <a:t>b2DebugDraw = </a:t>
-            </a:r>
-            <a:r>
-              <a:rPr sz="900" lang="es">
-                <a:solidFill>
-                  <a:srgbClr val="4A86E8"/>
-                </a:solidFill>
-                <a:latin typeface="Courier New"/>
-                <a:ea typeface="Courier New"/>
-                <a:cs typeface="Courier New"/>
-                <a:sym typeface="Courier New"/>
-              </a:rPr>
-              <a:t>Box2D.Dynamics</a:t>
-            </a:r>
-            <a:r>
-              <a:rPr sz="900" lang="es">
-                <a:solidFill>
-                  <a:schemeClr val="dk1"/>
-                </a:solidFill>
-                <a:latin typeface="Courier New"/>
-                <a:ea typeface="Courier New"/>
-                <a:cs typeface="Courier New"/>
-                <a:sym typeface="Courier New"/>
-              </a:rPr>
-              <a:t>.b2DebugDraw;</a:t>
-            </a:r>
-          </a:p>
-          <a:p>
-            <a:pPr>
-              <a:spcBef>
-                <a:spcPts val="0"/>
-              </a:spcBef>
-              <a:buNone/>
-            </a:pPr>
-            <a:r>
-              <a:t/>
-            </a:r>
-            <a:endParaRPr/>
-          </a:p>
-        </p:txBody>
-      </p:sp>
-      <p:sp>
-        <p:nvSpPr>
-          <p:cNvPr id="116" name="Shape 116"/>
-          <p:cNvSpPr txBox="1"/>
-          <p:nvPr>
-            <p:ph idx="2" type="ctrTitle"/>
-          </p:nvPr>
-        </p:nvSpPr>
-        <p:spPr>
-          <a:xfrm>
-            <a:off y="3569010" x="4439247"/>
-            <a:ext cy="671400" cx="3670199"/>
-          </a:xfrm>
-          <a:prstGeom prst="rect">
-            <a:avLst/>
-          </a:prstGeom>
-        </p:spPr>
-        <p:txBody>
-          <a:bodyPr bIns="91425" rIns="91425" lIns="91425" tIns="91425" anchor="b" anchorCtr="0">
-            <a:noAutofit/>
-          </a:bodyPr>
-          <a:lstStyle/>
-          <a:p>
-            <a:pPr algn="l" rtl="0" lvl="0">
+            <a:pPr algn="ctr" rtl="0" lvl="0">
               <a:lnSpc>
                 <a:spcPct val="115000"/>
               </a:lnSpc>
@@ -4220,17 +3641,17 @@
               <a:buNone/>
             </a:pPr>
             <a:r>
-              <a:rPr sz="1400" lang="es">
-                <a:latin typeface="Ubuntu"/>
-                <a:ea typeface="Ubuntu"/>
-                <a:cs typeface="Ubuntu"/>
-                <a:sym typeface="Ubuntu"/>
-              </a:rPr>
-              <a:t>open the “box2d” folder in</a:t>
-            </a:r>
-          </a:p>
-          <a:p>
-            <a:pPr algn="l" rtl="0" lvl="0">
+              <a:rPr sz="1800" lang="es">
+                <a:latin typeface="Ubuntu"/>
+                <a:ea typeface="Ubuntu"/>
+                <a:cs typeface="Ubuntu"/>
+                <a:sym typeface="Ubuntu"/>
+              </a:rPr>
+              <a:t>R.U.B.E. (Really Useful Box2D Editor)</a:t>
+            </a:r>
+          </a:p>
+          <a:p>
+            <a:pPr algn="ctr" rtl="0" lvl="0">
               <a:lnSpc>
                 <a:spcPct val="115000"/>
               </a:lnSpc>
@@ -4240,17 +3661,62 @@
               <a:buNone/>
             </a:pPr>
             <a:r>
-              <a:rPr sz="1400" lang="es">
-                <a:latin typeface="Ubuntu"/>
-                <a:ea typeface="Ubuntu"/>
-                <a:cs typeface="Ubuntu"/>
-                <a:sym typeface="Ubuntu"/>
-              </a:rPr>
-              <a:t>your favourite text editor...</a:t>
+              <a:rPr sz="1800" lang="es">
+                <a:solidFill>
+                  <a:schemeClr val="hlink"/>
+                </a:solidFill>
+                <a:latin typeface="Ubuntu"/>
+                <a:ea typeface="Ubuntu"/>
+                <a:cs typeface="Ubuntu"/>
+                <a:sym typeface="Ubuntu"/>
+                <a:hlinkClick r:id="rId3"/>
+              </a:rPr>
+              <a:t>https://www.iforce2d.net/rube</a:t>
+            </a:r>
+            <a:r>
+              <a:rPr sz="1800" lang="es">
+                <a:latin typeface="Ubuntu"/>
+                <a:ea typeface="Ubuntu"/>
+                <a:cs typeface="Ubuntu"/>
+                <a:sym typeface="Ubuntu"/>
+              </a:rPr>
+              <a:t> </a:t>
             </a:r>
           </a:p>
         </p:txBody>
       </p:sp>
+      <p:pic>
+        <p:nvPicPr>
+          <p:cNvPr id="114" name="Shape 114"/>
+          <p:cNvPicPr preferRelativeResize="0"/>
+          <p:nvPr/>
+        </p:nvPicPr>
+        <p:blipFill>
+          <a:blip r:embed="rId4"/>
+          <a:stretch>
+            <a:fillRect/>
+          </a:stretch>
+        </p:blipFill>
+        <p:spPr>
+          <a:xfrm>
+            <a:off y="307075" x="1861425"/>
+            <a:ext cy="3860899" cx="5322325"/>
+          </a:xfrm>
+          <a:prstGeom prst="rect">
+            <a:avLst/>
+          </a:prstGeom>
+          <a:noFill/>
+          <a:ln w="19050" cap="flat">
+            <a:solidFill>
+              <a:schemeClr val="dk2"/>
+            </a:solidFill>
+            <a:prstDash val="solid"/>
+            <a:round/>
+            <a:headEnd w="med" len="med" type="none"/>
+            <a:tailEnd w="med" len="med" type="none"/>
+          </a:ln>
+        </p:spPr>
+      </p:pic>
     </p:spTree>
   </p:cSld>
   <p:clrMapOvr>
@@ -4267,7 +3733,7 @@
   <p:cSld>
     <p:spTree>
       <p:nvGrpSpPr>
-        <p:cNvPr id="120" name="Shape 120"/>
+        <p:cNvPr id="118" name="Shape 118"/>
         <p:cNvGrpSpPr/>
         <p:nvPr/>
       </p:nvGrpSpPr>
@@ -4279,9 +3745,31 @@
           <a:chExt cy="0" cx="0"/>
         </a:xfrm>
       </p:grpSpPr>
-      <p:sp>
-        <p:nvSpPr>
-          <p:cNvPr id="121" name="Shape 121"/>
+      <p:pic>
+        <p:nvPicPr>
+          <p:cNvPr id="119" name="Shape 119"/>
+          <p:cNvPicPr preferRelativeResize="0"/>
+          <p:nvPr/>
+        </p:nvPicPr>
+        <p:blipFill>
+          <a:blip r:embed="rId3"/>
+          <a:stretch>
+            <a:fillRect/>
+          </a:stretch>
+        </p:blipFill>
+        <p:spPr>
+          <a:xfrm>
+            <a:off y="0" x="150369"/>
+            <a:ext cy="4876800" cx="4876800"/>
+          </a:xfrm>
+          <a:prstGeom prst="rect">
+            <a:avLst/>
+          </a:prstGeom>
+        </p:spPr>
+      </p:pic>
+      <p:sp>
+        <p:nvSpPr>
+          <p:cNvPr id="120" name="Shape 120"/>
           <p:cNvSpPr txBox="1"/>
           <p:nvPr>
             <p:ph type="ctrTitle"/>
@@ -4289,8 +3777,8 @@
         </p:nvSpPr>
         <p:spPr>
           <a:xfrm>
-            <a:off y="2480947" x="676050"/>
-            <a:ext cy="1159799" cx="7772400"/>
+            <a:off y="1026506" x="1589827"/>
+            <a:ext cy="671400" cx="7772400"/>
           </a:xfrm>
           <a:prstGeom prst="rect">
             <a:avLst/>
@@ -4309,44 +3797,27 @@
               <a:buNone/>
             </a:pPr>
             <a:r>
-              <a:t/>
-            </a:r>
-            <a:endParaRPr>
-              <a:latin typeface="Ubuntu"/>
-              <a:ea typeface="Ubuntu"/>
-              <a:cs typeface="Ubuntu"/>
-              <a:sym typeface="Ubuntu"/>
-            </a:endParaRPr>
-          </a:p>
-          <a:p>
-            <a:pPr rtl="0" lvl="0">
-              <a:spcBef>
-                <a:spcPts val="0"/>
-              </a:spcBef>
-              <a:buNone/>
-            </a:pPr>
-            <a:r>
-              <a:rPr lang="es">
-                <a:latin typeface="Ubuntu"/>
-                <a:ea typeface="Ubuntu"/>
-                <a:cs typeface="Ubuntu"/>
-                <a:sym typeface="Ubuntu"/>
-              </a:rPr>
-              <a:t>Box2D JS Tutorials</a:t>
+              <a:rPr sz="2400" lang="es">
+                <a:latin typeface="Ubuntu"/>
+                <a:ea typeface="Ubuntu"/>
+                <a:cs typeface="Ubuntu"/>
+                <a:sym typeface="Ubuntu"/>
+              </a:rPr>
+              <a:t>Coding time...</a:t>
             </a:r>
           </a:p>
         </p:txBody>
       </p:sp>
       <p:sp>
         <p:nvSpPr>
-          <p:cNvPr id="122" name="Shape 122"/>
+          <p:cNvPr id="121" name="Shape 121"/>
           <p:cNvSpPr txBox="1"/>
           <p:nvPr/>
         </p:nvSpPr>
         <p:spPr>
           <a:xfrm>
-            <a:off y="3425375" x="1028200"/>
-            <a:ext cy="457200" cx="7067399"/>
+            <a:off y="1804488" x="4423616"/>
+            <a:ext cy="2141999" cx="4932000"/>
           </a:xfrm>
           <a:prstGeom prst="rect">
             <a:avLst/>
@@ -4358,26 +3829,598 @@
           </a:bodyPr>
           <a:lstStyle/>
           <a:p>
-            <a:pPr algn="ctr" rtl="0" lvl="0">
-              <a:spcBef>
-                <a:spcPts val="0"/>
-              </a:spcBef>
-              <a:buNone/>
-            </a:pPr>
-            <a:r>
-              <a:rPr sz="2400" lang="es">
+            <a:pPr rtl="0" lvl="0">
+              <a:lnSpc>
+                <a:spcPct val="125000"/>
+              </a:lnSpc>
+              <a:spcBef>
+                <a:spcPts val="0"/>
+              </a:spcBef>
+              <a:buClr>
+                <a:schemeClr val="dk1"/>
+              </a:buClr>
+              <a:buSzPct val="122222"/>
+              <a:buFont typeface="Arial"/>
+              <a:buNone/>
+            </a:pPr>
+            <a:r>
+              <a:rPr sz="900" lang="es">
                 <a:solidFill>
                   <a:srgbClr val="4A86E8"/>
                 </a:solidFill>
-              </a:rPr>
-              <a:t>http://www.emanueleferonato.com/category/box2d</a:t>
-            </a:r>
+                <a:latin typeface="Courier New"/>
+                <a:ea typeface="Courier New"/>
+                <a:cs typeface="Courier New"/>
+                <a:sym typeface="Courier New"/>
+              </a:rPr>
+              <a:t>var</a:t>
+            </a:r>
+            <a:r>
+              <a:rPr sz="900" lang="es">
+                <a:solidFill>
+                  <a:schemeClr val="dk1"/>
+                </a:solidFill>
+                <a:latin typeface="Courier New"/>
+                <a:ea typeface="Courier New"/>
+                <a:cs typeface="Courier New"/>
+                <a:sym typeface="Courier New"/>
+              </a:rPr>
+              <a:t> b2Vec2 = </a:t>
+            </a:r>
+            <a:r>
+              <a:rPr sz="900" lang="es">
+                <a:solidFill>
+                  <a:srgbClr val="4A86E8"/>
+                </a:solidFill>
+                <a:latin typeface="Courier New"/>
+                <a:ea typeface="Courier New"/>
+                <a:cs typeface="Courier New"/>
+                <a:sym typeface="Courier New"/>
+              </a:rPr>
+              <a:t>Box2D.Common.Math</a:t>
+            </a:r>
+            <a:r>
+              <a:rPr sz="900" lang="es">
+                <a:solidFill>
+                  <a:schemeClr val="dk1"/>
+                </a:solidFill>
+                <a:latin typeface="Courier New"/>
+                <a:ea typeface="Courier New"/>
+                <a:cs typeface="Courier New"/>
+                <a:sym typeface="Courier New"/>
+              </a:rPr>
+              <a:t>.b2Vec2;</a:t>
+            </a:r>
+          </a:p>
+          <a:p>
+            <a:pPr rtl="0" lvl="0">
+              <a:lnSpc>
+                <a:spcPct val="125000"/>
+              </a:lnSpc>
+              <a:spcBef>
+                <a:spcPts val="0"/>
+              </a:spcBef>
+              <a:buClr>
+                <a:schemeClr val="dk1"/>
+              </a:buClr>
+              <a:buSzPct val="122222"/>
+              <a:buFont typeface="Arial"/>
+              <a:buNone/>
+            </a:pPr>
+            <a:r>
+              <a:rPr sz="900" lang="es">
+                <a:solidFill>
+                  <a:srgbClr val="4A86E8"/>
+                </a:solidFill>
+                <a:latin typeface="Courier New"/>
+                <a:ea typeface="Courier New"/>
+                <a:cs typeface="Courier New"/>
+                <a:sym typeface="Courier New"/>
+              </a:rPr>
+              <a:t>var </a:t>
+            </a:r>
+            <a:r>
+              <a:rPr sz="900" lang="es">
+                <a:solidFill>
+                  <a:schemeClr val="dk1"/>
+                </a:solidFill>
+                <a:latin typeface="Courier New"/>
+                <a:ea typeface="Courier New"/>
+                <a:cs typeface="Courier New"/>
+                <a:sym typeface="Courier New"/>
+              </a:rPr>
+              <a:t>b2AABB = </a:t>
+            </a:r>
+            <a:r>
+              <a:rPr sz="900" lang="es">
+                <a:solidFill>
+                  <a:srgbClr val="4A86E8"/>
+                </a:solidFill>
+                <a:latin typeface="Courier New"/>
+                <a:ea typeface="Courier New"/>
+                <a:cs typeface="Courier New"/>
+                <a:sym typeface="Courier New"/>
+              </a:rPr>
+              <a:t>Box2D.Collision</a:t>
+            </a:r>
+            <a:r>
+              <a:rPr sz="900" lang="es">
+                <a:solidFill>
+                  <a:schemeClr val="dk1"/>
+                </a:solidFill>
+                <a:latin typeface="Courier New"/>
+                <a:ea typeface="Courier New"/>
+                <a:cs typeface="Courier New"/>
+                <a:sym typeface="Courier New"/>
+              </a:rPr>
+              <a:t>.b2AABB;</a:t>
+            </a:r>
+          </a:p>
+          <a:p>
+            <a:pPr rtl="0" lvl="0">
+              <a:lnSpc>
+                <a:spcPct val="125000"/>
+              </a:lnSpc>
+              <a:spcBef>
+                <a:spcPts val="0"/>
+              </a:spcBef>
+              <a:buClr>
+                <a:schemeClr val="dk1"/>
+              </a:buClr>
+              <a:buSzPct val="122222"/>
+              <a:buFont typeface="Arial"/>
+              <a:buNone/>
+            </a:pPr>
+            <a:r>
+              <a:rPr sz="900" lang="es">
+                <a:solidFill>
+                  <a:srgbClr val="4A86E8"/>
+                </a:solidFill>
+                <a:latin typeface="Courier New"/>
+                <a:ea typeface="Courier New"/>
+                <a:cs typeface="Courier New"/>
+                <a:sym typeface="Courier New"/>
+              </a:rPr>
+              <a:t>var </a:t>
+            </a:r>
+            <a:r>
+              <a:rPr sz="900" lang="es">
+                <a:solidFill>
+                  <a:schemeClr val="dk1"/>
+                </a:solidFill>
+                <a:latin typeface="Courier New"/>
+                <a:ea typeface="Courier New"/>
+                <a:cs typeface="Courier New"/>
+                <a:sym typeface="Courier New"/>
+              </a:rPr>
+              <a:t>b2BodyDef = </a:t>
+            </a:r>
+            <a:r>
+              <a:rPr sz="900" lang="es">
+                <a:solidFill>
+                  <a:srgbClr val="4A86E8"/>
+                </a:solidFill>
+                <a:latin typeface="Courier New"/>
+                <a:ea typeface="Courier New"/>
+                <a:cs typeface="Courier New"/>
+                <a:sym typeface="Courier New"/>
+              </a:rPr>
+              <a:t>Box2D.Dynamics</a:t>
+            </a:r>
+            <a:r>
+              <a:rPr sz="900" lang="es">
+                <a:solidFill>
+                  <a:schemeClr val="dk1"/>
+                </a:solidFill>
+                <a:latin typeface="Courier New"/>
+                <a:ea typeface="Courier New"/>
+                <a:cs typeface="Courier New"/>
+                <a:sym typeface="Courier New"/>
+              </a:rPr>
+              <a:t>.b2BodyDef;</a:t>
+            </a:r>
+          </a:p>
+          <a:p>
+            <a:pPr rtl="0" lvl="0">
+              <a:lnSpc>
+                <a:spcPct val="125000"/>
+              </a:lnSpc>
+              <a:spcBef>
+                <a:spcPts val="0"/>
+              </a:spcBef>
+              <a:buClr>
+                <a:schemeClr val="dk1"/>
+              </a:buClr>
+              <a:buSzPct val="122222"/>
+              <a:buFont typeface="Arial"/>
+              <a:buNone/>
+            </a:pPr>
+            <a:r>
+              <a:rPr sz="900" lang="es">
+                <a:solidFill>
+                  <a:srgbClr val="4A86E8"/>
+                </a:solidFill>
+                <a:latin typeface="Courier New"/>
+                <a:ea typeface="Courier New"/>
+                <a:cs typeface="Courier New"/>
+                <a:sym typeface="Courier New"/>
+              </a:rPr>
+              <a:t>var </a:t>
+            </a:r>
+            <a:r>
+              <a:rPr sz="900" lang="es">
+                <a:solidFill>
+                  <a:schemeClr val="dk1"/>
+                </a:solidFill>
+                <a:latin typeface="Courier New"/>
+                <a:ea typeface="Courier New"/>
+                <a:cs typeface="Courier New"/>
+                <a:sym typeface="Courier New"/>
+              </a:rPr>
+              <a:t>b2Body = </a:t>
+            </a:r>
+            <a:r>
+              <a:rPr sz="900" lang="es">
+                <a:solidFill>
+                  <a:srgbClr val="4A86E8"/>
+                </a:solidFill>
+                <a:latin typeface="Courier New"/>
+                <a:ea typeface="Courier New"/>
+                <a:cs typeface="Courier New"/>
+                <a:sym typeface="Courier New"/>
+              </a:rPr>
+              <a:t>Box2D.Dynamics</a:t>
+            </a:r>
+            <a:r>
+              <a:rPr sz="900" lang="es">
+                <a:solidFill>
+                  <a:schemeClr val="dk1"/>
+                </a:solidFill>
+                <a:latin typeface="Courier New"/>
+                <a:ea typeface="Courier New"/>
+                <a:cs typeface="Courier New"/>
+                <a:sym typeface="Courier New"/>
+              </a:rPr>
+              <a:t>.b2Body;</a:t>
+            </a:r>
+          </a:p>
+          <a:p>
+            <a:pPr rtl="0" lvl="0">
+              <a:lnSpc>
+                <a:spcPct val="125000"/>
+              </a:lnSpc>
+              <a:spcBef>
+                <a:spcPts val="0"/>
+              </a:spcBef>
+              <a:buClr>
+                <a:schemeClr val="dk1"/>
+              </a:buClr>
+              <a:buSzPct val="122222"/>
+              <a:buFont typeface="Arial"/>
+              <a:buNone/>
+            </a:pPr>
+            <a:r>
+              <a:rPr sz="900" lang="es">
+                <a:solidFill>
+                  <a:srgbClr val="4A86E8"/>
+                </a:solidFill>
+                <a:latin typeface="Courier New"/>
+                <a:ea typeface="Courier New"/>
+                <a:cs typeface="Courier New"/>
+                <a:sym typeface="Courier New"/>
+              </a:rPr>
+              <a:t>var </a:t>
+            </a:r>
+            <a:r>
+              <a:rPr sz="900" lang="es">
+                <a:solidFill>
+                  <a:schemeClr val="dk1"/>
+                </a:solidFill>
+                <a:latin typeface="Courier New"/>
+                <a:ea typeface="Courier New"/>
+                <a:cs typeface="Courier New"/>
+                <a:sym typeface="Courier New"/>
+              </a:rPr>
+              <a:t>b2FixtureDef = </a:t>
+            </a:r>
+            <a:r>
+              <a:rPr sz="900" lang="es">
+                <a:solidFill>
+                  <a:srgbClr val="4A86E8"/>
+                </a:solidFill>
+                <a:latin typeface="Courier New"/>
+                <a:ea typeface="Courier New"/>
+                <a:cs typeface="Courier New"/>
+                <a:sym typeface="Courier New"/>
+              </a:rPr>
+              <a:t>Box2D.Dynamics</a:t>
+            </a:r>
+            <a:r>
+              <a:rPr sz="900" lang="es">
+                <a:solidFill>
+                  <a:schemeClr val="dk1"/>
+                </a:solidFill>
+                <a:latin typeface="Courier New"/>
+                <a:ea typeface="Courier New"/>
+                <a:cs typeface="Courier New"/>
+                <a:sym typeface="Courier New"/>
+              </a:rPr>
+              <a:t>.b2FixtureDef;</a:t>
+            </a:r>
+          </a:p>
+          <a:p>
+            <a:pPr rtl="0" lvl="0">
+              <a:lnSpc>
+                <a:spcPct val="125000"/>
+              </a:lnSpc>
+              <a:spcBef>
+                <a:spcPts val="0"/>
+              </a:spcBef>
+              <a:buClr>
+                <a:schemeClr val="dk1"/>
+              </a:buClr>
+              <a:buSzPct val="122222"/>
+              <a:buFont typeface="Arial"/>
+              <a:buNone/>
+            </a:pPr>
+            <a:r>
+              <a:rPr sz="900" lang="es">
+                <a:solidFill>
+                  <a:srgbClr val="4A86E8"/>
+                </a:solidFill>
+                <a:latin typeface="Courier New"/>
+                <a:ea typeface="Courier New"/>
+                <a:cs typeface="Courier New"/>
+                <a:sym typeface="Courier New"/>
+              </a:rPr>
+              <a:t>var </a:t>
+            </a:r>
+            <a:r>
+              <a:rPr sz="900" lang="es">
+                <a:solidFill>
+                  <a:schemeClr val="dk1"/>
+                </a:solidFill>
+                <a:latin typeface="Courier New"/>
+                <a:ea typeface="Courier New"/>
+                <a:cs typeface="Courier New"/>
+                <a:sym typeface="Courier New"/>
+              </a:rPr>
+              <a:t>b2Fixture = </a:t>
+            </a:r>
+            <a:r>
+              <a:rPr sz="900" lang="es">
+                <a:solidFill>
+                  <a:srgbClr val="4A86E8"/>
+                </a:solidFill>
+                <a:latin typeface="Courier New"/>
+                <a:ea typeface="Courier New"/>
+                <a:cs typeface="Courier New"/>
+                <a:sym typeface="Courier New"/>
+              </a:rPr>
+              <a:t>Box2D.Dynamics</a:t>
+            </a:r>
+            <a:r>
+              <a:rPr sz="900" lang="es">
+                <a:solidFill>
+                  <a:schemeClr val="dk1"/>
+                </a:solidFill>
+                <a:latin typeface="Courier New"/>
+                <a:ea typeface="Courier New"/>
+                <a:cs typeface="Courier New"/>
+                <a:sym typeface="Courier New"/>
+              </a:rPr>
+              <a:t>.b2Fixture;</a:t>
+            </a:r>
+          </a:p>
+          <a:p>
+            <a:pPr rtl="0" lvl="0">
+              <a:lnSpc>
+                <a:spcPct val="125000"/>
+              </a:lnSpc>
+              <a:spcBef>
+                <a:spcPts val="0"/>
+              </a:spcBef>
+              <a:buClr>
+                <a:schemeClr val="dk1"/>
+              </a:buClr>
+              <a:buSzPct val="122222"/>
+              <a:buFont typeface="Arial"/>
+              <a:buNone/>
+            </a:pPr>
+            <a:r>
+              <a:rPr sz="900" lang="es">
+                <a:solidFill>
+                  <a:srgbClr val="4A86E8"/>
+                </a:solidFill>
+                <a:latin typeface="Courier New"/>
+                <a:ea typeface="Courier New"/>
+                <a:cs typeface="Courier New"/>
+                <a:sym typeface="Courier New"/>
+              </a:rPr>
+              <a:t>var </a:t>
+            </a:r>
+            <a:r>
+              <a:rPr sz="900" lang="es">
+                <a:solidFill>
+                  <a:schemeClr val="dk1"/>
+                </a:solidFill>
+                <a:latin typeface="Courier New"/>
+                <a:ea typeface="Courier New"/>
+                <a:cs typeface="Courier New"/>
+                <a:sym typeface="Courier New"/>
+              </a:rPr>
+              <a:t>b2World = </a:t>
+            </a:r>
+            <a:r>
+              <a:rPr sz="900" lang="es">
+                <a:solidFill>
+                  <a:srgbClr val="4A86E8"/>
+                </a:solidFill>
+                <a:latin typeface="Courier New"/>
+                <a:ea typeface="Courier New"/>
+                <a:cs typeface="Courier New"/>
+                <a:sym typeface="Courier New"/>
+              </a:rPr>
+              <a:t>Box2D.Dynamics</a:t>
+            </a:r>
+            <a:r>
+              <a:rPr sz="900" lang="es">
+                <a:solidFill>
+                  <a:schemeClr val="dk1"/>
+                </a:solidFill>
+                <a:latin typeface="Courier New"/>
+                <a:ea typeface="Courier New"/>
+                <a:cs typeface="Courier New"/>
+                <a:sym typeface="Courier New"/>
+              </a:rPr>
+              <a:t>.b2World;</a:t>
+            </a:r>
+          </a:p>
+          <a:p>
+            <a:pPr rtl="0" lvl="0">
+              <a:lnSpc>
+                <a:spcPct val="125000"/>
+              </a:lnSpc>
+              <a:spcBef>
+                <a:spcPts val="0"/>
+              </a:spcBef>
+              <a:buClr>
+                <a:schemeClr val="dk1"/>
+              </a:buClr>
+              <a:buSzPct val="122222"/>
+              <a:buFont typeface="Arial"/>
+              <a:buNone/>
+            </a:pPr>
+            <a:r>
+              <a:rPr sz="900" lang="es">
+                <a:solidFill>
+                  <a:srgbClr val="4A86E8"/>
+                </a:solidFill>
+                <a:latin typeface="Courier New"/>
+                <a:ea typeface="Courier New"/>
+                <a:cs typeface="Courier New"/>
+                <a:sym typeface="Courier New"/>
+              </a:rPr>
+              <a:t>var </a:t>
+            </a:r>
+            <a:r>
+              <a:rPr sz="900" lang="es">
+                <a:solidFill>
+                  <a:schemeClr val="dk1"/>
+                </a:solidFill>
+                <a:latin typeface="Courier New"/>
+                <a:ea typeface="Courier New"/>
+                <a:cs typeface="Courier New"/>
+                <a:sym typeface="Courier New"/>
+              </a:rPr>
+              <a:t>b2PolygonShape = </a:t>
+            </a:r>
+            <a:r>
+              <a:rPr sz="900" lang="es">
+                <a:solidFill>
+                  <a:srgbClr val="4A86E8"/>
+                </a:solidFill>
+                <a:latin typeface="Courier New"/>
+                <a:ea typeface="Courier New"/>
+                <a:cs typeface="Courier New"/>
+                <a:sym typeface="Courier New"/>
+              </a:rPr>
+              <a:t>Box2D.Collision.Shapes</a:t>
+            </a:r>
+            <a:r>
+              <a:rPr sz="900" lang="es">
+                <a:solidFill>
+                  <a:schemeClr val="dk1"/>
+                </a:solidFill>
+                <a:latin typeface="Courier New"/>
+                <a:ea typeface="Courier New"/>
+                <a:cs typeface="Courier New"/>
+                <a:sym typeface="Courier New"/>
+              </a:rPr>
+              <a:t>.b2PolygonShape;</a:t>
+            </a:r>
+          </a:p>
+          <a:p>
+            <a:pPr rtl="0" lvl="0">
+              <a:lnSpc>
+                <a:spcPct val="125000"/>
+              </a:lnSpc>
+              <a:spcBef>
+                <a:spcPts val="0"/>
+              </a:spcBef>
+              <a:buClr>
+                <a:schemeClr val="dk1"/>
+              </a:buClr>
+              <a:buSzPct val="122222"/>
+              <a:buFont typeface="Arial"/>
+              <a:buNone/>
+            </a:pPr>
+            <a:r>
+              <a:rPr sz="900" lang="es">
+                <a:solidFill>
+                  <a:srgbClr val="4A86E8"/>
+                </a:solidFill>
+                <a:latin typeface="Courier New"/>
+                <a:ea typeface="Courier New"/>
+                <a:cs typeface="Courier New"/>
+                <a:sym typeface="Courier New"/>
+              </a:rPr>
+              <a:t>var </a:t>
+            </a:r>
+            <a:r>
+              <a:rPr sz="900" lang="es">
+                <a:solidFill>
+                  <a:schemeClr val="dk1"/>
+                </a:solidFill>
+                <a:latin typeface="Courier New"/>
+                <a:ea typeface="Courier New"/>
+                <a:cs typeface="Courier New"/>
+                <a:sym typeface="Courier New"/>
+              </a:rPr>
+              <a:t>b2DebugDraw = </a:t>
+            </a:r>
+            <a:r>
+              <a:rPr sz="900" lang="es">
+                <a:solidFill>
+                  <a:srgbClr val="4A86E8"/>
+                </a:solidFill>
+                <a:latin typeface="Courier New"/>
+                <a:ea typeface="Courier New"/>
+                <a:cs typeface="Courier New"/>
+                <a:sym typeface="Courier New"/>
+              </a:rPr>
+              <a:t>Box2D.Dynamics</a:t>
+            </a:r>
+            <a:r>
+              <a:rPr sz="900" lang="es">
+                <a:solidFill>
+                  <a:schemeClr val="dk1"/>
+                </a:solidFill>
+                <a:latin typeface="Courier New"/>
+                <a:ea typeface="Courier New"/>
+                <a:cs typeface="Courier New"/>
+                <a:sym typeface="Courier New"/>
+              </a:rPr>
+              <a:t>.b2DebugDraw;</a:t>
+            </a:r>
+          </a:p>
+          <a:p>
+            <a:pPr>
+              <a:spcBef>
+                <a:spcPts val="0"/>
+              </a:spcBef>
+              <a:buNone/>
+            </a:pPr>
+            <a:r>
+              <a:t/>
+            </a:r>
+            <a:endParaRPr/>
           </a:p>
         </p:txBody>
       </p:sp>
       <p:sp>
         <p:nvSpPr>
-          <p:cNvPr id="123" name="Shape 123"/>
+          <p:cNvPr id="122" name="Shape 122"/>
           <p:cNvSpPr txBox="1"/>
           <p:nvPr>
             <p:ph idx="2" type="ctrTitle"/>
@@ -4385,8 +4428,8 @@
         </p:nvSpPr>
         <p:spPr>
           <a:xfrm>
-            <a:off y="914877" x="705975"/>
-            <a:ext cy="1159799" cx="7772400"/>
+            <a:off y="3569010" x="4439247"/>
+            <a:ext cy="671400" cx="3670199"/>
           </a:xfrm>
           <a:prstGeom prst="rect">
             <a:avLst/>
@@ -4398,75 +4441,43 @@
           </a:bodyPr>
           <a:lstStyle/>
           <a:p>
-            <a:pPr rtl="0" lvl="0">
-              <a:spcBef>
-                <a:spcPts val="0"/>
-              </a:spcBef>
-              <a:buNone/>
-            </a:pPr>
-            <a:r>
-              <a:t/>
-            </a:r>
-            <a:endParaRPr>
-              <a:latin typeface="Ubuntu"/>
-              <a:ea typeface="Ubuntu"/>
-              <a:cs typeface="Ubuntu"/>
-              <a:sym typeface="Ubuntu"/>
-            </a:endParaRPr>
-          </a:p>
-          <a:p>
-            <a:pPr rtl="0" lvl="0">
-              <a:spcBef>
-                <a:spcPts val="0"/>
-              </a:spcBef>
-              <a:buNone/>
-            </a:pPr>
-            <a:r>
-              <a:rPr lang="es">
-                <a:latin typeface="Ubuntu"/>
-                <a:ea typeface="Ubuntu"/>
-                <a:cs typeface="Ubuntu"/>
-                <a:sym typeface="Ubuntu"/>
-              </a:rPr>
-              <a:t>Box2D Library &amp; Docs</a:t>
-            </a:r>
-          </a:p>
-        </p:txBody>
-      </p:sp>
-      <p:sp>
-        <p:nvSpPr>
-          <p:cNvPr id="124" name="Shape 124"/>
-          <p:cNvSpPr txBox="1"/>
-          <p:nvPr/>
-        </p:nvSpPr>
-        <p:spPr>
-          <a:xfrm>
-            <a:off y="1859305" x="1058125"/>
-            <a:ext cy="457200" cx="7067399"/>
-          </a:xfrm>
-          <a:prstGeom prst="rect">
-            <a:avLst/>
-          </a:prstGeom>
-        </p:spPr>
-        <p:txBody>
-          <a:bodyPr bIns="91425" rIns="91425" lIns="91425" tIns="91425" anchor="t" anchorCtr="0">
-            <a:noAutofit/>
-          </a:bodyPr>
-          <a:lstStyle/>
-          <a:p>
-            <a:pPr algn="ctr" rtl="0" lvl="0">
-              <a:spcBef>
-                <a:spcPts val="0"/>
-              </a:spcBef>
-              <a:buNone/>
-            </a:pPr>
-            <a:r>
-              <a:rPr sz="2400" lang="es">
-                <a:solidFill>
-                  <a:srgbClr val="4A86E8"/>
-                </a:solidFill>
-              </a:rPr>
-              <a:t>https://code.google.com/p/box2dweb/</a:t>
+            <a:pPr algn="l" rtl="0" lvl="0">
+              <a:lnSpc>
+                <a:spcPct val="115000"/>
+              </a:lnSpc>
+              <a:spcBef>
+                <a:spcPts val="0"/>
+              </a:spcBef>
+              <a:buNone/>
+            </a:pPr>
+            <a:r>
+              <a:rPr sz="1400" lang="es">
+                <a:latin typeface="Ubuntu"/>
+                <a:ea typeface="Ubuntu"/>
+                <a:cs typeface="Ubuntu"/>
+                <a:sym typeface="Ubuntu"/>
+              </a:rPr>
+              <a:t>open the “box2d” folder in</a:t>
+            </a:r>
+          </a:p>
+          <a:p>
+            <a:pPr algn="l" rtl="0" lvl="0">
+              <a:lnSpc>
+                <a:spcPct val="115000"/>
+              </a:lnSpc>
+              <a:spcBef>
+                <a:spcPts val="0"/>
+              </a:spcBef>
+              <a:buNone/>
+            </a:pPr>
+            <a:r>
+              <a:rPr sz="1400" lang="es">
+                <a:latin typeface="Ubuntu"/>
+                <a:ea typeface="Ubuntu"/>
+                <a:cs typeface="Ubuntu"/>
+                <a:sym typeface="Ubuntu"/>
+              </a:rPr>
+              <a:t>your favourite text editor...</a:t>
             </a:r>
           </a:p>
         </p:txBody>
@@ -4487,7 +4498,323 @@
   <p:cSld>
     <p:spTree>
       <p:nvGrpSpPr>
-        <p:cNvPr id="128" name="Shape 128"/>
+        <p:cNvPr id="126" name="Shape 126"/>
+        <p:cNvGrpSpPr/>
+        <p:nvPr/>
+      </p:nvGrpSpPr>
+      <p:grpSpPr>
+        <a:xfrm>
+          <a:off y="0" x="0"/>
+          <a:ext cy="0" cx="0"/>
+          <a:chOff y="0" x="0"/>
+          <a:chExt cy="0" cx="0"/>
+        </a:xfrm>
+      </p:grpSpPr>
+      <p:sp>
+        <p:nvSpPr>
+          <p:cNvPr id="127" name="Shape 127"/>
+          <p:cNvSpPr txBox="1"/>
+          <p:nvPr>
+            <p:ph type="ctrTitle"/>
+          </p:nvPr>
+        </p:nvSpPr>
+        <p:spPr>
+          <a:xfrm>
+            <a:off y="1871347" x="676050"/>
+            <a:ext cy="1159799" cx="7772400"/>
+          </a:xfrm>
+          <a:prstGeom prst="rect">
+            <a:avLst/>
+          </a:prstGeom>
+        </p:spPr>
+        <p:txBody>
+          <a:bodyPr bIns="91425" rIns="91425" lIns="91425" tIns="91425" anchor="b" anchorCtr="0">
+            <a:noAutofit/>
+          </a:bodyPr>
+          <a:lstStyle/>
+          <a:p>
+            <a:pPr rtl="0" lvl="0">
+              <a:spcBef>
+                <a:spcPts val="0"/>
+              </a:spcBef>
+              <a:buNone/>
+            </a:pPr>
+            <a:r>
+              <a:t/>
+            </a:r>
+            <a:endParaRPr>
+              <a:latin typeface="Ubuntu"/>
+              <a:ea typeface="Ubuntu"/>
+              <a:cs typeface="Ubuntu"/>
+              <a:sym typeface="Ubuntu"/>
+            </a:endParaRPr>
+          </a:p>
+          <a:p>
+            <a:pPr rtl="0" lvl="0">
+              <a:spcBef>
+                <a:spcPts val="0"/>
+              </a:spcBef>
+              <a:buNone/>
+            </a:pPr>
+            <a:r>
+              <a:rPr lang="es">
+                <a:latin typeface="Ubuntu"/>
+                <a:ea typeface="Ubuntu"/>
+                <a:cs typeface="Ubuntu"/>
+                <a:sym typeface="Ubuntu"/>
+              </a:rPr>
+              <a:t>Box2D JS Tutorials</a:t>
+            </a:r>
+          </a:p>
+        </p:txBody>
+      </p:sp>
+      <p:sp>
+        <p:nvSpPr>
+          <p:cNvPr id="128" name="Shape 128"/>
+          <p:cNvSpPr txBox="1"/>
+          <p:nvPr/>
+        </p:nvSpPr>
+        <p:spPr>
+          <a:xfrm>
+            <a:off y="2815775" x="1028200"/>
+            <a:ext cy="457200" cx="7067399"/>
+          </a:xfrm>
+          <a:prstGeom prst="rect">
+            <a:avLst/>
+          </a:prstGeom>
+        </p:spPr>
+        <p:txBody>
+          <a:bodyPr bIns="91425" rIns="91425" lIns="91425" tIns="91425" anchor="t" anchorCtr="0">
+            <a:noAutofit/>
+          </a:bodyPr>
+          <a:lstStyle/>
+          <a:p>
+            <a:pPr algn="ctr" rtl="0" lvl="0">
+              <a:spcBef>
+                <a:spcPts val="0"/>
+              </a:spcBef>
+              <a:buNone/>
+            </a:pPr>
+            <a:r>
+              <a:rPr sz="2400" lang="es">
+                <a:solidFill>
+                  <a:srgbClr val="4A86E8"/>
+                </a:solidFill>
+              </a:rPr>
+              <a:t>http://www.emanueleferonato.com/category/box2d</a:t>
+            </a:r>
+          </a:p>
+        </p:txBody>
+      </p:sp>
+      <p:sp>
+        <p:nvSpPr>
+          <p:cNvPr id="129" name="Shape 129"/>
+          <p:cNvSpPr txBox="1"/>
+          <p:nvPr>
+            <p:ph idx="2" type="ctrTitle"/>
+          </p:nvPr>
+        </p:nvSpPr>
+        <p:spPr>
+          <a:xfrm>
+            <a:off y="305277" x="705975"/>
+            <a:ext cy="1159799" cx="7772400"/>
+          </a:xfrm>
+          <a:prstGeom prst="rect">
+            <a:avLst/>
+          </a:prstGeom>
+        </p:spPr>
+        <p:txBody>
+          <a:bodyPr bIns="91425" rIns="91425" lIns="91425" tIns="91425" anchor="b" anchorCtr="0">
+            <a:noAutofit/>
+          </a:bodyPr>
+          <a:lstStyle/>
+          <a:p>
+            <a:pPr rtl="0" lvl="0">
+              <a:spcBef>
+                <a:spcPts val="0"/>
+              </a:spcBef>
+              <a:buNone/>
+            </a:pPr>
+            <a:r>
+              <a:t/>
+            </a:r>
+            <a:endParaRPr>
+              <a:latin typeface="Ubuntu"/>
+              <a:ea typeface="Ubuntu"/>
+              <a:cs typeface="Ubuntu"/>
+              <a:sym typeface="Ubuntu"/>
+            </a:endParaRPr>
+          </a:p>
+          <a:p>
+            <a:pPr rtl="0" lvl="0">
+              <a:spcBef>
+                <a:spcPts val="0"/>
+              </a:spcBef>
+              <a:buNone/>
+            </a:pPr>
+            <a:r>
+              <a:rPr lang="es">
+                <a:latin typeface="Ubuntu"/>
+                <a:ea typeface="Ubuntu"/>
+                <a:cs typeface="Ubuntu"/>
+                <a:sym typeface="Ubuntu"/>
+              </a:rPr>
+              <a:t>Box2D Library &amp; Docs</a:t>
+            </a:r>
+          </a:p>
+        </p:txBody>
+      </p:sp>
+      <p:sp>
+        <p:nvSpPr>
+          <p:cNvPr id="130" name="Shape 130"/>
+          <p:cNvSpPr txBox="1"/>
+          <p:nvPr/>
+        </p:nvSpPr>
+        <p:spPr>
+          <a:xfrm>
+            <a:off y="1249705" x="1058125"/>
+            <a:ext cy="457200" cx="7067399"/>
+          </a:xfrm>
+          <a:prstGeom prst="rect">
+            <a:avLst/>
+          </a:prstGeom>
+        </p:spPr>
+        <p:txBody>
+          <a:bodyPr bIns="91425" rIns="91425" lIns="91425" tIns="91425" anchor="t" anchorCtr="0">
+            <a:noAutofit/>
+          </a:bodyPr>
+          <a:lstStyle/>
+          <a:p>
+            <a:pPr algn="ctr" rtl="0" lvl="0">
+              <a:spcBef>
+                <a:spcPts val="0"/>
+              </a:spcBef>
+              <a:buNone/>
+            </a:pPr>
+            <a:r>
+              <a:rPr sz="2400" lang="es">
+                <a:solidFill>
+                  <a:srgbClr val="4A86E8"/>
+                </a:solidFill>
+              </a:rPr>
+              <a:t>https://code.google.com/p/box2dweb/</a:t>
+            </a:r>
+          </a:p>
+        </p:txBody>
+      </p:sp>
+      <p:sp>
+        <p:nvSpPr>
+          <p:cNvPr id="131" name="Shape 131"/>
+          <p:cNvSpPr txBox="1"/>
+          <p:nvPr>
+            <p:ph idx="3" type="ctrTitle"/>
+          </p:nvPr>
+        </p:nvSpPr>
+        <p:spPr>
+          <a:xfrm>
+            <a:off y="3242947" x="676050"/>
+            <a:ext cy="1159799" cx="7772400"/>
+          </a:xfrm>
+          <a:prstGeom prst="rect">
+            <a:avLst/>
+          </a:prstGeom>
+        </p:spPr>
+        <p:txBody>
+          <a:bodyPr bIns="91425" rIns="91425" lIns="91425" tIns="91425" anchor="b" anchorCtr="0">
+            <a:noAutofit/>
+          </a:bodyPr>
+          <a:lstStyle/>
+          <a:p>
+            <a:pPr rtl="0" lvl="0">
+              <a:spcBef>
+                <a:spcPts val="0"/>
+              </a:spcBef>
+              <a:buNone/>
+            </a:pPr>
+            <a:r>
+              <a:t/>
+            </a:r>
+            <a:endParaRPr>
+              <a:latin typeface="Ubuntu"/>
+              <a:ea typeface="Ubuntu"/>
+              <a:cs typeface="Ubuntu"/>
+              <a:sym typeface="Ubuntu"/>
+            </a:endParaRPr>
+          </a:p>
+          <a:p>
+            <a:pPr rtl="0" lvl="0">
+              <a:spcBef>
+                <a:spcPts val="0"/>
+              </a:spcBef>
+              <a:buNone/>
+            </a:pPr>
+            <a:r>
+              <a:rPr lang="es">
+                <a:latin typeface="Ubuntu"/>
+                <a:ea typeface="Ubuntu"/>
+                <a:cs typeface="Ubuntu"/>
+                <a:sym typeface="Ubuntu"/>
+              </a:rPr>
+              <a:t>iForce Tutorials</a:t>
+            </a:r>
+          </a:p>
+        </p:txBody>
+      </p:sp>
+      <p:sp>
+        <p:nvSpPr>
+          <p:cNvPr id="132" name="Shape 132"/>
+          <p:cNvSpPr txBox="1"/>
+          <p:nvPr/>
+        </p:nvSpPr>
+        <p:spPr>
+          <a:xfrm>
+            <a:off y="4187375" x="1028200"/>
+            <a:ext cy="457200" cx="7067399"/>
+          </a:xfrm>
+          <a:prstGeom prst="rect">
+            <a:avLst/>
+          </a:prstGeom>
+        </p:spPr>
+        <p:txBody>
+          <a:bodyPr bIns="91425" rIns="91425" lIns="91425" tIns="91425" anchor="t" anchorCtr="0">
+            <a:noAutofit/>
+          </a:bodyPr>
+          <a:lstStyle/>
+          <a:p>
+            <a:pPr algn="ctr" rtl="0" lvl="0">
+              <a:spcBef>
+                <a:spcPts val="0"/>
+              </a:spcBef>
+              <a:buNone/>
+            </a:pPr>
+            <a:r>
+              <a:rPr sz="2400" lang="es">
+                <a:solidFill>
+                  <a:srgbClr val="4A86E8"/>
+                </a:solidFill>
+              </a:rPr>
+              <a:t>http://www.iforce2d.net/b2dtut/</a:t>
+            </a:r>
+          </a:p>
+        </p:txBody>
+      </p:sp>
+    </p:spTree>
+  </p:cSld>
+  <p:clrMapOvr>
+    <a:masterClrMapping/>
+  </p:clrMapOvr>
+  <p:transition spd="slow">
+    <p:cut/>
+  </p:transition>
+</p:sld>
+</file>
+
+<file path=ppt/slides/slide13.xml><?xml version="1.0" encoding="utf-8"?>
+<p:sld xmlns:a="http://schemas.openxmlformats.org/drawingml/2006/main" xmlns:r="http://schemas.openxmlformats.org/officeDocument/2006/relationships" xmlns:mc="http://schemas.openxmlformats.org/markup-compatibility/2006" xmlns:mv="urn:schemas-microsoft-com:mac:vml" xmlns:p="http://schemas.openxmlformats.org/presentationml/2006/main" xmlns:c="http://schemas.openxmlformats.org/drawingml/2006/chart" xmlns:dgm="http://schemas.openxmlformats.org/drawingml/2006/diagram" xmlns:o="urn:schemas-microsoft-com:office:office" xmlns:v="urn:schemas-microsoft-com:vml" xmlns:pvml="urn:schemas-microsoft-com:office:powerpoint" xmlns:com="http://schemas.openxmlformats.org/drawingml/2006/compatibility" xmlns:p14="http://schemas.microsoft.com/office/powerpoint/2010/main">
+  <p:cSld>
+    <p:spTree>
+      <p:nvGrpSpPr>
+        <p:cNvPr id="136" name="Shape 136"/>
         <p:cNvGrpSpPr/>
         <p:nvPr/>
       </p:nvGrpSpPr>
@@ -4501,7 +4828,7 @@
       </p:grpSpPr>
       <p:pic>
         <p:nvPicPr>
-          <p:cNvPr id="129" name="Shape 129"/>
+          <p:cNvPr id="137" name="Shape 137"/>
           <p:cNvPicPr preferRelativeResize="0"/>
           <p:nvPr/>
         </p:nvPicPr>
@@ -4523,7 +4850,7 @@
       </p:pic>
       <p:sp>
         <p:nvSpPr>
-          <p:cNvPr id="130" name="Shape 130"/>
+          <p:cNvPr id="138" name="Shape 138"/>
           <p:cNvSpPr txBox="1"/>
           <p:nvPr>
             <p:ph type="ctrTitle"/>
